--- a/ontology/demos/demo-2017-10-20.pptx
+++ b/ontology/demos/demo-2017-10-20.pptx
@@ -3631,13 +3631,6 @@
         </dgm:presLayoutVars>
       </dgm:prSet>
       <dgm:spPr/>
-      <dgm:t>
-        <a:bodyPr/>
-        <a:lstStyle/>
-        <a:p>
-          <a:endParaRPr lang="en-US"/>
-        </a:p>
-      </dgm:t>
     </dgm:pt>
     <dgm:pt modelId="{B0BAA389-B5E8-48FE-9B05-842C19904884}" type="pres">
       <dgm:prSet presAssocID="{8524DD58-5A20-4BC0-A8F9-6425A5D83D17}" presName="hierRoot1" presStyleCnt="0"/>
@@ -3658,13 +3651,6 @@
         </dgm:presLayoutVars>
       </dgm:prSet>
       <dgm:spPr/>
-      <dgm:t>
-        <a:bodyPr/>
-        <a:lstStyle/>
-        <a:p>
-          <a:endParaRPr lang="en-US"/>
-        </a:p>
-      </dgm:t>
     </dgm:pt>
     <dgm:pt modelId="{8632FCFF-D066-4AB6-857B-3689AEA8773E}" type="pres">
       <dgm:prSet presAssocID="{8524DD58-5A20-4BC0-A8F9-6425A5D83D17}" presName="hierChild2" presStyleCnt="0"/>
@@ -3673,13 +3659,6 @@
     <dgm:pt modelId="{2A6E5A3B-572D-4321-85A8-25F2BFE876A3}" type="pres">
       <dgm:prSet presAssocID="{5C477CDF-8840-46C8-915C-48C0FD057B0A}" presName="Name10" presStyleLbl="parChTrans1D2" presStyleIdx="0" presStyleCnt="6"/>
       <dgm:spPr/>
-      <dgm:t>
-        <a:bodyPr/>
-        <a:lstStyle/>
-        <a:p>
-          <a:endParaRPr lang="en-US"/>
-        </a:p>
-      </dgm:t>
     </dgm:pt>
     <dgm:pt modelId="{E55B50FF-4C14-4E92-8F6A-EAD30C1E25EC}" type="pres">
       <dgm:prSet presAssocID="{A923C540-ED45-422C-843F-0C6DCDADC9AB}" presName="hierRoot2" presStyleCnt="0"/>
@@ -3700,13 +3679,6 @@
         </dgm:presLayoutVars>
       </dgm:prSet>
       <dgm:spPr/>
-      <dgm:t>
-        <a:bodyPr/>
-        <a:lstStyle/>
-        <a:p>
-          <a:endParaRPr lang="en-US"/>
-        </a:p>
-      </dgm:t>
     </dgm:pt>
     <dgm:pt modelId="{171F0247-CC6E-4054-86A7-40462965870F}" type="pres">
       <dgm:prSet presAssocID="{A923C540-ED45-422C-843F-0C6DCDADC9AB}" presName="hierChild3" presStyleCnt="0"/>
@@ -3731,13 +3703,6 @@
         </dgm:presLayoutVars>
       </dgm:prSet>
       <dgm:spPr/>
-      <dgm:t>
-        <a:bodyPr/>
-        <a:lstStyle/>
-        <a:p>
-          <a:endParaRPr lang="en-US"/>
-        </a:p>
-      </dgm:t>
     </dgm:pt>
     <dgm:pt modelId="{453DC995-69BE-423E-818E-796623C595EF}" type="pres">
       <dgm:prSet presAssocID="{18994E44-AF00-4CD7-BFFB-893F48881FB3}" presName="hierChild2" presStyleCnt="0"/>
@@ -3746,13 +3711,6 @@
     <dgm:pt modelId="{54CA6D72-4DAF-4F5A-BFF8-0F3B24E63E46}" type="pres">
       <dgm:prSet presAssocID="{E33D9464-94F1-4C5E-8AF9-0581A17D52C6}" presName="Name10" presStyleLbl="parChTrans1D2" presStyleIdx="1" presStyleCnt="6"/>
       <dgm:spPr/>
-      <dgm:t>
-        <a:bodyPr/>
-        <a:lstStyle/>
-        <a:p>
-          <a:endParaRPr lang="en-US"/>
-        </a:p>
-      </dgm:t>
     </dgm:pt>
     <dgm:pt modelId="{A10FBB14-8FAD-4C1B-A327-227CB4F9CED3}" type="pres">
       <dgm:prSet presAssocID="{30194467-FD7E-4D24-8DB0-714FAD158BDA}" presName="hierRoot2" presStyleCnt="0"/>
@@ -3773,13 +3731,6 @@
         </dgm:presLayoutVars>
       </dgm:prSet>
       <dgm:spPr/>
-      <dgm:t>
-        <a:bodyPr/>
-        <a:lstStyle/>
-        <a:p>
-          <a:endParaRPr lang="en-US"/>
-        </a:p>
-      </dgm:t>
     </dgm:pt>
     <dgm:pt modelId="{DB5CFF2A-5C65-45C8-AC8A-2053FE56F0C6}" type="pres">
       <dgm:prSet presAssocID="{30194467-FD7E-4D24-8DB0-714FAD158BDA}" presName="hierChild3" presStyleCnt="0"/>
@@ -3788,13 +3739,6 @@
     <dgm:pt modelId="{10ADEA91-9B7F-41AE-8475-3415F03C7997}" type="pres">
       <dgm:prSet presAssocID="{8660905E-B178-4AB7-95E3-8857E1B584D3}" presName="Name10" presStyleLbl="parChTrans1D2" presStyleIdx="2" presStyleCnt="6"/>
       <dgm:spPr/>
-      <dgm:t>
-        <a:bodyPr/>
-        <a:lstStyle/>
-        <a:p>
-          <a:endParaRPr lang="en-US"/>
-        </a:p>
-      </dgm:t>
     </dgm:pt>
     <dgm:pt modelId="{60A98512-EE5F-469A-A567-9B0DFA18988E}" type="pres">
       <dgm:prSet presAssocID="{EDEA9A5B-7A7B-44DC-B057-F6BEFF56A3E3}" presName="hierRoot2" presStyleCnt="0"/>
@@ -3815,13 +3759,6 @@
         </dgm:presLayoutVars>
       </dgm:prSet>
       <dgm:spPr/>
-      <dgm:t>
-        <a:bodyPr/>
-        <a:lstStyle/>
-        <a:p>
-          <a:endParaRPr lang="en-US"/>
-        </a:p>
-      </dgm:t>
     </dgm:pt>
     <dgm:pt modelId="{FEE2E0E3-610F-4E0E-A956-E5DCDA9FC116}" type="pres">
       <dgm:prSet presAssocID="{EDEA9A5B-7A7B-44DC-B057-F6BEFF56A3E3}" presName="hierChild3" presStyleCnt="0"/>
@@ -3830,13 +3767,6 @@
     <dgm:pt modelId="{2782B56D-3B1A-414B-940E-03345377419E}" type="pres">
       <dgm:prSet presAssocID="{29DAC408-E444-40DB-BB07-185C2BB20BE6}" presName="Name17" presStyleLbl="parChTrans1D3" presStyleIdx="0" presStyleCnt="2"/>
       <dgm:spPr/>
-      <dgm:t>
-        <a:bodyPr/>
-        <a:lstStyle/>
-        <a:p>
-          <a:endParaRPr lang="en-US"/>
-        </a:p>
-      </dgm:t>
     </dgm:pt>
     <dgm:pt modelId="{AACA356B-E4AE-4DA5-B230-56C69101B32E}" type="pres">
       <dgm:prSet presAssocID="{591C96C0-B4A2-495D-B12D-AE27E21DBD88}" presName="hierRoot3" presStyleCnt="0"/>
@@ -3857,13 +3787,6 @@
         </dgm:presLayoutVars>
       </dgm:prSet>
       <dgm:spPr/>
-      <dgm:t>
-        <a:bodyPr/>
-        <a:lstStyle/>
-        <a:p>
-          <a:endParaRPr lang="en-US"/>
-        </a:p>
-      </dgm:t>
     </dgm:pt>
     <dgm:pt modelId="{DDD0F9E6-9D0D-4603-ABEA-92723FB1E043}" type="pres">
       <dgm:prSet presAssocID="{591C96C0-B4A2-495D-B12D-AE27E21DBD88}" presName="hierChild4" presStyleCnt="0"/>
@@ -3872,13 +3795,6 @@
     <dgm:pt modelId="{C02C0F47-89B0-40E9-8D96-6830863053FD}" type="pres">
       <dgm:prSet presAssocID="{F80D5291-1F19-4570-BD84-06C7A7C27CFF}" presName="Name17" presStyleLbl="parChTrans1D3" presStyleIdx="1" presStyleCnt="2"/>
       <dgm:spPr/>
-      <dgm:t>
-        <a:bodyPr/>
-        <a:lstStyle/>
-        <a:p>
-          <a:endParaRPr lang="en-US"/>
-        </a:p>
-      </dgm:t>
     </dgm:pt>
     <dgm:pt modelId="{B85E22F0-24FC-43A5-B661-991DE3712735}" type="pres">
       <dgm:prSet presAssocID="{D1094483-B178-4085-961F-43ECEFDE8599}" presName="hierRoot3" presStyleCnt="0"/>
@@ -3899,13 +3815,6 @@
         </dgm:presLayoutVars>
       </dgm:prSet>
       <dgm:spPr/>
-      <dgm:t>
-        <a:bodyPr/>
-        <a:lstStyle/>
-        <a:p>
-          <a:endParaRPr lang="en-US"/>
-        </a:p>
-      </dgm:t>
     </dgm:pt>
     <dgm:pt modelId="{4937EEA4-BBF7-4256-BF7E-238BC2DD7D16}" type="pres">
       <dgm:prSet presAssocID="{D1094483-B178-4085-961F-43ECEFDE8599}" presName="hierChild4" presStyleCnt="0"/>
@@ -3914,13 +3823,6 @@
     <dgm:pt modelId="{58A324DF-9888-4D3B-843C-35027F670662}" type="pres">
       <dgm:prSet presAssocID="{B39EC8B6-8DE7-41B7-9370-705CB5823913}" presName="Name23" presStyleLbl="parChTrans1D4" presStyleIdx="0" presStyleCnt="3"/>
       <dgm:spPr/>
-      <dgm:t>
-        <a:bodyPr/>
-        <a:lstStyle/>
-        <a:p>
-          <a:endParaRPr lang="en-US"/>
-        </a:p>
-      </dgm:t>
     </dgm:pt>
     <dgm:pt modelId="{C4FCC9EB-4107-45BA-A85E-82F3D039E321}" type="pres">
       <dgm:prSet presAssocID="{1FCD92F8-79A9-48DB-A592-03D5F134F8AD}" presName="hierRoot4" presStyleCnt="0"/>
@@ -3941,13 +3843,6 @@
         </dgm:presLayoutVars>
       </dgm:prSet>
       <dgm:spPr/>
-      <dgm:t>
-        <a:bodyPr/>
-        <a:lstStyle/>
-        <a:p>
-          <a:endParaRPr lang="en-US"/>
-        </a:p>
-      </dgm:t>
     </dgm:pt>
     <dgm:pt modelId="{21F15AA6-CA54-4735-A838-F048105F1AF1}" type="pres">
       <dgm:prSet presAssocID="{1FCD92F8-79A9-48DB-A592-03D5F134F8AD}" presName="hierChild5" presStyleCnt="0"/>
@@ -3956,13 +3851,6 @@
     <dgm:pt modelId="{8F74CD9E-AEEB-43B8-95A7-4EC1629252D3}" type="pres">
       <dgm:prSet presAssocID="{C46ECDBD-32A2-4443-8D38-B29C487E4F37}" presName="Name23" presStyleLbl="parChTrans1D4" presStyleIdx="1" presStyleCnt="3"/>
       <dgm:spPr/>
-      <dgm:t>
-        <a:bodyPr/>
-        <a:lstStyle/>
-        <a:p>
-          <a:endParaRPr lang="en-US"/>
-        </a:p>
-      </dgm:t>
     </dgm:pt>
     <dgm:pt modelId="{83DCDF06-947D-4D5E-A1BF-39A06C29E62D}" type="pres">
       <dgm:prSet presAssocID="{E0BE901C-0CFD-4076-9A90-3C9D2272EF7F}" presName="hierRoot4" presStyleCnt="0"/>
@@ -3983,13 +3871,6 @@
         </dgm:presLayoutVars>
       </dgm:prSet>
       <dgm:spPr/>
-      <dgm:t>
-        <a:bodyPr/>
-        <a:lstStyle/>
-        <a:p>
-          <a:endParaRPr lang="en-US"/>
-        </a:p>
-      </dgm:t>
     </dgm:pt>
     <dgm:pt modelId="{4C80783D-B300-407A-958B-627094077C9F}" type="pres">
       <dgm:prSet presAssocID="{E0BE901C-0CFD-4076-9A90-3C9D2272EF7F}" presName="hierChild5" presStyleCnt="0"/>
@@ -3998,13 +3879,6 @@
     <dgm:pt modelId="{26607EC0-F098-44DB-9C64-329DE95362A9}" type="pres">
       <dgm:prSet presAssocID="{B71299E6-F7A3-4C91-A358-6056F5AF1F98}" presName="Name23" presStyleLbl="parChTrans1D4" presStyleIdx="2" presStyleCnt="3"/>
       <dgm:spPr/>
-      <dgm:t>
-        <a:bodyPr/>
-        <a:lstStyle/>
-        <a:p>
-          <a:endParaRPr lang="en-US"/>
-        </a:p>
-      </dgm:t>
     </dgm:pt>
     <dgm:pt modelId="{6F9856A8-4628-480E-9E36-CB50A36F4536}" type="pres">
       <dgm:prSet presAssocID="{A903B131-00F6-4300-A7C5-4EBFFECA2BFE}" presName="hierRoot4" presStyleCnt="0"/>
@@ -4025,13 +3899,6 @@
         </dgm:presLayoutVars>
       </dgm:prSet>
       <dgm:spPr/>
-      <dgm:t>
-        <a:bodyPr/>
-        <a:lstStyle/>
-        <a:p>
-          <a:endParaRPr lang="en-US"/>
-        </a:p>
-      </dgm:t>
     </dgm:pt>
     <dgm:pt modelId="{5172A587-57F4-47EF-8998-48457B9EBE13}" type="pres">
       <dgm:prSet presAssocID="{A903B131-00F6-4300-A7C5-4EBFFECA2BFE}" presName="hierChild5" presStyleCnt="0"/>
@@ -4040,13 +3907,6 @@
     <dgm:pt modelId="{4B8A6B68-CBBF-4750-8A92-251106370A0E}" type="pres">
       <dgm:prSet presAssocID="{141A4074-C9FD-4AF8-AA9B-4F3CAC93EA18}" presName="Name10" presStyleLbl="parChTrans1D2" presStyleIdx="3" presStyleCnt="6"/>
       <dgm:spPr/>
-      <dgm:t>
-        <a:bodyPr/>
-        <a:lstStyle/>
-        <a:p>
-          <a:endParaRPr lang="en-US"/>
-        </a:p>
-      </dgm:t>
     </dgm:pt>
     <dgm:pt modelId="{79F85412-F7BD-4DE0-995A-A69A8C9EA902}" type="pres">
       <dgm:prSet presAssocID="{4CF28C83-AF25-475E-9F50-007420FDF6A3}" presName="hierRoot2" presStyleCnt="0"/>
@@ -4067,13 +3927,6 @@
         </dgm:presLayoutVars>
       </dgm:prSet>
       <dgm:spPr/>
-      <dgm:t>
-        <a:bodyPr/>
-        <a:lstStyle/>
-        <a:p>
-          <a:endParaRPr lang="en-US"/>
-        </a:p>
-      </dgm:t>
     </dgm:pt>
     <dgm:pt modelId="{ABBA5C9B-45B3-4AC2-B2E3-236EF0B81A1F}" type="pres">
       <dgm:prSet presAssocID="{4CF28C83-AF25-475E-9F50-007420FDF6A3}" presName="hierChild3" presStyleCnt="0"/>
@@ -4082,13 +3935,6 @@
     <dgm:pt modelId="{541ECD9B-EC50-48A1-94BD-FEC4CBB41E32}" type="pres">
       <dgm:prSet presAssocID="{90FE2595-7ECF-4128-94C3-771DC3235C42}" presName="Name10" presStyleLbl="parChTrans1D2" presStyleIdx="4" presStyleCnt="6"/>
       <dgm:spPr/>
-      <dgm:t>
-        <a:bodyPr/>
-        <a:lstStyle/>
-        <a:p>
-          <a:endParaRPr lang="en-US"/>
-        </a:p>
-      </dgm:t>
     </dgm:pt>
     <dgm:pt modelId="{79A6DBA8-63FA-4489-B9B1-4707F6FA5BA9}" type="pres">
       <dgm:prSet presAssocID="{D9F283E7-185E-4CC1-8FA1-15186A217D73}" presName="hierRoot2" presStyleCnt="0"/>
@@ -4109,13 +3955,6 @@
         </dgm:presLayoutVars>
       </dgm:prSet>
       <dgm:spPr/>
-      <dgm:t>
-        <a:bodyPr/>
-        <a:lstStyle/>
-        <a:p>
-          <a:endParaRPr lang="en-US"/>
-        </a:p>
-      </dgm:t>
     </dgm:pt>
     <dgm:pt modelId="{393E6A52-ACF1-475A-88F3-73D63AA1B389}" type="pres">
       <dgm:prSet presAssocID="{D9F283E7-185E-4CC1-8FA1-15186A217D73}" presName="hierChild3" presStyleCnt="0"/>
@@ -4124,13 +3963,6 @@
     <dgm:pt modelId="{DFBBF034-86D2-4D57-BEB3-EC107B3FDEE7}" type="pres">
       <dgm:prSet presAssocID="{74675377-CAC4-4838-9AC4-4E89B176B345}" presName="Name10" presStyleLbl="parChTrans1D2" presStyleIdx="5" presStyleCnt="6"/>
       <dgm:spPr/>
-      <dgm:t>
-        <a:bodyPr/>
-        <a:lstStyle/>
-        <a:p>
-          <a:endParaRPr lang="en-US"/>
-        </a:p>
-      </dgm:t>
     </dgm:pt>
     <dgm:pt modelId="{D92E178D-15D1-46D9-9238-3AACAB5E72EB}" type="pres">
       <dgm:prSet presAssocID="{167C0B38-4D45-461B-B5FE-F516FC0C47B1}" presName="hierRoot2" presStyleCnt="0"/>
@@ -4151,13 +3983,6 @@
         </dgm:presLayoutVars>
       </dgm:prSet>
       <dgm:spPr/>
-      <dgm:t>
-        <a:bodyPr/>
-        <a:lstStyle/>
-        <a:p>
-          <a:endParaRPr lang="en-US"/>
-        </a:p>
-      </dgm:t>
     </dgm:pt>
     <dgm:pt modelId="{4561F020-85BE-4261-9558-DFFB870F131F}" type="pres">
       <dgm:prSet presAssocID="{167C0B38-4D45-461B-B5FE-F516FC0C47B1}" presName="hierChild3" presStyleCnt="0"/>
@@ -4165,44 +3990,44 @@
     </dgm:pt>
   </dgm:ptLst>
   <dgm:cxnLst>
+    <dgm:cxn modelId="{5A8F830B-C4E1-433F-A5C1-2A7019716B57}" type="presOf" srcId="{D9F283E7-185E-4CC1-8FA1-15186A217D73}" destId="{6AFCA11E-528B-40BD-B72C-A0943F1BBF94}" srcOrd="0" destOrd="0" presId="urn:microsoft.com/office/officeart/2005/8/layout/hierarchy1"/>
+    <dgm:cxn modelId="{AAB5500D-C824-43C0-ADFD-37D83585D813}" type="presOf" srcId="{8660905E-B178-4AB7-95E3-8857E1B584D3}" destId="{10ADEA91-9B7F-41AE-8475-3415F03C7997}" srcOrd="0" destOrd="0" presId="urn:microsoft.com/office/officeart/2005/8/layout/hierarchy1"/>
     <dgm:cxn modelId="{A40B5D10-734E-466C-8C0E-387720C269A3}" srcId="{8524DD58-5A20-4BC0-A8F9-6425A5D83D17}" destId="{A923C540-ED45-422C-843F-0C6DCDADC9AB}" srcOrd="0" destOrd="0" parTransId="{5C477CDF-8840-46C8-915C-48C0FD057B0A}" sibTransId="{8563C58B-205C-4509-8745-FD52D2F0D296}"/>
+    <dgm:cxn modelId="{D81AB01A-9A12-464F-BDBF-93EAC98EBCFB}" type="presOf" srcId="{E33D9464-94F1-4C5E-8AF9-0581A17D52C6}" destId="{54CA6D72-4DAF-4F5A-BFF8-0F3B24E63E46}" srcOrd="0" destOrd="0" presId="urn:microsoft.com/office/officeart/2005/8/layout/hierarchy1"/>
+    <dgm:cxn modelId="{D016FB1B-27BC-493D-A429-70FC10569AF5}" type="presOf" srcId="{1FCD92F8-79A9-48DB-A592-03D5F134F8AD}" destId="{41ADC508-700B-498E-AF8F-826A7F507618}" srcOrd="0" destOrd="0" presId="urn:microsoft.com/office/officeart/2005/8/layout/hierarchy1"/>
+    <dgm:cxn modelId="{78B6A52E-8932-4006-823B-07B3D147349B}" type="presOf" srcId="{167C0B38-4D45-461B-B5FE-F516FC0C47B1}" destId="{DA51FBE4-5852-40D4-BFBB-96C1DEE5735D}" srcOrd="0" destOrd="0" presId="urn:microsoft.com/office/officeart/2005/8/layout/hierarchy1"/>
+    <dgm:cxn modelId="{45EB6E37-315F-4DE6-88F4-49AD4E52D41E}" srcId="{D2F696D7-6F24-4D93-A6F6-AEFB75F66471}" destId="{8524DD58-5A20-4BC0-A8F9-6425A5D83D17}" srcOrd="0" destOrd="0" parTransId="{91AF1766-C553-4B01-9C3E-2A7C7ADB8C18}" sibTransId="{6CE507ED-228C-4E4D-B4CC-E730B871EAB9}"/>
+    <dgm:cxn modelId="{72D4003B-7ECF-4B97-8D57-E2E0D585CE37}" type="presOf" srcId="{30194467-FD7E-4D24-8DB0-714FAD158BDA}" destId="{173B9D13-7D12-4225-857A-7C445B30673C}" srcOrd="0" destOrd="0" presId="urn:microsoft.com/office/officeart/2005/8/layout/hierarchy1"/>
+    <dgm:cxn modelId="{46FC603E-1482-45A0-80A5-1426AFA7E733}" type="presOf" srcId="{5C477CDF-8840-46C8-915C-48C0FD057B0A}" destId="{2A6E5A3B-572D-4321-85A8-25F2BFE876A3}" srcOrd="0" destOrd="0" presId="urn:microsoft.com/office/officeart/2005/8/layout/hierarchy1"/>
+    <dgm:cxn modelId="{3A0D9F61-AE06-40B0-BFF4-F4A8532836F2}" srcId="{18994E44-AF00-4CD7-BFFB-893F48881FB3}" destId="{EDEA9A5B-7A7B-44DC-B057-F6BEFF56A3E3}" srcOrd="1" destOrd="0" parTransId="{8660905E-B178-4AB7-95E3-8857E1B584D3}" sibTransId="{44BDF4C1-525B-4D43-B9AB-EEFC8658688F}"/>
+    <dgm:cxn modelId="{CF2F9F44-CA5A-4702-9EFE-40868856802F}" type="presOf" srcId="{C46ECDBD-32A2-4443-8D38-B29C487E4F37}" destId="{8F74CD9E-AEEB-43B8-95A7-4EC1629252D3}" srcOrd="0" destOrd="0" presId="urn:microsoft.com/office/officeart/2005/8/layout/hierarchy1"/>
+    <dgm:cxn modelId="{DA053771-A0B5-4DBD-84D7-1FFAB1942401}" type="presOf" srcId="{B39EC8B6-8DE7-41B7-9370-705CB5823913}" destId="{58A324DF-9888-4D3B-843C-35027F670662}" srcOrd="0" destOrd="0" presId="urn:microsoft.com/office/officeart/2005/8/layout/hierarchy1"/>
+    <dgm:cxn modelId="{CD904371-AC6F-41B0-AD50-E9D5A9F99D39}" type="presOf" srcId="{141A4074-C9FD-4AF8-AA9B-4F3CAC93EA18}" destId="{4B8A6B68-CBBF-4750-8A92-251106370A0E}" srcOrd="0" destOrd="0" presId="urn:microsoft.com/office/officeart/2005/8/layout/hierarchy1"/>
+    <dgm:cxn modelId="{277B5F52-3BC5-4BF2-AB95-3043BC2D6399}" type="presOf" srcId="{E0BE901C-0CFD-4076-9A90-3C9D2272EF7F}" destId="{1B2EE649-2B94-427D-8F07-A895A1088269}" srcOrd="0" destOrd="0" presId="urn:microsoft.com/office/officeart/2005/8/layout/hierarchy1"/>
+    <dgm:cxn modelId="{AE9C7B53-F4EB-4072-827B-C617067D6BB0}" type="presOf" srcId="{18994E44-AF00-4CD7-BFFB-893F48881FB3}" destId="{C8123B47-734E-4D1A-979C-B85396FF6987}" srcOrd="0" destOrd="0" presId="urn:microsoft.com/office/officeart/2005/8/layout/hierarchy1"/>
+    <dgm:cxn modelId="{5685EB81-D231-4085-86AA-F4C075B2B83E}" srcId="{18994E44-AF00-4CD7-BFFB-893F48881FB3}" destId="{167C0B38-4D45-461B-B5FE-F516FC0C47B1}" srcOrd="4" destOrd="0" parTransId="{74675377-CAC4-4838-9AC4-4E89B176B345}" sibTransId="{D5083BFB-FF2E-4A79-B4CD-B99D53F7482D}"/>
+    <dgm:cxn modelId="{3A06DD85-6312-42CA-9CE5-338B2F2FAAB6}" type="presOf" srcId="{A903B131-00F6-4300-A7C5-4EBFFECA2BFE}" destId="{EAF5657C-F814-4B97-A682-14631681F8EB}" srcOrd="0" destOrd="0" presId="urn:microsoft.com/office/officeart/2005/8/layout/hierarchy1"/>
+    <dgm:cxn modelId="{B9D2258C-A8F6-4C7C-B3FD-B66C6193B6DD}" srcId="{EDEA9A5B-7A7B-44DC-B057-F6BEFF56A3E3}" destId="{D1094483-B178-4085-961F-43ECEFDE8599}" srcOrd="1" destOrd="0" parTransId="{F80D5291-1F19-4570-BD84-06C7A7C27CFF}" sibTransId="{4E778291-BEA7-4076-8E6F-AD79D6ADEF31}"/>
+    <dgm:cxn modelId="{E8B3728C-D796-45A0-B674-6A4D1E8ADF6A}" type="presOf" srcId="{A923C540-ED45-422C-843F-0C6DCDADC9AB}" destId="{988D4E53-B31D-4C89-AD22-ED94EA2E97AF}" srcOrd="0" destOrd="0" presId="urn:microsoft.com/office/officeart/2005/8/layout/hierarchy1"/>
+    <dgm:cxn modelId="{AEE33593-2C5C-4CBD-AAA8-02176F2C618A}" srcId="{EDEA9A5B-7A7B-44DC-B057-F6BEFF56A3E3}" destId="{591C96C0-B4A2-495D-B12D-AE27E21DBD88}" srcOrd="0" destOrd="0" parTransId="{29DAC408-E444-40DB-BB07-185C2BB20BE6}" sibTransId="{3C400E3E-6BAA-4161-8F35-FC399C4E1346}"/>
+    <dgm:cxn modelId="{5D0B5099-7A53-4928-B1B9-FE2E963C7631}" type="presOf" srcId="{90FE2595-7ECF-4128-94C3-771DC3235C42}" destId="{541ECD9B-EC50-48A1-94BD-FEC4CBB41E32}" srcOrd="0" destOrd="0" presId="urn:microsoft.com/office/officeart/2005/8/layout/hierarchy1"/>
+    <dgm:cxn modelId="{75A7D199-D9EC-43BF-9BB7-EBF150BB3903}" srcId="{D2F696D7-6F24-4D93-A6F6-AEFB75F66471}" destId="{18994E44-AF00-4CD7-BFFB-893F48881FB3}" srcOrd="1" destOrd="0" parTransId="{FD551922-1961-4B0B-A7AE-CAF490FF2622}" sibTransId="{BADBC77F-15AA-4275-8C6D-4CD383CECD2B}"/>
+    <dgm:cxn modelId="{6FBA3A9E-B6B2-4936-B0A6-7151D4EEA1C9}" srcId="{D1094483-B178-4085-961F-43ECEFDE8599}" destId="{A903B131-00F6-4300-A7C5-4EBFFECA2BFE}" srcOrd="2" destOrd="0" parTransId="{B71299E6-F7A3-4C91-A358-6056F5AF1F98}" sibTransId="{14CAC3CA-574B-4EF4-9E4F-AE657B382033}"/>
+    <dgm:cxn modelId="{BF9FD0A2-FC1A-43D4-A1BD-9462248D33EE}" srcId="{D1094483-B178-4085-961F-43ECEFDE8599}" destId="{E0BE901C-0CFD-4076-9A90-3C9D2272EF7F}" srcOrd="1" destOrd="0" parTransId="{C46ECDBD-32A2-4443-8D38-B29C487E4F37}" sibTransId="{804D9A2E-A2FB-4A4E-B141-557733345E78}"/>
+    <dgm:cxn modelId="{05B48EA5-4E86-450B-85EB-FD2FA0A465FA}" srcId="{D1094483-B178-4085-961F-43ECEFDE8599}" destId="{1FCD92F8-79A9-48DB-A592-03D5F134F8AD}" srcOrd="0" destOrd="0" parTransId="{B39EC8B6-8DE7-41B7-9370-705CB5823913}" sibTransId="{D478D3FB-DAEA-4BA3-975E-E63E143E287B}"/>
+    <dgm:cxn modelId="{DC7654B5-E13E-4EF5-8929-0E36A0589E20}" srcId="{18994E44-AF00-4CD7-BFFB-893F48881FB3}" destId="{30194467-FD7E-4D24-8DB0-714FAD158BDA}" srcOrd="0" destOrd="0" parTransId="{E33D9464-94F1-4C5E-8AF9-0581A17D52C6}" sibTransId="{D1BB627F-DAC7-449A-8004-281B1036B1FB}"/>
     <dgm:cxn modelId="{0B9AA6C0-D802-4B94-8B45-939EF45D3947}" type="presOf" srcId="{B71299E6-F7A3-4C91-A358-6056F5AF1F98}" destId="{26607EC0-F098-44DB-9C64-329DE95362A9}" srcOrd="0" destOrd="0" presId="urn:microsoft.com/office/officeart/2005/8/layout/hierarchy1"/>
-    <dgm:cxn modelId="{3A0D9F61-AE06-40B0-BFF4-F4A8532836F2}" srcId="{18994E44-AF00-4CD7-BFFB-893F48881FB3}" destId="{EDEA9A5B-7A7B-44DC-B057-F6BEFF56A3E3}" srcOrd="1" destOrd="0" parTransId="{8660905E-B178-4AB7-95E3-8857E1B584D3}" sibTransId="{44BDF4C1-525B-4D43-B9AB-EEFC8658688F}"/>
-    <dgm:cxn modelId="{62DBA0F5-166D-43A4-9301-5E0475176CBA}" type="presOf" srcId="{29DAC408-E444-40DB-BB07-185C2BB20BE6}" destId="{2782B56D-3B1A-414B-940E-03345377419E}" srcOrd="0" destOrd="0" presId="urn:microsoft.com/office/officeart/2005/8/layout/hierarchy1"/>
+    <dgm:cxn modelId="{134055C1-EFE8-493E-AEFA-711A90A7AE2D}" srcId="{18994E44-AF00-4CD7-BFFB-893F48881FB3}" destId="{4CF28C83-AF25-475E-9F50-007420FDF6A3}" srcOrd="2" destOrd="0" parTransId="{141A4074-C9FD-4AF8-AA9B-4F3CAC93EA18}" sibTransId="{06AAF7AA-1E65-4BFF-A261-87B2EFEBF689}"/>
+    <dgm:cxn modelId="{5CF7F6C1-E3A6-4508-A12B-CF09E755945F}" type="presOf" srcId="{591C96C0-B4A2-495D-B12D-AE27E21DBD88}" destId="{9631D492-9631-4BC0-8E32-24F64A52BF58}" srcOrd="0" destOrd="0" presId="urn:microsoft.com/office/officeart/2005/8/layout/hierarchy1"/>
     <dgm:cxn modelId="{115E32D7-87CA-487D-AAB7-DEA86E0A445C}" type="presOf" srcId="{4CF28C83-AF25-475E-9F50-007420FDF6A3}" destId="{BAAC51C4-C80E-4EB2-9417-B37059021C8B}" srcOrd="0" destOrd="0" presId="urn:microsoft.com/office/officeart/2005/8/layout/hierarchy1"/>
     <dgm:cxn modelId="{3747AADA-4818-4256-9FC6-1D6FC6AFC599}" type="presOf" srcId="{D1094483-B178-4085-961F-43ECEFDE8599}" destId="{796B37A5-21B2-4851-BF38-DA90895D29E2}" srcOrd="0" destOrd="0" presId="urn:microsoft.com/office/officeart/2005/8/layout/hierarchy1"/>
-    <dgm:cxn modelId="{5D0B5099-7A53-4928-B1B9-FE2E963C7631}" type="presOf" srcId="{90FE2595-7ECF-4128-94C3-771DC3235C42}" destId="{541ECD9B-EC50-48A1-94BD-FEC4CBB41E32}" srcOrd="0" destOrd="0" presId="urn:microsoft.com/office/officeart/2005/8/layout/hierarchy1"/>
-    <dgm:cxn modelId="{AE9C7B53-F4EB-4072-827B-C617067D6BB0}" type="presOf" srcId="{18994E44-AF00-4CD7-BFFB-893F48881FB3}" destId="{C8123B47-734E-4D1A-979C-B85396FF6987}" srcOrd="0" destOrd="0" presId="urn:microsoft.com/office/officeart/2005/8/layout/hierarchy1"/>
-    <dgm:cxn modelId="{DC7654B5-E13E-4EF5-8929-0E36A0589E20}" srcId="{18994E44-AF00-4CD7-BFFB-893F48881FB3}" destId="{30194467-FD7E-4D24-8DB0-714FAD158BDA}" srcOrd="0" destOrd="0" parTransId="{E33D9464-94F1-4C5E-8AF9-0581A17D52C6}" sibTransId="{D1BB627F-DAC7-449A-8004-281B1036B1FB}"/>
+    <dgm:cxn modelId="{52A529DE-0A0C-4A0B-9FB0-053C13107DC2}" type="presOf" srcId="{D2F696D7-6F24-4D93-A6F6-AEFB75F66471}" destId="{B9CC6839-8DA7-4E6A-BED5-ADCA7069FFC9}" srcOrd="0" destOrd="0" presId="urn:microsoft.com/office/officeart/2005/8/layout/hierarchy1"/>
+    <dgm:cxn modelId="{63DAABE3-D55D-43A9-B4E2-F14117552EE8}" srcId="{18994E44-AF00-4CD7-BFFB-893F48881FB3}" destId="{D9F283E7-185E-4CC1-8FA1-15186A217D73}" srcOrd="3" destOrd="0" parTransId="{90FE2595-7ECF-4128-94C3-771DC3235C42}" sibTransId="{99AFA80D-C4C7-4455-9FE0-B927CB7AFA13}"/>
+    <dgm:cxn modelId="{CB4C29E6-9D5C-4C6F-B2E8-5D9EF4A555A5}" type="presOf" srcId="{74675377-CAC4-4838-9AC4-4E89B176B345}" destId="{DFBBF034-86D2-4D57-BEB3-EC107B3FDEE7}" srcOrd="0" destOrd="0" presId="urn:microsoft.com/office/officeart/2005/8/layout/hierarchy1"/>
     <dgm:cxn modelId="{CA2834E9-87E6-41D0-9E85-2A34AA944DE6}" type="presOf" srcId="{EDEA9A5B-7A7B-44DC-B057-F6BEFF56A3E3}" destId="{57C1D9DD-379E-42A1-9AD1-45F4B6CF3AA3}" srcOrd="0" destOrd="0" presId="urn:microsoft.com/office/officeart/2005/8/layout/hierarchy1"/>
-    <dgm:cxn modelId="{05B48EA5-4E86-450B-85EB-FD2FA0A465FA}" srcId="{D1094483-B178-4085-961F-43ECEFDE8599}" destId="{1FCD92F8-79A9-48DB-A592-03D5F134F8AD}" srcOrd="0" destOrd="0" parTransId="{B39EC8B6-8DE7-41B7-9370-705CB5823913}" sibTransId="{D478D3FB-DAEA-4BA3-975E-E63E143E287B}"/>
-    <dgm:cxn modelId="{52A529DE-0A0C-4A0B-9FB0-053C13107DC2}" type="presOf" srcId="{D2F696D7-6F24-4D93-A6F6-AEFB75F66471}" destId="{B9CC6839-8DA7-4E6A-BED5-ADCA7069FFC9}" srcOrd="0" destOrd="0" presId="urn:microsoft.com/office/officeart/2005/8/layout/hierarchy1"/>
-    <dgm:cxn modelId="{6FBA3A9E-B6B2-4936-B0A6-7151D4EEA1C9}" srcId="{D1094483-B178-4085-961F-43ECEFDE8599}" destId="{A903B131-00F6-4300-A7C5-4EBFFECA2BFE}" srcOrd="2" destOrd="0" parTransId="{B71299E6-F7A3-4C91-A358-6056F5AF1F98}" sibTransId="{14CAC3CA-574B-4EF4-9E4F-AE657B382033}"/>
-    <dgm:cxn modelId="{E8B3728C-D796-45A0-B674-6A4D1E8ADF6A}" type="presOf" srcId="{A923C540-ED45-422C-843F-0C6DCDADC9AB}" destId="{988D4E53-B31D-4C89-AD22-ED94EA2E97AF}" srcOrd="0" destOrd="0" presId="urn:microsoft.com/office/officeart/2005/8/layout/hierarchy1"/>
-    <dgm:cxn modelId="{5A8F830B-C4E1-433F-A5C1-2A7019716B57}" type="presOf" srcId="{D9F283E7-185E-4CC1-8FA1-15186A217D73}" destId="{6AFCA11E-528B-40BD-B72C-A0943F1BBF94}" srcOrd="0" destOrd="0" presId="urn:microsoft.com/office/officeart/2005/8/layout/hierarchy1"/>
-    <dgm:cxn modelId="{DA053771-A0B5-4DBD-84D7-1FFAB1942401}" type="presOf" srcId="{B39EC8B6-8DE7-41B7-9370-705CB5823913}" destId="{58A324DF-9888-4D3B-843C-35027F670662}" srcOrd="0" destOrd="0" presId="urn:microsoft.com/office/officeart/2005/8/layout/hierarchy1"/>
-    <dgm:cxn modelId="{75A7D199-D9EC-43BF-9BB7-EBF150BB3903}" srcId="{D2F696D7-6F24-4D93-A6F6-AEFB75F66471}" destId="{18994E44-AF00-4CD7-BFFB-893F48881FB3}" srcOrd="1" destOrd="0" parTransId="{FD551922-1961-4B0B-A7AE-CAF490FF2622}" sibTransId="{BADBC77F-15AA-4275-8C6D-4CD383CECD2B}"/>
-    <dgm:cxn modelId="{D016FB1B-27BC-493D-A429-70FC10569AF5}" type="presOf" srcId="{1FCD92F8-79A9-48DB-A592-03D5F134F8AD}" destId="{41ADC508-700B-498E-AF8F-826A7F507618}" srcOrd="0" destOrd="0" presId="urn:microsoft.com/office/officeart/2005/8/layout/hierarchy1"/>
-    <dgm:cxn modelId="{3A06DD85-6312-42CA-9CE5-338B2F2FAAB6}" type="presOf" srcId="{A903B131-00F6-4300-A7C5-4EBFFECA2BFE}" destId="{EAF5657C-F814-4B97-A682-14631681F8EB}" srcOrd="0" destOrd="0" presId="urn:microsoft.com/office/officeart/2005/8/layout/hierarchy1"/>
-    <dgm:cxn modelId="{D81AB01A-9A12-464F-BDBF-93EAC98EBCFB}" type="presOf" srcId="{E33D9464-94F1-4C5E-8AF9-0581A17D52C6}" destId="{54CA6D72-4DAF-4F5A-BFF8-0F3B24E63E46}" srcOrd="0" destOrd="0" presId="urn:microsoft.com/office/officeart/2005/8/layout/hierarchy1"/>
-    <dgm:cxn modelId="{78B6A52E-8932-4006-823B-07B3D147349B}" type="presOf" srcId="{167C0B38-4D45-461B-B5FE-F516FC0C47B1}" destId="{DA51FBE4-5852-40D4-BFBB-96C1DEE5735D}" srcOrd="0" destOrd="0" presId="urn:microsoft.com/office/officeart/2005/8/layout/hierarchy1"/>
-    <dgm:cxn modelId="{CD904371-AC6F-41B0-AD50-E9D5A9F99D39}" type="presOf" srcId="{141A4074-C9FD-4AF8-AA9B-4F3CAC93EA18}" destId="{4B8A6B68-CBBF-4750-8A92-251106370A0E}" srcOrd="0" destOrd="0" presId="urn:microsoft.com/office/officeart/2005/8/layout/hierarchy1"/>
-    <dgm:cxn modelId="{CB4C29E6-9D5C-4C6F-B2E8-5D9EF4A555A5}" type="presOf" srcId="{74675377-CAC4-4838-9AC4-4E89B176B345}" destId="{DFBBF034-86D2-4D57-BEB3-EC107B3FDEE7}" srcOrd="0" destOrd="0" presId="urn:microsoft.com/office/officeart/2005/8/layout/hierarchy1"/>
-    <dgm:cxn modelId="{BF9FD0A2-FC1A-43D4-A1BD-9462248D33EE}" srcId="{D1094483-B178-4085-961F-43ECEFDE8599}" destId="{E0BE901C-0CFD-4076-9A90-3C9D2272EF7F}" srcOrd="1" destOrd="0" parTransId="{C46ECDBD-32A2-4443-8D38-B29C487E4F37}" sibTransId="{804D9A2E-A2FB-4A4E-B141-557733345E78}"/>
-    <dgm:cxn modelId="{277B5F52-3BC5-4BF2-AB95-3043BC2D6399}" type="presOf" srcId="{E0BE901C-0CFD-4076-9A90-3C9D2272EF7F}" destId="{1B2EE649-2B94-427D-8F07-A895A1088269}" srcOrd="0" destOrd="0" presId="urn:microsoft.com/office/officeart/2005/8/layout/hierarchy1"/>
+    <dgm:cxn modelId="{62DBA0F5-166D-43A4-9301-5E0475176CBA}" type="presOf" srcId="{29DAC408-E444-40DB-BB07-185C2BB20BE6}" destId="{2782B56D-3B1A-414B-940E-03345377419E}" srcOrd="0" destOrd="0" presId="urn:microsoft.com/office/officeart/2005/8/layout/hierarchy1"/>
     <dgm:cxn modelId="{99427CF6-5244-400F-8A43-90C37524F18B}" type="presOf" srcId="{8524DD58-5A20-4BC0-A8F9-6425A5D83D17}" destId="{1AB3CFCF-727C-45FB-BAA2-06724711E9AB}" srcOrd="0" destOrd="0" presId="urn:microsoft.com/office/officeart/2005/8/layout/hierarchy1"/>
-    <dgm:cxn modelId="{CF2F9F44-CA5A-4702-9EFE-40868856802F}" type="presOf" srcId="{C46ECDBD-32A2-4443-8D38-B29C487E4F37}" destId="{8F74CD9E-AEEB-43B8-95A7-4EC1629252D3}" srcOrd="0" destOrd="0" presId="urn:microsoft.com/office/officeart/2005/8/layout/hierarchy1"/>
-    <dgm:cxn modelId="{AAB5500D-C824-43C0-ADFD-37D83585D813}" type="presOf" srcId="{8660905E-B178-4AB7-95E3-8857E1B584D3}" destId="{10ADEA91-9B7F-41AE-8475-3415F03C7997}" srcOrd="0" destOrd="0" presId="urn:microsoft.com/office/officeart/2005/8/layout/hierarchy1"/>
-    <dgm:cxn modelId="{5CF7F6C1-E3A6-4508-A12B-CF09E755945F}" type="presOf" srcId="{591C96C0-B4A2-495D-B12D-AE27E21DBD88}" destId="{9631D492-9631-4BC0-8E32-24F64A52BF58}" srcOrd="0" destOrd="0" presId="urn:microsoft.com/office/officeart/2005/8/layout/hierarchy1"/>
-    <dgm:cxn modelId="{5685EB81-D231-4085-86AA-F4C075B2B83E}" srcId="{18994E44-AF00-4CD7-BFFB-893F48881FB3}" destId="{167C0B38-4D45-461B-B5FE-F516FC0C47B1}" srcOrd="4" destOrd="0" parTransId="{74675377-CAC4-4838-9AC4-4E89B176B345}" sibTransId="{D5083BFB-FF2E-4A79-B4CD-B99D53F7482D}"/>
-    <dgm:cxn modelId="{134055C1-EFE8-493E-AEFA-711A90A7AE2D}" srcId="{18994E44-AF00-4CD7-BFFB-893F48881FB3}" destId="{4CF28C83-AF25-475E-9F50-007420FDF6A3}" srcOrd="2" destOrd="0" parTransId="{141A4074-C9FD-4AF8-AA9B-4F3CAC93EA18}" sibTransId="{06AAF7AA-1E65-4BFF-A261-87B2EFEBF689}"/>
-    <dgm:cxn modelId="{B9D2258C-A8F6-4C7C-B3FD-B66C6193B6DD}" srcId="{EDEA9A5B-7A7B-44DC-B057-F6BEFF56A3E3}" destId="{D1094483-B178-4085-961F-43ECEFDE8599}" srcOrd="1" destOrd="0" parTransId="{F80D5291-1F19-4570-BD84-06C7A7C27CFF}" sibTransId="{4E778291-BEA7-4076-8E6F-AD79D6ADEF31}"/>
-    <dgm:cxn modelId="{72D4003B-7ECF-4B97-8D57-E2E0D585CE37}" type="presOf" srcId="{30194467-FD7E-4D24-8DB0-714FAD158BDA}" destId="{173B9D13-7D12-4225-857A-7C445B30673C}" srcOrd="0" destOrd="0" presId="urn:microsoft.com/office/officeart/2005/8/layout/hierarchy1"/>
-    <dgm:cxn modelId="{AEE33593-2C5C-4CBD-AAA8-02176F2C618A}" srcId="{EDEA9A5B-7A7B-44DC-B057-F6BEFF56A3E3}" destId="{591C96C0-B4A2-495D-B12D-AE27E21DBD88}" srcOrd="0" destOrd="0" parTransId="{29DAC408-E444-40DB-BB07-185C2BB20BE6}" sibTransId="{3C400E3E-6BAA-4161-8F35-FC399C4E1346}"/>
-    <dgm:cxn modelId="{46FC603E-1482-45A0-80A5-1426AFA7E733}" type="presOf" srcId="{5C477CDF-8840-46C8-915C-48C0FD057B0A}" destId="{2A6E5A3B-572D-4321-85A8-25F2BFE876A3}" srcOrd="0" destOrd="0" presId="urn:microsoft.com/office/officeart/2005/8/layout/hierarchy1"/>
     <dgm:cxn modelId="{0954FEF8-E768-496F-B515-C79485618B9B}" type="presOf" srcId="{F80D5291-1F19-4570-BD84-06C7A7C27CFF}" destId="{C02C0F47-89B0-40E9-8D96-6830863053FD}" srcOrd="0" destOrd="0" presId="urn:microsoft.com/office/officeart/2005/8/layout/hierarchy1"/>
-    <dgm:cxn modelId="{45EB6E37-315F-4DE6-88F4-49AD4E52D41E}" srcId="{D2F696D7-6F24-4D93-A6F6-AEFB75F66471}" destId="{8524DD58-5A20-4BC0-A8F9-6425A5D83D17}" srcOrd="0" destOrd="0" parTransId="{91AF1766-C553-4B01-9C3E-2A7C7ADB8C18}" sibTransId="{6CE507ED-228C-4E4D-B4CC-E730B871EAB9}"/>
-    <dgm:cxn modelId="{63DAABE3-D55D-43A9-B4E2-F14117552EE8}" srcId="{18994E44-AF00-4CD7-BFFB-893F48881FB3}" destId="{D9F283E7-185E-4CC1-8FA1-15186A217D73}" srcOrd="3" destOrd="0" parTransId="{90FE2595-7ECF-4128-94C3-771DC3235C42}" sibTransId="{99AFA80D-C4C7-4455-9FE0-B927CB7AFA13}"/>
     <dgm:cxn modelId="{118041D1-86D7-4C98-A416-FA960DB0061D}" type="presParOf" srcId="{B9CC6839-8DA7-4E6A-BED5-ADCA7069FFC9}" destId="{B0BAA389-B5E8-48FE-9B05-842C19904884}" srcOrd="0" destOrd="0" presId="urn:microsoft.com/office/officeart/2005/8/layout/hierarchy1"/>
     <dgm:cxn modelId="{92339EE5-19BA-414E-A7A8-C8F4880258D1}" type="presParOf" srcId="{B0BAA389-B5E8-48FE-9B05-842C19904884}" destId="{5DCA249A-0A5D-43F5-8386-D763B21D84B7}" srcOrd="0" destOrd="0" presId="urn:microsoft.com/office/officeart/2005/8/layout/hierarchy1"/>
     <dgm:cxn modelId="{9411C3BE-89B4-4386-B49C-98F7650EF65F}" type="presParOf" srcId="{5DCA249A-0A5D-43F5-8386-D763B21D84B7}" destId="{2800DDE3-6AA8-4F92-9E09-49DAF7966224}" srcOrd="0" destOrd="0" presId="urn:microsoft.com/office/officeart/2005/8/layout/hierarchy1"/>
@@ -4786,13 +4611,6 @@
         </dgm:presLayoutVars>
       </dgm:prSet>
       <dgm:spPr/>
-      <dgm:t>
-        <a:bodyPr/>
-        <a:lstStyle/>
-        <a:p>
-          <a:endParaRPr lang="en-US"/>
-        </a:p>
-      </dgm:t>
     </dgm:pt>
     <dgm:pt modelId="{B0BAA389-B5E8-48FE-9B05-842C19904884}" type="pres">
       <dgm:prSet presAssocID="{8524DD58-5A20-4BC0-A8F9-6425A5D83D17}" presName="hierRoot1" presStyleCnt="0"/>
@@ -4813,13 +4631,6 @@
         </dgm:presLayoutVars>
       </dgm:prSet>
       <dgm:spPr/>
-      <dgm:t>
-        <a:bodyPr/>
-        <a:lstStyle/>
-        <a:p>
-          <a:endParaRPr lang="en-US"/>
-        </a:p>
-      </dgm:t>
     </dgm:pt>
     <dgm:pt modelId="{8632FCFF-D066-4AB6-857B-3689AEA8773E}" type="pres">
       <dgm:prSet presAssocID="{8524DD58-5A20-4BC0-A8F9-6425A5D83D17}" presName="hierChild2" presStyleCnt="0"/>
@@ -4828,13 +4639,6 @@
     <dgm:pt modelId="{2A6E5A3B-572D-4321-85A8-25F2BFE876A3}" type="pres">
       <dgm:prSet presAssocID="{5C477CDF-8840-46C8-915C-48C0FD057B0A}" presName="Name10" presStyleLbl="parChTrans1D2" presStyleIdx="0" presStyleCnt="6"/>
       <dgm:spPr/>
-      <dgm:t>
-        <a:bodyPr/>
-        <a:lstStyle/>
-        <a:p>
-          <a:endParaRPr lang="en-US"/>
-        </a:p>
-      </dgm:t>
     </dgm:pt>
     <dgm:pt modelId="{E55B50FF-4C14-4E92-8F6A-EAD30C1E25EC}" type="pres">
       <dgm:prSet presAssocID="{A923C540-ED45-422C-843F-0C6DCDADC9AB}" presName="hierRoot2" presStyleCnt="0"/>
@@ -4855,13 +4659,6 @@
         </dgm:presLayoutVars>
       </dgm:prSet>
       <dgm:spPr/>
-      <dgm:t>
-        <a:bodyPr/>
-        <a:lstStyle/>
-        <a:p>
-          <a:endParaRPr lang="en-US"/>
-        </a:p>
-      </dgm:t>
     </dgm:pt>
     <dgm:pt modelId="{171F0247-CC6E-4054-86A7-40462965870F}" type="pres">
       <dgm:prSet presAssocID="{A923C540-ED45-422C-843F-0C6DCDADC9AB}" presName="hierChild3" presStyleCnt="0"/>
@@ -4886,13 +4683,6 @@
         </dgm:presLayoutVars>
       </dgm:prSet>
       <dgm:spPr/>
-      <dgm:t>
-        <a:bodyPr/>
-        <a:lstStyle/>
-        <a:p>
-          <a:endParaRPr lang="en-US"/>
-        </a:p>
-      </dgm:t>
     </dgm:pt>
     <dgm:pt modelId="{453DC995-69BE-423E-818E-796623C595EF}" type="pres">
       <dgm:prSet presAssocID="{18994E44-AF00-4CD7-BFFB-893F48881FB3}" presName="hierChild2" presStyleCnt="0"/>
@@ -4901,13 +4691,6 @@
     <dgm:pt modelId="{54CA6D72-4DAF-4F5A-BFF8-0F3B24E63E46}" type="pres">
       <dgm:prSet presAssocID="{E33D9464-94F1-4C5E-8AF9-0581A17D52C6}" presName="Name10" presStyleLbl="parChTrans1D2" presStyleIdx="1" presStyleCnt="6"/>
       <dgm:spPr/>
-      <dgm:t>
-        <a:bodyPr/>
-        <a:lstStyle/>
-        <a:p>
-          <a:endParaRPr lang="en-US"/>
-        </a:p>
-      </dgm:t>
     </dgm:pt>
     <dgm:pt modelId="{A10FBB14-8FAD-4C1B-A327-227CB4F9CED3}" type="pres">
       <dgm:prSet presAssocID="{30194467-FD7E-4D24-8DB0-714FAD158BDA}" presName="hierRoot2" presStyleCnt="0"/>
@@ -4928,13 +4711,6 @@
         </dgm:presLayoutVars>
       </dgm:prSet>
       <dgm:spPr/>
-      <dgm:t>
-        <a:bodyPr/>
-        <a:lstStyle/>
-        <a:p>
-          <a:endParaRPr lang="en-US"/>
-        </a:p>
-      </dgm:t>
     </dgm:pt>
     <dgm:pt modelId="{DB5CFF2A-5C65-45C8-AC8A-2053FE56F0C6}" type="pres">
       <dgm:prSet presAssocID="{30194467-FD7E-4D24-8DB0-714FAD158BDA}" presName="hierChild3" presStyleCnt="0"/>
@@ -4943,13 +4719,6 @@
     <dgm:pt modelId="{10ADEA91-9B7F-41AE-8475-3415F03C7997}" type="pres">
       <dgm:prSet presAssocID="{8660905E-B178-4AB7-95E3-8857E1B584D3}" presName="Name10" presStyleLbl="parChTrans1D2" presStyleIdx="2" presStyleCnt="6"/>
       <dgm:spPr/>
-      <dgm:t>
-        <a:bodyPr/>
-        <a:lstStyle/>
-        <a:p>
-          <a:endParaRPr lang="en-US"/>
-        </a:p>
-      </dgm:t>
     </dgm:pt>
     <dgm:pt modelId="{60A98512-EE5F-469A-A567-9B0DFA18988E}" type="pres">
       <dgm:prSet presAssocID="{EDEA9A5B-7A7B-44DC-B057-F6BEFF56A3E3}" presName="hierRoot2" presStyleCnt="0"/>
@@ -4970,13 +4739,6 @@
         </dgm:presLayoutVars>
       </dgm:prSet>
       <dgm:spPr/>
-      <dgm:t>
-        <a:bodyPr/>
-        <a:lstStyle/>
-        <a:p>
-          <a:endParaRPr lang="en-US"/>
-        </a:p>
-      </dgm:t>
     </dgm:pt>
     <dgm:pt modelId="{FEE2E0E3-610F-4E0E-A956-E5DCDA9FC116}" type="pres">
       <dgm:prSet presAssocID="{EDEA9A5B-7A7B-44DC-B057-F6BEFF56A3E3}" presName="hierChild3" presStyleCnt="0"/>
@@ -4985,13 +4747,6 @@
     <dgm:pt modelId="{2782B56D-3B1A-414B-940E-03345377419E}" type="pres">
       <dgm:prSet presAssocID="{29DAC408-E444-40DB-BB07-185C2BB20BE6}" presName="Name17" presStyleLbl="parChTrans1D3" presStyleIdx="0" presStyleCnt="2"/>
       <dgm:spPr/>
-      <dgm:t>
-        <a:bodyPr/>
-        <a:lstStyle/>
-        <a:p>
-          <a:endParaRPr lang="en-US"/>
-        </a:p>
-      </dgm:t>
     </dgm:pt>
     <dgm:pt modelId="{AACA356B-E4AE-4DA5-B230-56C69101B32E}" type="pres">
       <dgm:prSet presAssocID="{591C96C0-B4A2-495D-B12D-AE27E21DBD88}" presName="hierRoot3" presStyleCnt="0"/>
@@ -5012,13 +4767,6 @@
         </dgm:presLayoutVars>
       </dgm:prSet>
       <dgm:spPr/>
-      <dgm:t>
-        <a:bodyPr/>
-        <a:lstStyle/>
-        <a:p>
-          <a:endParaRPr lang="en-US"/>
-        </a:p>
-      </dgm:t>
     </dgm:pt>
     <dgm:pt modelId="{DDD0F9E6-9D0D-4603-ABEA-92723FB1E043}" type="pres">
       <dgm:prSet presAssocID="{591C96C0-B4A2-495D-B12D-AE27E21DBD88}" presName="hierChild4" presStyleCnt="0"/>
@@ -5027,13 +4775,6 @@
     <dgm:pt modelId="{C02C0F47-89B0-40E9-8D96-6830863053FD}" type="pres">
       <dgm:prSet presAssocID="{F80D5291-1F19-4570-BD84-06C7A7C27CFF}" presName="Name17" presStyleLbl="parChTrans1D3" presStyleIdx="1" presStyleCnt="2"/>
       <dgm:spPr/>
-      <dgm:t>
-        <a:bodyPr/>
-        <a:lstStyle/>
-        <a:p>
-          <a:endParaRPr lang="en-US"/>
-        </a:p>
-      </dgm:t>
     </dgm:pt>
     <dgm:pt modelId="{B85E22F0-24FC-43A5-B661-991DE3712735}" type="pres">
       <dgm:prSet presAssocID="{D1094483-B178-4085-961F-43ECEFDE8599}" presName="hierRoot3" presStyleCnt="0"/>
@@ -5054,13 +4795,6 @@
         </dgm:presLayoutVars>
       </dgm:prSet>
       <dgm:spPr/>
-      <dgm:t>
-        <a:bodyPr/>
-        <a:lstStyle/>
-        <a:p>
-          <a:endParaRPr lang="en-US"/>
-        </a:p>
-      </dgm:t>
     </dgm:pt>
     <dgm:pt modelId="{4937EEA4-BBF7-4256-BF7E-238BC2DD7D16}" type="pres">
       <dgm:prSet presAssocID="{D1094483-B178-4085-961F-43ECEFDE8599}" presName="hierChild4" presStyleCnt="0"/>
@@ -5069,13 +4803,6 @@
     <dgm:pt modelId="{58A324DF-9888-4D3B-843C-35027F670662}" type="pres">
       <dgm:prSet presAssocID="{B39EC8B6-8DE7-41B7-9370-705CB5823913}" presName="Name23" presStyleLbl="parChTrans1D4" presStyleIdx="0" presStyleCnt="3"/>
       <dgm:spPr/>
-      <dgm:t>
-        <a:bodyPr/>
-        <a:lstStyle/>
-        <a:p>
-          <a:endParaRPr lang="en-US"/>
-        </a:p>
-      </dgm:t>
     </dgm:pt>
     <dgm:pt modelId="{C4FCC9EB-4107-45BA-A85E-82F3D039E321}" type="pres">
       <dgm:prSet presAssocID="{1FCD92F8-79A9-48DB-A592-03D5F134F8AD}" presName="hierRoot4" presStyleCnt="0"/>
@@ -5096,13 +4823,6 @@
         </dgm:presLayoutVars>
       </dgm:prSet>
       <dgm:spPr/>
-      <dgm:t>
-        <a:bodyPr/>
-        <a:lstStyle/>
-        <a:p>
-          <a:endParaRPr lang="en-US"/>
-        </a:p>
-      </dgm:t>
     </dgm:pt>
     <dgm:pt modelId="{21F15AA6-CA54-4735-A838-F048105F1AF1}" type="pres">
       <dgm:prSet presAssocID="{1FCD92F8-79A9-48DB-A592-03D5F134F8AD}" presName="hierChild5" presStyleCnt="0"/>
@@ -5111,13 +4831,6 @@
     <dgm:pt modelId="{8F74CD9E-AEEB-43B8-95A7-4EC1629252D3}" type="pres">
       <dgm:prSet presAssocID="{C46ECDBD-32A2-4443-8D38-B29C487E4F37}" presName="Name23" presStyleLbl="parChTrans1D4" presStyleIdx="1" presStyleCnt="3"/>
       <dgm:spPr/>
-      <dgm:t>
-        <a:bodyPr/>
-        <a:lstStyle/>
-        <a:p>
-          <a:endParaRPr lang="en-US"/>
-        </a:p>
-      </dgm:t>
     </dgm:pt>
     <dgm:pt modelId="{83DCDF06-947D-4D5E-A1BF-39A06C29E62D}" type="pres">
       <dgm:prSet presAssocID="{E0BE901C-0CFD-4076-9A90-3C9D2272EF7F}" presName="hierRoot4" presStyleCnt="0"/>
@@ -5138,13 +4851,6 @@
         </dgm:presLayoutVars>
       </dgm:prSet>
       <dgm:spPr/>
-      <dgm:t>
-        <a:bodyPr/>
-        <a:lstStyle/>
-        <a:p>
-          <a:endParaRPr lang="en-US"/>
-        </a:p>
-      </dgm:t>
     </dgm:pt>
     <dgm:pt modelId="{4C80783D-B300-407A-958B-627094077C9F}" type="pres">
       <dgm:prSet presAssocID="{E0BE901C-0CFD-4076-9A90-3C9D2272EF7F}" presName="hierChild5" presStyleCnt="0"/>
@@ -5153,13 +4859,6 @@
     <dgm:pt modelId="{26607EC0-F098-44DB-9C64-329DE95362A9}" type="pres">
       <dgm:prSet presAssocID="{B71299E6-F7A3-4C91-A358-6056F5AF1F98}" presName="Name23" presStyleLbl="parChTrans1D4" presStyleIdx="2" presStyleCnt="3"/>
       <dgm:spPr/>
-      <dgm:t>
-        <a:bodyPr/>
-        <a:lstStyle/>
-        <a:p>
-          <a:endParaRPr lang="en-US"/>
-        </a:p>
-      </dgm:t>
     </dgm:pt>
     <dgm:pt modelId="{6F9856A8-4628-480E-9E36-CB50A36F4536}" type="pres">
       <dgm:prSet presAssocID="{A903B131-00F6-4300-A7C5-4EBFFECA2BFE}" presName="hierRoot4" presStyleCnt="0"/>
@@ -5180,13 +4879,6 @@
         </dgm:presLayoutVars>
       </dgm:prSet>
       <dgm:spPr/>
-      <dgm:t>
-        <a:bodyPr/>
-        <a:lstStyle/>
-        <a:p>
-          <a:endParaRPr lang="en-US"/>
-        </a:p>
-      </dgm:t>
     </dgm:pt>
     <dgm:pt modelId="{5172A587-57F4-47EF-8998-48457B9EBE13}" type="pres">
       <dgm:prSet presAssocID="{A903B131-00F6-4300-A7C5-4EBFFECA2BFE}" presName="hierChild5" presStyleCnt="0"/>
@@ -5195,13 +4887,6 @@
     <dgm:pt modelId="{4B8A6B68-CBBF-4750-8A92-251106370A0E}" type="pres">
       <dgm:prSet presAssocID="{141A4074-C9FD-4AF8-AA9B-4F3CAC93EA18}" presName="Name10" presStyleLbl="parChTrans1D2" presStyleIdx="3" presStyleCnt="6"/>
       <dgm:spPr/>
-      <dgm:t>
-        <a:bodyPr/>
-        <a:lstStyle/>
-        <a:p>
-          <a:endParaRPr lang="en-US"/>
-        </a:p>
-      </dgm:t>
     </dgm:pt>
     <dgm:pt modelId="{79F85412-F7BD-4DE0-995A-A69A8C9EA902}" type="pres">
       <dgm:prSet presAssocID="{4CF28C83-AF25-475E-9F50-007420FDF6A3}" presName="hierRoot2" presStyleCnt="0"/>
@@ -5222,13 +4907,6 @@
         </dgm:presLayoutVars>
       </dgm:prSet>
       <dgm:spPr/>
-      <dgm:t>
-        <a:bodyPr/>
-        <a:lstStyle/>
-        <a:p>
-          <a:endParaRPr lang="en-US"/>
-        </a:p>
-      </dgm:t>
     </dgm:pt>
     <dgm:pt modelId="{ABBA5C9B-45B3-4AC2-B2E3-236EF0B81A1F}" type="pres">
       <dgm:prSet presAssocID="{4CF28C83-AF25-475E-9F50-007420FDF6A3}" presName="hierChild3" presStyleCnt="0"/>
@@ -5237,13 +4915,6 @@
     <dgm:pt modelId="{541ECD9B-EC50-48A1-94BD-FEC4CBB41E32}" type="pres">
       <dgm:prSet presAssocID="{90FE2595-7ECF-4128-94C3-771DC3235C42}" presName="Name10" presStyleLbl="parChTrans1D2" presStyleIdx="4" presStyleCnt="6"/>
       <dgm:spPr/>
-      <dgm:t>
-        <a:bodyPr/>
-        <a:lstStyle/>
-        <a:p>
-          <a:endParaRPr lang="en-US"/>
-        </a:p>
-      </dgm:t>
     </dgm:pt>
     <dgm:pt modelId="{79A6DBA8-63FA-4489-B9B1-4707F6FA5BA9}" type="pres">
       <dgm:prSet presAssocID="{D9F283E7-185E-4CC1-8FA1-15186A217D73}" presName="hierRoot2" presStyleCnt="0"/>
@@ -5264,13 +4935,6 @@
         </dgm:presLayoutVars>
       </dgm:prSet>
       <dgm:spPr/>
-      <dgm:t>
-        <a:bodyPr/>
-        <a:lstStyle/>
-        <a:p>
-          <a:endParaRPr lang="en-US"/>
-        </a:p>
-      </dgm:t>
     </dgm:pt>
     <dgm:pt modelId="{393E6A52-ACF1-475A-88F3-73D63AA1B389}" type="pres">
       <dgm:prSet presAssocID="{D9F283E7-185E-4CC1-8FA1-15186A217D73}" presName="hierChild3" presStyleCnt="0"/>
@@ -5279,13 +4943,6 @@
     <dgm:pt modelId="{DFBBF034-86D2-4D57-BEB3-EC107B3FDEE7}" type="pres">
       <dgm:prSet presAssocID="{74675377-CAC4-4838-9AC4-4E89B176B345}" presName="Name10" presStyleLbl="parChTrans1D2" presStyleIdx="5" presStyleCnt="6"/>
       <dgm:spPr/>
-      <dgm:t>
-        <a:bodyPr/>
-        <a:lstStyle/>
-        <a:p>
-          <a:endParaRPr lang="en-US"/>
-        </a:p>
-      </dgm:t>
     </dgm:pt>
     <dgm:pt modelId="{D92E178D-15D1-46D9-9238-3AACAB5E72EB}" type="pres">
       <dgm:prSet presAssocID="{167C0B38-4D45-461B-B5FE-F516FC0C47B1}" presName="hierRoot2" presStyleCnt="0"/>
@@ -5306,13 +4963,6 @@
         </dgm:presLayoutVars>
       </dgm:prSet>
       <dgm:spPr/>
-      <dgm:t>
-        <a:bodyPr/>
-        <a:lstStyle/>
-        <a:p>
-          <a:endParaRPr lang="en-US"/>
-        </a:p>
-      </dgm:t>
     </dgm:pt>
     <dgm:pt modelId="{4561F020-85BE-4261-9558-DFFB870F131F}" type="pres">
       <dgm:prSet presAssocID="{167C0B38-4D45-461B-B5FE-F516FC0C47B1}" presName="hierChild3" presStyleCnt="0"/>
@@ -5320,44 +4970,44 @@
     </dgm:pt>
   </dgm:ptLst>
   <dgm:cxnLst>
+    <dgm:cxn modelId="{5A8F830B-C4E1-433F-A5C1-2A7019716B57}" type="presOf" srcId="{D9F283E7-185E-4CC1-8FA1-15186A217D73}" destId="{6AFCA11E-528B-40BD-B72C-A0943F1BBF94}" srcOrd="0" destOrd="0" presId="urn:microsoft.com/office/officeart/2005/8/layout/hierarchy1"/>
+    <dgm:cxn modelId="{AAB5500D-C824-43C0-ADFD-37D83585D813}" type="presOf" srcId="{8660905E-B178-4AB7-95E3-8857E1B584D3}" destId="{10ADEA91-9B7F-41AE-8475-3415F03C7997}" srcOrd="0" destOrd="0" presId="urn:microsoft.com/office/officeart/2005/8/layout/hierarchy1"/>
     <dgm:cxn modelId="{A40B5D10-734E-466C-8C0E-387720C269A3}" srcId="{8524DD58-5A20-4BC0-A8F9-6425A5D83D17}" destId="{A923C540-ED45-422C-843F-0C6DCDADC9AB}" srcOrd="0" destOrd="0" parTransId="{5C477CDF-8840-46C8-915C-48C0FD057B0A}" sibTransId="{8563C58B-205C-4509-8745-FD52D2F0D296}"/>
+    <dgm:cxn modelId="{D81AB01A-9A12-464F-BDBF-93EAC98EBCFB}" type="presOf" srcId="{E33D9464-94F1-4C5E-8AF9-0581A17D52C6}" destId="{54CA6D72-4DAF-4F5A-BFF8-0F3B24E63E46}" srcOrd="0" destOrd="0" presId="urn:microsoft.com/office/officeart/2005/8/layout/hierarchy1"/>
+    <dgm:cxn modelId="{D016FB1B-27BC-493D-A429-70FC10569AF5}" type="presOf" srcId="{1FCD92F8-79A9-48DB-A592-03D5F134F8AD}" destId="{41ADC508-700B-498E-AF8F-826A7F507618}" srcOrd="0" destOrd="0" presId="urn:microsoft.com/office/officeart/2005/8/layout/hierarchy1"/>
+    <dgm:cxn modelId="{78B6A52E-8932-4006-823B-07B3D147349B}" type="presOf" srcId="{167C0B38-4D45-461B-B5FE-F516FC0C47B1}" destId="{DA51FBE4-5852-40D4-BFBB-96C1DEE5735D}" srcOrd="0" destOrd="0" presId="urn:microsoft.com/office/officeart/2005/8/layout/hierarchy1"/>
+    <dgm:cxn modelId="{45EB6E37-315F-4DE6-88F4-49AD4E52D41E}" srcId="{D2F696D7-6F24-4D93-A6F6-AEFB75F66471}" destId="{8524DD58-5A20-4BC0-A8F9-6425A5D83D17}" srcOrd="0" destOrd="0" parTransId="{91AF1766-C553-4B01-9C3E-2A7C7ADB8C18}" sibTransId="{6CE507ED-228C-4E4D-B4CC-E730B871EAB9}"/>
+    <dgm:cxn modelId="{72D4003B-7ECF-4B97-8D57-E2E0D585CE37}" type="presOf" srcId="{30194467-FD7E-4D24-8DB0-714FAD158BDA}" destId="{173B9D13-7D12-4225-857A-7C445B30673C}" srcOrd="0" destOrd="0" presId="urn:microsoft.com/office/officeart/2005/8/layout/hierarchy1"/>
+    <dgm:cxn modelId="{46FC603E-1482-45A0-80A5-1426AFA7E733}" type="presOf" srcId="{5C477CDF-8840-46C8-915C-48C0FD057B0A}" destId="{2A6E5A3B-572D-4321-85A8-25F2BFE876A3}" srcOrd="0" destOrd="0" presId="urn:microsoft.com/office/officeart/2005/8/layout/hierarchy1"/>
+    <dgm:cxn modelId="{3A0D9F61-AE06-40B0-BFF4-F4A8532836F2}" srcId="{18994E44-AF00-4CD7-BFFB-893F48881FB3}" destId="{EDEA9A5B-7A7B-44DC-B057-F6BEFF56A3E3}" srcOrd="1" destOrd="0" parTransId="{8660905E-B178-4AB7-95E3-8857E1B584D3}" sibTransId="{44BDF4C1-525B-4D43-B9AB-EEFC8658688F}"/>
+    <dgm:cxn modelId="{CF2F9F44-CA5A-4702-9EFE-40868856802F}" type="presOf" srcId="{C46ECDBD-32A2-4443-8D38-B29C487E4F37}" destId="{8F74CD9E-AEEB-43B8-95A7-4EC1629252D3}" srcOrd="0" destOrd="0" presId="urn:microsoft.com/office/officeart/2005/8/layout/hierarchy1"/>
+    <dgm:cxn modelId="{DA053771-A0B5-4DBD-84D7-1FFAB1942401}" type="presOf" srcId="{B39EC8B6-8DE7-41B7-9370-705CB5823913}" destId="{58A324DF-9888-4D3B-843C-35027F670662}" srcOrd="0" destOrd="0" presId="urn:microsoft.com/office/officeart/2005/8/layout/hierarchy1"/>
+    <dgm:cxn modelId="{CD904371-AC6F-41B0-AD50-E9D5A9F99D39}" type="presOf" srcId="{141A4074-C9FD-4AF8-AA9B-4F3CAC93EA18}" destId="{4B8A6B68-CBBF-4750-8A92-251106370A0E}" srcOrd="0" destOrd="0" presId="urn:microsoft.com/office/officeart/2005/8/layout/hierarchy1"/>
+    <dgm:cxn modelId="{277B5F52-3BC5-4BF2-AB95-3043BC2D6399}" type="presOf" srcId="{E0BE901C-0CFD-4076-9A90-3C9D2272EF7F}" destId="{1B2EE649-2B94-427D-8F07-A895A1088269}" srcOrd="0" destOrd="0" presId="urn:microsoft.com/office/officeart/2005/8/layout/hierarchy1"/>
+    <dgm:cxn modelId="{AE9C7B53-F4EB-4072-827B-C617067D6BB0}" type="presOf" srcId="{18994E44-AF00-4CD7-BFFB-893F48881FB3}" destId="{C8123B47-734E-4D1A-979C-B85396FF6987}" srcOrd="0" destOrd="0" presId="urn:microsoft.com/office/officeart/2005/8/layout/hierarchy1"/>
+    <dgm:cxn modelId="{5685EB81-D231-4085-86AA-F4C075B2B83E}" srcId="{18994E44-AF00-4CD7-BFFB-893F48881FB3}" destId="{167C0B38-4D45-461B-B5FE-F516FC0C47B1}" srcOrd="4" destOrd="0" parTransId="{74675377-CAC4-4838-9AC4-4E89B176B345}" sibTransId="{D5083BFB-FF2E-4A79-B4CD-B99D53F7482D}"/>
+    <dgm:cxn modelId="{3A06DD85-6312-42CA-9CE5-338B2F2FAAB6}" type="presOf" srcId="{A903B131-00F6-4300-A7C5-4EBFFECA2BFE}" destId="{EAF5657C-F814-4B97-A682-14631681F8EB}" srcOrd="0" destOrd="0" presId="urn:microsoft.com/office/officeart/2005/8/layout/hierarchy1"/>
+    <dgm:cxn modelId="{B9D2258C-A8F6-4C7C-B3FD-B66C6193B6DD}" srcId="{EDEA9A5B-7A7B-44DC-B057-F6BEFF56A3E3}" destId="{D1094483-B178-4085-961F-43ECEFDE8599}" srcOrd="1" destOrd="0" parTransId="{F80D5291-1F19-4570-BD84-06C7A7C27CFF}" sibTransId="{4E778291-BEA7-4076-8E6F-AD79D6ADEF31}"/>
+    <dgm:cxn modelId="{E8B3728C-D796-45A0-B674-6A4D1E8ADF6A}" type="presOf" srcId="{A923C540-ED45-422C-843F-0C6DCDADC9AB}" destId="{988D4E53-B31D-4C89-AD22-ED94EA2E97AF}" srcOrd="0" destOrd="0" presId="urn:microsoft.com/office/officeart/2005/8/layout/hierarchy1"/>
+    <dgm:cxn modelId="{AEE33593-2C5C-4CBD-AAA8-02176F2C618A}" srcId="{EDEA9A5B-7A7B-44DC-B057-F6BEFF56A3E3}" destId="{591C96C0-B4A2-495D-B12D-AE27E21DBD88}" srcOrd="0" destOrd="0" parTransId="{29DAC408-E444-40DB-BB07-185C2BB20BE6}" sibTransId="{3C400E3E-6BAA-4161-8F35-FC399C4E1346}"/>
+    <dgm:cxn modelId="{5D0B5099-7A53-4928-B1B9-FE2E963C7631}" type="presOf" srcId="{90FE2595-7ECF-4128-94C3-771DC3235C42}" destId="{541ECD9B-EC50-48A1-94BD-FEC4CBB41E32}" srcOrd="0" destOrd="0" presId="urn:microsoft.com/office/officeart/2005/8/layout/hierarchy1"/>
+    <dgm:cxn modelId="{75A7D199-D9EC-43BF-9BB7-EBF150BB3903}" srcId="{D2F696D7-6F24-4D93-A6F6-AEFB75F66471}" destId="{18994E44-AF00-4CD7-BFFB-893F48881FB3}" srcOrd="1" destOrd="0" parTransId="{FD551922-1961-4B0B-A7AE-CAF490FF2622}" sibTransId="{BADBC77F-15AA-4275-8C6D-4CD383CECD2B}"/>
+    <dgm:cxn modelId="{6FBA3A9E-B6B2-4936-B0A6-7151D4EEA1C9}" srcId="{D1094483-B178-4085-961F-43ECEFDE8599}" destId="{A903B131-00F6-4300-A7C5-4EBFFECA2BFE}" srcOrd="2" destOrd="0" parTransId="{B71299E6-F7A3-4C91-A358-6056F5AF1F98}" sibTransId="{14CAC3CA-574B-4EF4-9E4F-AE657B382033}"/>
+    <dgm:cxn modelId="{BF9FD0A2-FC1A-43D4-A1BD-9462248D33EE}" srcId="{D1094483-B178-4085-961F-43ECEFDE8599}" destId="{E0BE901C-0CFD-4076-9A90-3C9D2272EF7F}" srcOrd="1" destOrd="0" parTransId="{C46ECDBD-32A2-4443-8D38-B29C487E4F37}" sibTransId="{804D9A2E-A2FB-4A4E-B141-557733345E78}"/>
+    <dgm:cxn modelId="{05B48EA5-4E86-450B-85EB-FD2FA0A465FA}" srcId="{D1094483-B178-4085-961F-43ECEFDE8599}" destId="{1FCD92F8-79A9-48DB-A592-03D5F134F8AD}" srcOrd="0" destOrd="0" parTransId="{B39EC8B6-8DE7-41B7-9370-705CB5823913}" sibTransId="{D478D3FB-DAEA-4BA3-975E-E63E143E287B}"/>
+    <dgm:cxn modelId="{DC7654B5-E13E-4EF5-8929-0E36A0589E20}" srcId="{18994E44-AF00-4CD7-BFFB-893F48881FB3}" destId="{30194467-FD7E-4D24-8DB0-714FAD158BDA}" srcOrd="0" destOrd="0" parTransId="{E33D9464-94F1-4C5E-8AF9-0581A17D52C6}" sibTransId="{D1BB627F-DAC7-449A-8004-281B1036B1FB}"/>
     <dgm:cxn modelId="{0B9AA6C0-D802-4B94-8B45-939EF45D3947}" type="presOf" srcId="{B71299E6-F7A3-4C91-A358-6056F5AF1F98}" destId="{26607EC0-F098-44DB-9C64-329DE95362A9}" srcOrd="0" destOrd="0" presId="urn:microsoft.com/office/officeart/2005/8/layout/hierarchy1"/>
-    <dgm:cxn modelId="{3A0D9F61-AE06-40B0-BFF4-F4A8532836F2}" srcId="{18994E44-AF00-4CD7-BFFB-893F48881FB3}" destId="{EDEA9A5B-7A7B-44DC-B057-F6BEFF56A3E3}" srcOrd="1" destOrd="0" parTransId="{8660905E-B178-4AB7-95E3-8857E1B584D3}" sibTransId="{44BDF4C1-525B-4D43-B9AB-EEFC8658688F}"/>
-    <dgm:cxn modelId="{62DBA0F5-166D-43A4-9301-5E0475176CBA}" type="presOf" srcId="{29DAC408-E444-40DB-BB07-185C2BB20BE6}" destId="{2782B56D-3B1A-414B-940E-03345377419E}" srcOrd="0" destOrd="0" presId="urn:microsoft.com/office/officeart/2005/8/layout/hierarchy1"/>
+    <dgm:cxn modelId="{134055C1-EFE8-493E-AEFA-711A90A7AE2D}" srcId="{18994E44-AF00-4CD7-BFFB-893F48881FB3}" destId="{4CF28C83-AF25-475E-9F50-007420FDF6A3}" srcOrd="2" destOrd="0" parTransId="{141A4074-C9FD-4AF8-AA9B-4F3CAC93EA18}" sibTransId="{06AAF7AA-1E65-4BFF-A261-87B2EFEBF689}"/>
+    <dgm:cxn modelId="{5CF7F6C1-E3A6-4508-A12B-CF09E755945F}" type="presOf" srcId="{591C96C0-B4A2-495D-B12D-AE27E21DBD88}" destId="{9631D492-9631-4BC0-8E32-24F64A52BF58}" srcOrd="0" destOrd="0" presId="urn:microsoft.com/office/officeart/2005/8/layout/hierarchy1"/>
     <dgm:cxn modelId="{115E32D7-87CA-487D-AAB7-DEA86E0A445C}" type="presOf" srcId="{4CF28C83-AF25-475E-9F50-007420FDF6A3}" destId="{BAAC51C4-C80E-4EB2-9417-B37059021C8B}" srcOrd="0" destOrd="0" presId="urn:microsoft.com/office/officeart/2005/8/layout/hierarchy1"/>
     <dgm:cxn modelId="{3747AADA-4818-4256-9FC6-1D6FC6AFC599}" type="presOf" srcId="{D1094483-B178-4085-961F-43ECEFDE8599}" destId="{796B37A5-21B2-4851-BF38-DA90895D29E2}" srcOrd="0" destOrd="0" presId="urn:microsoft.com/office/officeart/2005/8/layout/hierarchy1"/>
-    <dgm:cxn modelId="{5D0B5099-7A53-4928-B1B9-FE2E963C7631}" type="presOf" srcId="{90FE2595-7ECF-4128-94C3-771DC3235C42}" destId="{541ECD9B-EC50-48A1-94BD-FEC4CBB41E32}" srcOrd="0" destOrd="0" presId="urn:microsoft.com/office/officeart/2005/8/layout/hierarchy1"/>
-    <dgm:cxn modelId="{AE9C7B53-F4EB-4072-827B-C617067D6BB0}" type="presOf" srcId="{18994E44-AF00-4CD7-BFFB-893F48881FB3}" destId="{C8123B47-734E-4D1A-979C-B85396FF6987}" srcOrd="0" destOrd="0" presId="urn:microsoft.com/office/officeart/2005/8/layout/hierarchy1"/>
-    <dgm:cxn modelId="{DC7654B5-E13E-4EF5-8929-0E36A0589E20}" srcId="{18994E44-AF00-4CD7-BFFB-893F48881FB3}" destId="{30194467-FD7E-4D24-8DB0-714FAD158BDA}" srcOrd="0" destOrd="0" parTransId="{E33D9464-94F1-4C5E-8AF9-0581A17D52C6}" sibTransId="{D1BB627F-DAC7-449A-8004-281B1036B1FB}"/>
+    <dgm:cxn modelId="{52A529DE-0A0C-4A0B-9FB0-053C13107DC2}" type="presOf" srcId="{D2F696D7-6F24-4D93-A6F6-AEFB75F66471}" destId="{B9CC6839-8DA7-4E6A-BED5-ADCA7069FFC9}" srcOrd="0" destOrd="0" presId="urn:microsoft.com/office/officeart/2005/8/layout/hierarchy1"/>
+    <dgm:cxn modelId="{63DAABE3-D55D-43A9-B4E2-F14117552EE8}" srcId="{18994E44-AF00-4CD7-BFFB-893F48881FB3}" destId="{D9F283E7-185E-4CC1-8FA1-15186A217D73}" srcOrd="3" destOrd="0" parTransId="{90FE2595-7ECF-4128-94C3-771DC3235C42}" sibTransId="{99AFA80D-C4C7-4455-9FE0-B927CB7AFA13}"/>
+    <dgm:cxn modelId="{CB4C29E6-9D5C-4C6F-B2E8-5D9EF4A555A5}" type="presOf" srcId="{74675377-CAC4-4838-9AC4-4E89B176B345}" destId="{DFBBF034-86D2-4D57-BEB3-EC107B3FDEE7}" srcOrd="0" destOrd="0" presId="urn:microsoft.com/office/officeart/2005/8/layout/hierarchy1"/>
     <dgm:cxn modelId="{CA2834E9-87E6-41D0-9E85-2A34AA944DE6}" type="presOf" srcId="{EDEA9A5B-7A7B-44DC-B057-F6BEFF56A3E3}" destId="{57C1D9DD-379E-42A1-9AD1-45F4B6CF3AA3}" srcOrd="0" destOrd="0" presId="urn:microsoft.com/office/officeart/2005/8/layout/hierarchy1"/>
-    <dgm:cxn modelId="{05B48EA5-4E86-450B-85EB-FD2FA0A465FA}" srcId="{D1094483-B178-4085-961F-43ECEFDE8599}" destId="{1FCD92F8-79A9-48DB-A592-03D5F134F8AD}" srcOrd="0" destOrd="0" parTransId="{B39EC8B6-8DE7-41B7-9370-705CB5823913}" sibTransId="{D478D3FB-DAEA-4BA3-975E-E63E143E287B}"/>
-    <dgm:cxn modelId="{52A529DE-0A0C-4A0B-9FB0-053C13107DC2}" type="presOf" srcId="{D2F696D7-6F24-4D93-A6F6-AEFB75F66471}" destId="{B9CC6839-8DA7-4E6A-BED5-ADCA7069FFC9}" srcOrd="0" destOrd="0" presId="urn:microsoft.com/office/officeart/2005/8/layout/hierarchy1"/>
-    <dgm:cxn modelId="{6FBA3A9E-B6B2-4936-B0A6-7151D4EEA1C9}" srcId="{D1094483-B178-4085-961F-43ECEFDE8599}" destId="{A903B131-00F6-4300-A7C5-4EBFFECA2BFE}" srcOrd="2" destOrd="0" parTransId="{B71299E6-F7A3-4C91-A358-6056F5AF1F98}" sibTransId="{14CAC3CA-574B-4EF4-9E4F-AE657B382033}"/>
-    <dgm:cxn modelId="{E8B3728C-D796-45A0-B674-6A4D1E8ADF6A}" type="presOf" srcId="{A923C540-ED45-422C-843F-0C6DCDADC9AB}" destId="{988D4E53-B31D-4C89-AD22-ED94EA2E97AF}" srcOrd="0" destOrd="0" presId="urn:microsoft.com/office/officeart/2005/8/layout/hierarchy1"/>
-    <dgm:cxn modelId="{5A8F830B-C4E1-433F-A5C1-2A7019716B57}" type="presOf" srcId="{D9F283E7-185E-4CC1-8FA1-15186A217D73}" destId="{6AFCA11E-528B-40BD-B72C-A0943F1BBF94}" srcOrd="0" destOrd="0" presId="urn:microsoft.com/office/officeart/2005/8/layout/hierarchy1"/>
-    <dgm:cxn modelId="{DA053771-A0B5-4DBD-84D7-1FFAB1942401}" type="presOf" srcId="{B39EC8B6-8DE7-41B7-9370-705CB5823913}" destId="{58A324DF-9888-4D3B-843C-35027F670662}" srcOrd="0" destOrd="0" presId="urn:microsoft.com/office/officeart/2005/8/layout/hierarchy1"/>
-    <dgm:cxn modelId="{75A7D199-D9EC-43BF-9BB7-EBF150BB3903}" srcId="{D2F696D7-6F24-4D93-A6F6-AEFB75F66471}" destId="{18994E44-AF00-4CD7-BFFB-893F48881FB3}" srcOrd="1" destOrd="0" parTransId="{FD551922-1961-4B0B-A7AE-CAF490FF2622}" sibTransId="{BADBC77F-15AA-4275-8C6D-4CD383CECD2B}"/>
-    <dgm:cxn modelId="{D016FB1B-27BC-493D-A429-70FC10569AF5}" type="presOf" srcId="{1FCD92F8-79A9-48DB-A592-03D5F134F8AD}" destId="{41ADC508-700B-498E-AF8F-826A7F507618}" srcOrd="0" destOrd="0" presId="urn:microsoft.com/office/officeart/2005/8/layout/hierarchy1"/>
-    <dgm:cxn modelId="{3A06DD85-6312-42CA-9CE5-338B2F2FAAB6}" type="presOf" srcId="{A903B131-00F6-4300-A7C5-4EBFFECA2BFE}" destId="{EAF5657C-F814-4B97-A682-14631681F8EB}" srcOrd="0" destOrd="0" presId="urn:microsoft.com/office/officeart/2005/8/layout/hierarchy1"/>
-    <dgm:cxn modelId="{D81AB01A-9A12-464F-BDBF-93EAC98EBCFB}" type="presOf" srcId="{E33D9464-94F1-4C5E-8AF9-0581A17D52C6}" destId="{54CA6D72-4DAF-4F5A-BFF8-0F3B24E63E46}" srcOrd="0" destOrd="0" presId="urn:microsoft.com/office/officeart/2005/8/layout/hierarchy1"/>
-    <dgm:cxn modelId="{78B6A52E-8932-4006-823B-07B3D147349B}" type="presOf" srcId="{167C0B38-4D45-461B-B5FE-F516FC0C47B1}" destId="{DA51FBE4-5852-40D4-BFBB-96C1DEE5735D}" srcOrd="0" destOrd="0" presId="urn:microsoft.com/office/officeart/2005/8/layout/hierarchy1"/>
-    <dgm:cxn modelId="{CD904371-AC6F-41B0-AD50-E9D5A9F99D39}" type="presOf" srcId="{141A4074-C9FD-4AF8-AA9B-4F3CAC93EA18}" destId="{4B8A6B68-CBBF-4750-8A92-251106370A0E}" srcOrd="0" destOrd="0" presId="urn:microsoft.com/office/officeart/2005/8/layout/hierarchy1"/>
-    <dgm:cxn modelId="{CB4C29E6-9D5C-4C6F-B2E8-5D9EF4A555A5}" type="presOf" srcId="{74675377-CAC4-4838-9AC4-4E89B176B345}" destId="{DFBBF034-86D2-4D57-BEB3-EC107B3FDEE7}" srcOrd="0" destOrd="0" presId="urn:microsoft.com/office/officeart/2005/8/layout/hierarchy1"/>
-    <dgm:cxn modelId="{BF9FD0A2-FC1A-43D4-A1BD-9462248D33EE}" srcId="{D1094483-B178-4085-961F-43ECEFDE8599}" destId="{E0BE901C-0CFD-4076-9A90-3C9D2272EF7F}" srcOrd="1" destOrd="0" parTransId="{C46ECDBD-32A2-4443-8D38-B29C487E4F37}" sibTransId="{804D9A2E-A2FB-4A4E-B141-557733345E78}"/>
-    <dgm:cxn modelId="{277B5F52-3BC5-4BF2-AB95-3043BC2D6399}" type="presOf" srcId="{E0BE901C-0CFD-4076-9A90-3C9D2272EF7F}" destId="{1B2EE649-2B94-427D-8F07-A895A1088269}" srcOrd="0" destOrd="0" presId="urn:microsoft.com/office/officeart/2005/8/layout/hierarchy1"/>
+    <dgm:cxn modelId="{62DBA0F5-166D-43A4-9301-5E0475176CBA}" type="presOf" srcId="{29DAC408-E444-40DB-BB07-185C2BB20BE6}" destId="{2782B56D-3B1A-414B-940E-03345377419E}" srcOrd="0" destOrd="0" presId="urn:microsoft.com/office/officeart/2005/8/layout/hierarchy1"/>
     <dgm:cxn modelId="{99427CF6-5244-400F-8A43-90C37524F18B}" type="presOf" srcId="{8524DD58-5A20-4BC0-A8F9-6425A5D83D17}" destId="{1AB3CFCF-727C-45FB-BAA2-06724711E9AB}" srcOrd="0" destOrd="0" presId="urn:microsoft.com/office/officeart/2005/8/layout/hierarchy1"/>
-    <dgm:cxn modelId="{CF2F9F44-CA5A-4702-9EFE-40868856802F}" type="presOf" srcId="{C46ECDBD-32A2-4443-8D38-B29C487E4F37}" destId="{8F74CD9E-AEEB-43B8-95A7-4EC1629252D3}" srcOrd="0" destOrd="0" presId="urn:microsoft.com/office/officeart/2005/8/layout/hierarchy1"/>
-    <dgm:cxn modelId="{AAB5500D-C824-43C0-ADFD-37D83585D813}" type="presOf" srcId="{8660905E-B178-4AB7-95E3-8857E1B584D3}" destId="{10ADEA91-9B7F-41AE-8475-3415F03C7997}" srcOrd="0" destOrd="0" presId="urn:microsoft.com/office/officeart/2005/8/layout/hierarchy1"/>
-    <dgm:cxn modelId="{5CF7F6C1-E3A6-4508-A12B-CF09E755945F}" type="presOf" srcId="{591C96C0-B4A2-495D-B12D-AE27E21DBD88}" destId="{9631D492-9631-4BC0-8E32-24F64A52BF58}" srcOrd="0" destOrd="0" presId="urn:microsoft.com/office/officeart/2005/8/layout/hierarchy1"/>
-    <dgm:cxn modelId="{5685EB81-D231-4085-86AA-F4C075B2B83E}" srcId="{18994E44-AF00-4CD7-BFFB-893F48881FB3}" destId="{167C0B38-4D45-461B-B5FE-F516FC0C47B1}" srcOrd="4" destOrd="0" parTransId="{74675377-CAC4-4838-9AC4-4E89B176B345}" sibTransId="{D5083BFB-FF2E-4A79-B4CD-B99D53F7482D}"/>
-    <dgm:cxn modelId="{134055C1-EFE8-493E-AEFA-711A90A7AE2D}" srcId="{18994E44-AF00-4CD7-BFFB-893F48881FB3}" destId="{4CF28C83-AF25-475E-9F50-007420FDF6A3}" srcOrd="2" destOrd="0" parTransId="{141A4074-C9FD-4AF8-AA9B-4F3CAC93EA18}" sibTransId="{06AAF7AA-1E65-4BFF-A261-87B2EFEBF689}"/>
-    <dgm:cxn modelId="{B9D2258C-A8F6-4C7C-B3FD-B66C6193B6DD}" srcId="{EDEA9A5B-7A7B-44DC-B057-F6BEFF56A3E3}" destId="{D1094483-B178-4085-961F-43ECEFDE8599}" srcOrd="1" destOrd="0" parTransId="{F80D5291-1F19-4570-BD84-06C7A7C27CFF}" sibTransId="{4E778291-BEA7-4076-8E6F-AD79D6ADEF31}"/>
-    <dgm:cxn modelId="{72D4003B-7ECF-4B97-8D57-E2E0D585CE37}" type="presOf" srcId="{30194467-FD7E-4D24-8DB0-714FAD158BDA}" destId="{173B9D13-7D12-4225-857A-7C445B30673C}" srcOrd="0" destOrd="0" presId="urn:microsoft.com/office/officeart/2005/8/layout/hierarchy1"/>
-    <dgm:cxn modelId="{AEE33593-2C5C-4CBD-AAA8-02176F2C618A}" srcId="{EDEA9A5B-7A7B-44DC-B057-F6BEFF56A3E3}" destId="{591C96C0-B4A2-495D-B12D-AE27E21DBD88}" srcOrd="0" destOrd="0" parTransId="{29DAC408-E444-40DB-BB07-185C2BB20BE6}" sibTransId="{3C400E3E-6BAA-4161-8F35-FC399C4E1346}"/>
-    <dgm:cxn modelId="{46FC603E-1482-45A0-80A5-1426AFA7E733}" type="presOf" srcId="{5C477CDF-8840-46C8-915C-48C0FD057B0A}" destId="{2A6E5A3B-572D-4321-85A8-25F2BFE876A3}" srcOrd="0" destOrd="0" presId="urn:microsoft.com/office/officeart/2005/8/layout/hierarchy1"/>
     <dgm:cxn modelId="{0954FEF8-E768-496F-B515-C79485618B9B}" type="presOf" srcId="{F80D5291-1F19-4570-BD84-06C7A7C27CFF}" destId="{C02C0F47-89B0-40E9-8D96-6830863053FD}" srcOrd="0" destOrd="0" presId="urn:microsoft.com/office/officeart/2005/8/layout/hierarchy1"/>
-    <dgm:cxn modelId="{45EB6E37-315F-4DE6-88F4-49AD4E52D41E}" srcId="{D2F696D7-6F24-4D93-A6F6-AEFB75F66471}" destId="{8524DD58-5A20-4BC0-A8F9-6425A5D83D17}" srcOrd="0" destOrd="0" parTransId="{91AF1766-C553-4B01-9C3E-2A7C7ADB8C18}" sibTransId="{6CE507ED-228C-4E4D-B4CC-E730B871EAB9}"/>
-    <dgm:cxn modelId="{63DAABE3-D55D-43A9-B4E2-F14117552EE8}" srcId="{18994E44-AF00-4CD7-BFFB-893F48881FB3}" destId="{D9F283E7-185E-4CC1-8FA1-15186A217D73}" srcOrd="3" destOrd="0" parTransId="{90FE2595-7ECF-4128-94C3-771DC3235C42}" sibTransId="{99AFA80D-C4C7-4455-9FE0-B927CB7AFA13}"/>
     <dgm:cxn modelId="{118041D1-86D7-4C98-A416-FA960DB0061D}" type="presParOf" srcId="{B9CC6839-8DA7-4E6A-BED5-ADCA7069FFC9}" destId="{B0BAA389-B5E8-48FE-9B05-842C19904884}" srcOrd="0" destOrd="0" presId="urn:microsoft.com/office/officeart/2005/8/layout/hierarchy1"/>
     <dgm:cxn modelId="{92339EE5-19BA-414E-A7A8-C8F4880258D1}" type="presParOf" srcId="{B0BAA389-B5E8-48FE-9B05-842C19904884}" destId="{5DCA249A-0A5D-43F5-8386-D763B21D84B7}" srcOrd="0" destOrd="0" presId="urn:microsoft.com/office/officeart/2005/8/layout/hierarchy1"/>
     <dgm:cxn modelId="{9411C3BE-89B4-4386-B49C-98F7650EF65F}" type="presParOf" srcId="{5DCA249A-0A5D-43F5-8386-D763B21D84B7}" destId="{2800DDE3-6AA8-4F92-9E09-49DAF7966224}" srcOrd="0" destOrd="0" presId="urn:microsoft.com/office/officeart/2005/8/layout/hierarchy1"/>
@@ -5941,13 +5591,6 @@
         </dgm:presLayoutVars>
       </dgm:prSet>
       <dgm:spPr/>
-      <dgm:t>
-        <a:bodyPr/>
-        <a:lstStyle/>
-        <a:p>
-          <a:endParaRPr lang="en-US"/>
-        </a:p>
-      </dgm:t>
     </dgm:pt>
     <dgm:pt modelId="{B0BAA389-B5E8-48FE-9B05-842C19904884}" type="pres">
       <dgm:prSet presAssocID="{8524DD58-5A20-4BC0-A8F9-6425A5D83D17}" presName="hierRoot1" presStyleCnt="0"/>
@@ -5968,13 +5611,6 @@
         </dgm:presLayoutVars>
       </dgm:prSet>
       <dgm:spPr/>
-      <dgm:t>
-        <a:bodyPr/>
-        <a:lstStyle/>
-        <a:p>
-          <a:endParaRPr lang="en-US"/>
-        </a:p>
-      </dgm:t>
     </dgm:pt>
     <dgm:pt modelId="{8632FCFF-D066-4AB6-857B-3689AEA8773E}" type="pres">
       <dgm:prSet presAssocID="{8524DD58-5A20-4BC0-A8F9-6425A5D83D17}" presName="hierChild2" presStyleCnt="0"/>
@@ -5983,13 +5619,6 @@
     <dgm:pt modelId="{2A6E5A3B-572D-4321-85A8-25F2BFE876A3}" type="pres">
       <dgm:prSet presAssocID="{5C477CDF-8840-46C8-915C-48C0FD057B0A}" presName="Name10" presStyleLbl="parChTrans1D2" presStyleIdx="0" presStyleCnt="6"/>
       <dgm:spPr/>
-      <dgm:t>
-        <a:bodyPr/>
-        <a:lstStyle/>
-        <a:p>
-          <a:endParaRPr lang="en-US"/>
-        </a:p>
-      </dgm:t>
     </dgm:pt>
     <dgm:pt modelId="{E55B50FF-4C14-4E92-8F6A-EAD30C1E25EC}" type="pres">
       <dgm:prSet presAssocID="{A923C540-ED45-422C-843F-0C6DCDADC9AB}" presName="hierRoot2" presStyleCnt="0"/>
@@ -6010,13 +5639,6 @@
         </dgm:presLayoutVars>
       </dgm:prSet>
       <dgm:spPr/>
-      <dgm:t>
-        <a:bodyPr/>
-        <a:lstStyle/>
-        <a:p>
-          <a:endParaRPr lang="en-US"/>
-        </a:p>
-      </dgm:t>
     </dgm:pt>
     <dgm:pt modelId="{171F0247-CC6E-4054-86A7-40462965870F}" type="pres">
       <dgm:prSet presAssocID="{A923C540-ED45-422C-843F-0C6DCDADC9AB}" presName="hierChild3" presStyleCnt="0"/>
@@ -6041,13 +5663,6 @@
         </dgm:presLayoutVars>
       </dgm:prSet>
       <dgm:spPr/>
-      <dgm:t>
-        <a:bodyPr/>
-        <a:lstStyle/>
-        <a:p>
-          <a:endParaRPr lang="en-US"/>
-        </a:p>
-      </dgm:t>
     </dgm:pt>
     <dgm:pt modelId="{453DC995-69BE-423E-818E-796623C595EF}" type="pres">
       <dgm:prSet presAssocID="{18994E44-AF00-4CD7-BFFB-893F48881FB3}" presName="hierChild2" presStyleCnt="0"/>
@@ -6056,13 +5671,6 @@
     <dgm:pt modelId="{54CA6D72-4DAF-4F5A-BFF8-0F3B24E63E46}" type="pres">
       <dgm:prSet presAssocID="{E33D9464-94F1-4C5E-8AF9-0581A17D52C6}" presName="Name10" presStyleLbl="parChTrans1D2" presStyleIdx="1" presStyleCnt="6"/>
       <dgm:spPr/>
-      <dgm:t>
-        <a:bodyPr/>
-        <a:lstStyle/>
-        <a:p>
-          <a:endParaRPr lang="en-US"/>
-        </a:p>
-      </dgm:t>
     </dgm:pt>
     <dgm:pt modelId="{A10FBB14-8FAD-4C1B-A327-227CB4F9CED3}" type="pres">
       <dgm:prSet presAssocID="{30194467-FD7E-4D24-8DB0-714FAD158BDA}" presName="hierRoot2" presStyleCnt="0"/>
@@ -6083,13 +5691,6 @@
         </dgm:presLayoutVars>
       </dgm:prSet>
       <dgm:spPr/>
-      <dgm:t>
-        <a:bodyPr/>
-        <a:lstStyle/>
-        <a:p>
-          <a:endParaRPr lang="en-US"/>
-        </a:p>
-      </dgm:t>
     </dgm:pt>
     <dgm:pt modelId="{DB5CFF2A-5C65-45C8-AC8A-2053FE56F0C6}" type="pres">
       <dgm:prSet presAssocID="{30194467-FD7E-4D24-8DB0-714FAD158BDA}" presName="hierChild3" presStyleCnt="0"/>
@@ -6098,13 +5699,6 @@
     <dgm:pt modelId="{10ADEA91-9B7F-41AE-8475-3415F03C7997}" type="pres">
       <dgm:prSet presAssocID="{8660905E-B178-4AB7-95E3-8857E1B584D3}" presName="Name10" presStyleLbl="parChTrans1D2" presStyleIdx="2" presStyleCnt="6"/>
       <dgm:spPr/>
-      <dgm:t>
-        <a:bodyPr/>
-        <a:lstStyle/>
-        <a:p>
-          <a:endParaRPr lang="en-US"/>
-        </a:p>
-      </dgm:t>
     </dgm:pt>
     <dgm:pt modelId="{60A98512-EE5F-469A-A567-9B0DFA18988E}" type="pres">
       <dgm:prSet presAssocID="{EDEA9A5B-7A7B-44DC-B057-F6BEFF56A3E3}" presName="hierRoot2" presStyleCnt="0"/>
@@ -6125,13 +5719,6 @@
         </dgm:presLayoutVars>
       </dgm:prSet>
       <dgm:spPr/>
-      <dgm:t>
-        <a:bodyPr/>
-        <a:lstStyle/>
-        <a:p>
-          <a:endParaRPr lang="en-US"/>
-        </a:p>
-      </dgm:t>
     </dgm:pt>
     <dgm:pt modelId="{FEE2E0E3-610F-4E0E-A956-E5DCDA9FC116}" type="pres">
       <dgm:prSet presAssocID="{EDEA9A5B-7A7B-44DC-B057-F6BEFF56A3E3}" presName="hierChild3" presStyleCnt="0"/>
@@ -6140,13 +5727,6 @@
     <dgm:pt modelId="{2782B56D-3B1A-414B-940E-03345377419E}" type="pres">
       <dgm:prSet presAssocID="{29DAC408-E444-40DB-BB07-185C2BB20BE6}" presName="Name17" presStyleLbl="parChTrans1D3" presStyleIdx="0" presStyleCnt="2"/>
       <dgm:spPr/>
-      <dgm:t>
-        <a:bodyPr/>
-        <a:lstStyle/>
-        <a:p>
-          <a:endParaRPr lang="en-US"/>
-        </a:p>
-      </dgm:t>
     </dgm:pt>
     <dgm:pt modelId="{AACA356B-E4AE-4DA5-B230-56C69101B32E}" type="pres">
       <dgm:prSet presAssocID="{591C96C0-B4A2-495D-B12D-AE27E21DBD88}" presName="hierRoot3" presStyleCnt="0"/>
@@ -6167,13 +5747,6 @@
         </dgm:presLayoutVars>
       </dgm:prSet>
       <dgm:spPr/>
-      <dgm:t>
-        <a:bodyPr/>
-        <a:lstStyle/>
-        <a:p>
-          <a:endParaRPr lang="en-US"/>
-        </a:p>
-      </dgm:t>
     </dgm:pt>
     <dgm:pt modelId="{DDD0F9E6-9D0D-4603-ABEA-92723FB1E043}" type="pres">
       <dgm:prSet presAssocID="{591C96C0-B4A2-495D-B12D-AE27E21DBD88}" presName="hierChild4" presStyleCnt="0"/>
@@ -6182,13 +5755,6 @@
     <dgm:pt modelId="{C02C0F47-89B0-40E9-8D96-6830863053FD}" type="pres">
       <dgm:prSet presAssocID="{F80D5291-1F19-4570-BD84-06C7A7C27CFF}" presName="Name17" presStyleLbl="parChTrans1D3" presStyleIdx="1" presStyleCnt="2"/>
       <dgm:spPr/>
-      <dgm:t>
-        <a:bodyPr/>
-        <a:lstStyle/>
-        <a:p>
-          <a:endParaRPr lang="en-US"/>
-        </a:p>
-      </dgm:t>
     </dgm:pt>
     <dgm:pt modelId="{B85E22F0-24FC-43A5-B661-991DE3712735}" type="pres">
       <dgm:prSet presAssocID="{D1094483-B178-4085-961F-43ECEFDE8599}" presName="hierRoot3" presStyleCnt="0"/>
@@ -6209,13 +5775,6 @@
         </dgm:presLayoutVars>
       </dgm:prSet>
       <dgm:spPr/>
-      <dgm:t>
-        <a:bodyPr/>
-        <a:lstStyle/>
-        <a:p>
-          <a:endParaRPr lang="en-US"/>
-        </a:p>
-      </dgm:t>
     </dgm:pt>
     <dgm:pt modelId="{4937EEA4-BBF7-4256-BF7E-238BC2DD7D16}" type="pres">
       <dgm:prSet presAssocID="{D1094483-B178-4085-961F-43ECEFDE8599}" presName="hierChild4" presStyleCnt="0"/>
@@ -6224,13 +5783,6 @@
     <dgm:pt modelId="{58A324DF-9888-4D3B-843C-35027F670662}" type="pres">
       <dgm:prSet presAssocID="{B39EC8B6-8DE7-41B7-9370-705CB5823913}" presName="Name23" presStyleLbl="parChTrans1D4" presStyleIdx="0" presStyleCnt="3"/>
       <dgm:spPr/>
-      <dgm:t>
-        <a:bodyPr/>
-        <a:lstStyle/>
-        <a:p>
-          <a:endParaRPr lang="en-US"/>
-        </a:p>
-      </dgm:t>
     </dgm:pt>
     <dgm:pt modelId="{C4FCC9EB-4107-45BA-A85E-82F3D039E321}" type="pres">
       <dgm:prSet presAssocID="{1FCD92F8-79A9-48DB-A592-03D5F134F8AD}" presName="hierRoot4" presStyleCnt="0"/>
@@ -6251,13 +5803,6 @@
         </dgm:presLayoutVars>
       </dgm:prSet>
       <dgm:spPr/>
-      <dgm:t>
-        <a:bodyPr/>
-        <a:lstStyle/>
-        <a:p>
-          <a:endParaRPr lang="en-US"/>
-        </a:p>
-      </dgm:t>
     </dgm:pt>
     <dgm:pt modelId="{21F15AA6-CA54-4735-A838-F048105F1AF1}" type="pres">
       <dgm:prSet presAssocID="{1FCD92F8-79A9-48DB-A592-03D5F134F8AD}" presName="hierChild5" presStyleCnt="0"/>
@@ -6266,13 +5811,6 @@
     <dgm:pt modelId="{8F74CD9E-AEEB-43B8-95A7-4EC1629252D3}" type="pres">
       <dgm:prSet presAssocID="{C46ECDBD-32A2-4443-8D38-B29C487E4F37}" presName="Name23" presStyleLbl="parChTrans1D4" presStyleIdx="1" presStyleCnt="3"/>
       <dgm:spPr/>
-      <dgm:t>
-        <a:bodyPr/>
-        <a:lstStyle/>
-        <a:p>
-          <a:endParaRPr lang="en-US"/>
-        </a:p>
-      </dgm:t>
     </dgm:pt>
     <dgm:pt modelId="{83DCDF06-947D-4D5E-A1BF-39A06C29E62D}" type="pres">
       <dgm:prSet presAssocID="{E0BE901C-0CFD-4076-9A90-3C9D2272EF7F}" presName="hierRoot4" presStyleCnt="0"/>
@@ -6293,13 +5831,6 @@
         </dgm:presLayoutVars>
       </dgm:prSet>
       <dgm:spPr/>
-      <dgm:t>
-        <a:bodyPr/>
-        <a:lstStyle/>
-        <a:p>
-          <a:endParaRPr lang="en-US"/>
-        </a:p>
-      </dgm:t>
     </dgm:pt>
     <dgm:pt modelId="{4C80783D-B300-407A-958B-627094077C9F}" type="pres">
       <dgm:prSet presAssocID="{E0BE901C-0CFD-4076-9A90-3C9D2272EF7F}" presName="hierChild5" presStyleCnt="0"/>
@@ -6308,13 +5839,6 @@
     <dgm:pt modelId="{26607EC0-F098-44DB-9C64-329DE95362A9}" type="pres">
       <dgm:prSet presAssocID="{B71299E6-F7A3-4C91-A358-6056F5AF1F98}" presName="Name23" presStyleLbl="parChTrans1D4" presStyleIdx="2" presStyleCnt="3"/>
       <dgm:spPr/>
-      <dgm:t>
-        <a:bodyPr/>
-        <a:lstStyle/>
-        <a:p>
-          <a:endParaRPr lang="en-US"/>
-        </a:p>
-      </dgm:t>
     </dgm:pt>
     <dgm:pt modelId="{6F9856A8-4628-480E-9E36-CB50A36F4536}" type="pres">
       <dgm:prSet presAssocID="{A903B131-00F6-4300-A7C5-4EBFFECA2BFE}" presName="hierRoot4" presStyleCnt="0"/>
@@ -6335,13 +5859,6 @@
         </dgm:presLayoutVars>
       </dgm:prSet>
       <dgm:spPr/>
-      <dgm:t>
-        <a:bodyPr/>
-        <a:lstStyle/>
-        <a:p>
-          <a:endParaRPr lang="en-US"/>
-        </a:p>
-      </dgm:t>
     </dgm:pt>
     <dgm:pt modelId="{5172A587-57F4-47EF-8998-48457B9EBE13}" type="pres">
       <dgm:prSet presAssocID="{A903B131-00F6-4300-A7C5-4EBFFECA2BFE}" presName="hierChild5" presStyleCnt="0"/>
@@ -6350,13 +5867,6 @@
     <dgm:pt modelId="{4B8A6B68-CBBF-4750-8A92-251106370A0E}" type="pres">
       <dgm:prSet presAssocID="{141A4074-C9FD-4AF8-AA9B-4F3CAC93EA18}" presName="Name10" presStyleLbl="parChTrans1D2" presStyleIdx="3" presStyleCnt="6"/>
       <dgm:spPr/>
-      <dgm:t>
-        <a:bodyPr/>
-        <a:lstStyle/>
-        <a:p>
-          <a:endParaRPr lang="en-US"/>
-        </a:p>
-      </dgm:t>
     </dgm:pt>
     <dgm:pt modelId="{79F85412-F7BD-4DE0-995A-A69A8C9EA902}" type="pres">
       <dgm:prSet presAssocID="{4CF28C83-AF25-475E-9F50-007420FDF6A3}" presName="hierRoot2" presStyleCnt="0"/>
@@ -6377,13 +5887,6 @@
         </dgm:presLayoutVars>
       </dgm:prSet>
       <dgm:spPr/>
-      <dgm:t>
-        <a:bodyPr/>
-        <a:lstStyle/>
-        <a:p>
-          <a:endParaRPr lang="en-US"/>
-        </a:p>
-      </dgm:t>
     </dgm:pt>
     <dgm:pt modelId="{ABBA5C9B-45B3-4AC2-B2E3-236EF0B81A1F}" type="pres">
       <dgm:prSet presAssocID="{4CF28C83-AF25-475E-9F50-007420FDF6A3}" presName="hierChild3" presStyleCnt="0"/>
@@ -6392,13 +5895,6 @@
     <dgm:pt modelId="{541ECD9B-EC50-48A1-94BD-FEC4CBB41E32}" type="pres">
       <dgm:prSet presAssocID="{90FE2595-7ECF-4128-94C3-771DC3235C42}" presName="Name10" presStyleLbl="parChTrans1D2" presStyleIdx="4" presStyleCnt="6"/>
       <dgm:spPr/>
-      <dgm:t>
-        <a:bodyPr/>
-        <a:lstStyle/>
-        <a:p>
-          <a:endParaRPr lang="en-US"/>
-        </a:p>
-      </dgm:t>
     </dgm:pt>
     <dgm:pt modelId="{79A6DBA8-63FA-4489-B9B1-4707F6FA5BA9}" type="pres">
       <dgm:prSet presAssocID="{D9F283E7-185E-4CC1-8FA1-15186A217D73}" presName="hierRoot2" presStyleCnt="0"/>
@@ -6419,13 +5915,6 @@
         </dgm:presLayoutVars>
       </dgm:prSet>
       <dgm:spPr/>
-      <dgm:t>
-        <a:bodyPr/>
-        <a:lstStyle/>
-        <a:p>
-          <a:endParaRPr lang="en-US"/>
-        </a:p>
-      </dgm:t>
     </dgm:pt>
     <dgm:pt modelId="{393E6A52-ACF1-475A-88F3-73D63AA1B389}" type="pres">
       <dgm:prSet presAssocID="{D9F283E7-185E-4CC1-8FA1-15186A217D73}" presName="hierChild3" presStyleCnt="0"/>
@@ -6434,13 +5923,6 @@
     <dgm:pt modelId="{DFBBF034-86D2-4D57-BEB3-EC107B3FDEE7}" type="pres">
       <dgm:prSet presAssocID="{74675377-CAC4-4838-9AC4-4E89B176B345}" presName="Name10" presStyleLbl="parChTrans1D2" presStyleIdx="5" presStyleCnt="6"/>
       <dgm:spPr/>
-      <dgm:t>
-        <a:bodyPr/>
-        <a:lstStyle/>
-        <a:p>
-          <a:endParaRPr lang="en-US"/>
-        </a:p>
-      </dgm:t>
     </dgm:pt>
     <dgm:pt modelId="{D92E178D-15D1-46D9-9238-3AACAB5E72EB}" type="pres">
       <dgm:prSet presAssocID="{167C0B38-4D45-461B-B5FE-F516FC0C47B1}" presName="hierRoot2" presStyleCnt="0"/>
@@ -6461,13 +5943,6 @@
         </dgm:presLayoutVars>
       </dgm:prSet>
       <dgm:spPr/>
-      <dgm:t>
-        <a:bodyPr/>
-        <a:lstStyle/>
-        <a:p>
-          <a:endParaRPr lang="en-US"/>
-        </a:p>
-      </dgm:t>
     </dgm:pt>
     <dgm:pt modelId="{4561F020-85BE-4261-9558-DFFB870F131F}" type="pres">
       <dgm:prSet presAssocID="{167C0B38-4D45-461B-B5FE-F516FC0C47B1}" presName="hierChild3" presStyleCnt="0"/>
@@ -6475,44 +5950,44 @@
     </dgm:pt>
   </dgm:ptLst>
   <dgm:cxnLst>
+    <dgm:cxn modelId="{04D5DC05-282D-4811-9480-9D97C2000B44}" type="presOf" srcId="{591C96C0-B4A2-495D-B12D-AE27E21DBD88}" destId="{9631D492-9631-4BC0-8E32-24F64A52BF58}" srcOrd="0" destOrd="0" presId="urn:microsoft.com/office/officeart/2005/8/layout/hierarchy1"/>
+    <dgm:cxn modelId="{D733E407-4B66-4A18-BA7C-3DD964357961}" type="presOf" srcId="{B39EC8B6-8DE7-41B7-9370-705CB5823913}" destId="{58A324DF-9888-4D3B-843C-35027F670662}" srcOrd="0" destOrd="0" presId="urn:microsoft.com/office/officeart/2005/8/layout/hierarchy1"/>
+    <dgm:cxn modelId="{3A102F09-A0B7-4D36-82DB-9891A33594EB}" type="presOf" srcId="{D9F283E7-185E-4CC1-8FA1-15186A217D73}" destId="{6AFCA11E-528B-40BD-B72C-A0943F1BBF94}" srcOrd="0" destOrd="0" presId="urn:microsoft.com/office/officeart/2005/8/layout/hierarchy1"/>
     <dgm:cxn modelId="{A40B5D10-734E-466C-8C0E-387720C269A3}" srcId="{8524DD58-5A20-4BC0-A8F9-6425A5D83D17}" destId="{A923C540-ED45-422C-843F-0C6DCDADC9AB}" srcOrd="0" destOrd="0" parTransId="{5C477CDF-8840-46C8-915C-48C0FD057B0A}" sibTransId="{8563C58B-205C-4509-8745-FD52D2F0D296}"/>
+    <dgm:cxn modelId="{480CCD16-C3ED-4692-97A7-980CD59538CB}" type="presOf" srcId="{8660905E-B178-4AB7-95E3-8857E1B584D3}" destId="{10ADEA91-9B7F-41AE-8475-3415F03C7997}" srcOrd="0" destOrd="0" presId="urn:microsoft.com/office/officeart/2005/8/layout/hierarchy1"/>
+    <dgm:cxn modelId="{124A0326-8C09-46A0-B873-F1DFC6754E1B}" type="presOf" srcId="{A923C540-ED45-422C-843F-0C6DCDADC9AB}" destId="{988D4E53-B31D-4C89-AD22-ED94EA2E97AF}" srcOrd="0" destOrd="0" presId="urn:microsoft.com/office/officeart/2005/8/layout/hierarchy1"/>
+    <dgm:cxn modelId="{45EB6E37-315F-4DE6-88F4-49AD4E52D41E}" srcId="{D2F696D7-6F24-4D93-A6F6-AEFB75F66471}" destId="{8524DD58-5A20-4BC0-A8F9-6425A5D83D17}" srcOrd="0" destOrd="0" parTransId="{91AF1766-C553-4B01-9C3E-2A7C7ADB8C18}" sibTransId="{6CE507ED-228C-4E4D-B4CC-E730B871EAB9}"/>
+    <dgm:cxn modelId="{2F26303B-3339-4494-A0F9-68E5184F7A3D}" type="presOf" srcId="{EDEA9A5B-7A7B-44DC-B057-F6BEFF56A3E3}" destId="{57C1D9DD-379E-42A1-9AD1-45F4B6CF3AA3}" srcOrd="0" destOrd="0" presId="urn:microsoft.com/office/officeart/2005/8/layout/hierarchy1"/>
+    <dgm:cxn modelId="{9D99AA3D-4482-4377-957E-71E3A83FBC43}" type="presOf" srcId="{A903B131-00F6-4300-A7C5-4EBFFECA2BFE}" destId="{EAF5657C-F814-4B97-A682-14631681F8EB}" srcOrd="0" destOrd="0" presId="urn:microsoft.com/office/officeart/2005/8/layout/hierarchy1"/>
+    <dgm:cxn modelId="{6BB93860-D57D-4A89-81CE-4074FFC3B0B6}" type="presOf" srcId="{29DAC408-E444-40DB-BB07-185C2BB20BE6}" destId="{2782B56D-3B1A-414B-940E-03345377419E}" srcOrd="0" destOrd="0" presId="urn:microsoft.com/office/officeart/2005/8/layout/hierarchy1"/>
     <dgm:cxn modelId="{3A0D9F61-AE06-40B0-BFF4-F4A8532836F2}" srcId="{18994E44-AF00-4CD7-BFFB-893F48881FB3}" destId="{EDEA9A5B-7A7B-44DC-B057-F6BEFF56A3E3}" srcOrd="1" destOrd="0" parTransId="{8660905E-B178-4AB7-95E3-8857E1B584D3}" sibTransId="{44BDF4C1-525B-4D43-B9AB-EEFC8658688F}"/>
+    <dgm:cxn modelId="{5E47D263-0A0B-4CE1-BE19-E752EDB04F9C}" type="presOf" srcId="{4CF28C83-AF25-475E-9F50-007420FDF6A3}" destId="{BAAC51C4-C80E-4EB2-9417-B37059021C8B}" srcOrd="0" destOrd="0" presId="urn:microsoft.com/office/officeart/2005/8/layout/hierarchy1"/>
     <dgm:cxn modelId="{2414C570-6F38-4944-A955-C6AD80AB84BB}" type="presOf" srcId="{B71299E6-F7A3-4C91-A358-6056F5AF1F98}" destId="{26607EC0-F098-44DB-9C64-329DE95362A9}" srcOrd="0" destOrd="0" presId="urn:microsoft.com/office/officeart/2005/8/layout/hierarchy1"/>
-    <dgm:cxn modelId="{3F046DFA-07BF-4E59-9E02-6FF65C938658}" type="presOf" srcId="{D2F696D7-6F24-4D93-A6F6-AEFB75F66471}" destId="{B9CC6839-8DA7-4E6A-BED5-ADCA7069FFC9}" srcOrd="0" destOrd="0" presId="urn:microsoft.com/office/officeart/2005/8/layout/hierarchy1"/>
-    <dgm:cxn modelId="{DC7654B5-E13E-4EF5-8929-0E36A0589E20}" srcId="{18994E44-AF00-4CD7-BFFB-893F48881FB3}" destId="{30194467-FD7E-4D24-8DB0-714FAD158BDA}" srcOrd="0" destOrd="0" parTransId="{E33D9464-94F1-4C5E-8AF9-0581A17D52C6}" sibTransId="{D1BB627F-DAC7-449A-8004-281B1036B1FB}"/>
-    <dgm:cxn modelId="{05B48EA5-4E86-450B-85EB-FD2FA0A465FA}" srcId="{D1094483-B178-4085-961F-43ECEFDE8599}" destId="{1FCD92F8-79A9-48DB-A592-03D5F134F8AD}" srcOrd="0" destOrd="0" parTransId="{B39EC8B6-8DE7-41B7-9370-705CB5823913}" sibTransId="{D478D3FB-DAEA-4BA3-975E-E63E143E287B}"/>
-    <dgm:cxn modelId="{6FBA3A9E-B6B2-4936-B0A6-7151D4EEA1C9}" srcId="{D1094483-B178-4085-961F-43ECEFDE8599}" destId="{A903B131-00F6-4300-A7C5-4EBFFECA2BFE}" srcOrd="2" destOrd="0" parTransId="{B71299E6-F7A3-4C91-A358-6056F5AF1F98}" sibTransId="{14CAC3CA-574B-4EF4-9E4F-AE657B382033}"/>
-    <dgm:cxn modelId="{D733E407-4B66-4A18-BA7C-3DD964357961}" type="presOf" srcId="{B39EC8B6-8DE7-41B7-9370-705CB5823913}" destId="{58A324DF-9888-4D3B-843C-35027F670662}" srcOrd="0" destOrd="0" presId="urn:microsoft.com/office/officeart/2005/8/layout/hierarchy1"/>
-    <dgm:cxn modelId="{75A7D199-D9EC-43BF-9BB7-EBF150BB3903}" srcId="{D2F696D7-6F24-4D93-A6F6-AEFB75F66471}" destId="{18994E44-AF00-4CD7-BFFB-893F48881FB3}" srcOrd="1" destOrd="0" parTransId="{FD551922-1961-4B0B-A7AE-CAF490FF2622}" sibTransId="{BADBC77F-15AA-4275-8C6D-4CD383CECD2B}"/>
     <dgm:cxn modelId="{018B7F76-66EF-475F-BF3B-B82E1F66916C}" type="presOf" srcId="{5C477CDF-8840-46C8-915C-48C0FD057B0A}" destId="{2A6E5A3B-572D-4321-85A8-25F2BFE876A3}" srcOrd="0" destOrd="0" presId="urn:microsoft.com/office/officeart/2005/8/layout/hierarchy1"/>
-    <dgm:cxn modelId="{D9C16DB6-A2D4-49CA-9676-F4CCFAC32C3C}" type="presOf" srcId="{E0BE901C-0CFD-4076-9A90-3C9D2272EF7F}" destId="{1B2EE649-2B94-427D-8F07-A895A1088269}" srcOrd="0" destOrd="0" presId="urn:microsoft.com/office/officeart/2005/8/layout/hierarchy1"/>
-    <dgm:cxn modelId="{5E47D263-0A0B-4CE1-BE19-E752EDB04F9C}" type="presOf" srcId="{4CF28C83-AF25-475E-9F50-007420FDF6A3}" destId="{BAAC51C4-C80E-4EB2-9417-B37059021C8B}" srcOrd="0" destOrd="0" presId="urn:microsoft.com/office/officeart/2005/8/layout/hierarchy1"/>
-    <dgm:cxn modelId="{124A0326-8C09-46A0-B873-F1DFC6754E1B}" type="presOf" srcId="{A923C540-ED45-422C-843F-0C6DCDADC9AB}" destId="{988D4E53-B31D-4C89-AD22-ED94EA2E97AF}" srcOrd="0" destOrd="0" presId="urn:microsoft.com/office/officeart/2005/8/layout/hierarchy1"/>
-    <dgm:cxn modelId="{814985E4-CDAC-472C-ABB3-D34198661C53}" type="presOf" srcId="{167C0B38-4D45-461B-B5FE-F516FC0C47B1}" destId="{DA51FBE4-5852-40D4-BFBB-96C1DEE5735D}" srcOrd="0" destOrd="0" presId="urn:microsoft.com/office/officeart/2005/8/layout/hierarchy1"/>
-    <dgm:cxn modelId="{60CF05FA-8723-4FCE-ABD6-703A650B980B}" type="presOf" srcId="{30194467-FD7E-4D24-8DB0-714FAD158BDA}" destId="{173B9D13-7D12-4225-857A-7C445B30673C}" srcOrd="0" destOrd="0" presId="urn:microsoft.com/office/officeart/2005/8/layout/hierarchy1"/>
-    <dgm:cxn modelId="{04D5DC05-282D-4811-9480-9D97C2000B44}" type="presOf" srcId="{591C96C0-B4A2-495D-B12D-AE27E21DBD88}" destId="{9631D492-9631-4BC0-8E32-24F64A52BF58}" srcOrd="0" destOrd="0" presId="urn:microsoft.com/office/officeart/2005/8/layout/hierarchy1"/>
-    <dgm:cxn modelId="{E99D60E7-A7FD-45D5-BE9A-E478B2538385}" type="presOf" srcId="{E33D9464-94F1-4C5E-8AF9-0581A17D52C6}" destId="{54CA6D72-4DAF-4F5A-BFF8-0F3B24E63E46}" srcOrd="0" destOrd="0" presId="urn:microsoft.com/office/officeart/2005/8/layout/hierarchy1"/>
-    <dgm:cxn modelId="{BF9FD0A2-FC1A-43D4-A1BD-9462248D33EE}" srcId="{D1094483-B178-4085-961F-43ECEFDE8599}" destId="{E0BE901C-0CFD-4076-9A90-3C9D2272EF7F}" srcOrd="1" destOrd="0" parTransId="{C46ECDBD-32A2-4443-8D38-B29C487E4F37}" sibTransId="{804D9A2E-A2FB-4A4E-B141-557733345E78}"/>
-    <dgm:cxn modelId="{BD1E8ABD-AAAC-4489-81FD-EDF37615E9ED}" type="presOf" srcId="{8524DD58-5A20-4BC0-A8F9-6425A5D83D17}" destId="{1AB3CFCF-727C-45FB-BAA2-06724711E9AB}" srcOrd="0" destOrd="0" presId="urn:microsoft.com/office/officeart/2005/8/layout/hierarchy1"/>
-    <dgm:cxn modelId="{4696F6A9-C519-4963-A359-DD4618AA3F81}" type="presOf" srcId="{C46ECDBD-32A2-4443-8D38-B29C487E4F37}" destId="{8F74CD9E-AEEB-43B8-95A7-4EC1629252D3}" srcOrd="0" destOrd="0" presId="urn:microsoft.com/office/officeart/2005/8/layout/hierarchy1"/>
-    <dgm:cxn modelId="{7A920FEB-3F3F-436B-ABDC-0BB047CC8304}" type="presOf" srcId="{90FE2595-7ECF-4128-94C3-771DC3235C42}" destId="{541ECD9B-EC50-48A1-94BD-FEC4CBB41E32}" srcOrd="0" destOrd="0" presId="urn:microsoft.com/office/officeart/2005/8/layout/hierarchy1"/>
-    <dgm:cxn modelId="{3A102F09-A0B7-4D36-82DB-9891A33594EB}" type="presOf" srcId="{D9F283E7-185E-4CC1-8FA1-15186A217D73}" destId="{6AFCA11E-528B-40BD-B72C-A0943F1BBF94}" srcOrd="0" destOrd="0" presId="urn:microsoft.com/office/officeart/2005/8/layout/hierarchy1"/>
-    <dgm:cxn modelId="{5685EB81-D231-4085-86AA-F4C075B2B83E}" srcId="{18994E44-AF00-4CD7-BFFB-893F48881FB3}" destId="{167C0B38-4D45-461B-B5FE-F516FC0C47B1}" srcOrd="4" destOrd="0" parTransId="{74675377-CAC4-4838-9AC4-4E89B176B345}" sibTransId="{D5083BFB-FF2E-4A79-B4CD-B99D53F7482D}"/>
-    <dgm:cxn modelId="{2F26303B-3339-4494-A0F9-68E5184F7A3D}" type="presOf" srcId="{EDEA9A5B-7A7B-44DC-B057-F6BEFF56A3E3}" destId="{57C1D9DD-379E-42A1-9AD1-45F4B6CF3AA3}" srcOrd="0" destOrd="0" presId="urn:microsoft.com/office/officeart/2005/8/layout/hierarchy1"/>
-    <dgm:cxn modelId="{134055C1-EFE8-493E-AEFA-711A90A7AE2D}" srcId="{18994E44-AF00-4CD7-BFFB-893F48881FB3}" destId="{4CF28C83-AF25-475E-9F50-007420FDF6A3}" srcOrd="2" destOrd="0" parTransId="{141A4074-C9FD-4AF8-AA9B-4F3CAC93EA18}" sibTransId="{06AAF7AA-1E65-4BFF-A261-87B2EFEBF689}"/>
     <dgm:cxn modelId="{DB194E57-4A04-46A6-9475-492AEE30CD75}" type="presOf" srcId="{18994E44-AF00-4CD7-BFFB-893F48881FB3}" destId="{C8123B47-734E-4D1A-979C-B85396FF6987}" srcOrd="0" destOrd="0" presId="urn:microsoft.com/office/officeart/2005/8/layout/hierarchy1"/>
     <dgm:cxn modelId="{B9497059-C0AB-4D89-B6BF-4E131C37A969}" type="presOf" srcId="{1FCD92F8-79A9-48DB-A592-03D5F134F8AD}" destId="{41ADC508-700B-498E-AF8F-826A7F507618}" srcOrd="0" destOrd="0" presId="urn:microsoft.com/office/officeart/2005/8/layout/hierarchy1"/>
+    <dgm:cxn modelId="{5685EB81-D231-4085-86AA-F4C075B2B83E}" srcId="{18994E44-AF00-4CD7-BFFB-893F48881FB3}" destId="{167C0B38-4D45-461B-B5FE-F516FC0C47B1}" srcOrd="4" destOrd="0" parTransId="{74675377-CAC4-4838-9AC4-4E89B176B345}" sibTransId="{D5083BFB-FF2E-4A79-B4CD-B99D53F7482D}"/>
     <dgm:cxn modelId="{B9D2258C-A8F6-4C7C-B3FD-B66C6193B6DD}" srcId="{EDEA9A5B-7A7B-44DC-B057-F6BEFF56A3E3}" destId="{D1094483-B178-4085-961F-43ECEFDE8599}" srcOrd="1" destOrd="0" parTransId="{F80D5291-1F19-4570-BD84-06C7A7C27CFF}" sibTransId="{4E778291-BEA7-4076-8E6F-AD79D6ADEF31}"/>
     <dgm:cxn modelId="{AEE33593-2C5C-4CBD-AAA8-02176F2C618A}" srcId="{EDEA9A5B-7A7B-44DC-B057-F6BEFF56A3E3}" destId="{591C96C0-B4A2-495D-B12D-AE27E21DBD88}" srcOrd="0" destOrd="0" parTransId="{29DAC408-E444-40DB-BB07-185C2BB20BE6}" sibTransId="{3C400E3E-6BAA-4161-8F35-FC399C4E1346}"/>
-    <dgm:cxn modelId="{6BB93860-D57D-4A89-81CE-4074FFC3B0B6}" type="presOf" srcId="{29DAC408-E444-40DB-BB07-185C2BB20BE6}" destId="{2782B56D-3B1A-414B-940E-03345377419E}" srcOrd="0" destOrd="0" presId="urn:microsoft.com/office/officeart/2005/8/layout/hierarchy1"/>
+    <dgm:cxn modelId="{8777A298-25C7-4DB0-A91C-3678A256B15D}" type="presOf" srcId="{141A4074-C9FD-4AF8-AA9B-4F3CAC93EA18}" destId="{4B8A6B68-CBBF-4750-8A92-251106370A0E}" srcOrd="0" destOrd="0" presId="urn:microsoft.com/office/officeart/2005/8/layout/hierarchy1"/>
     <dgm:cxn modelId="{3330AD98-BDF5-4817-90B6-2275A77B3345}" type="presOf" srcId="{74675377-CAC4-4838-9AC4-4E89B176B345}" destId="{DFBBF034-86D2-4D57-BEB3-EC107B3FDEE7}" srcOrd="0" destOrd="0" presId="urn:microsoft.com/office/officeart/2005/8/layout/hierarchy1"/>
+    <dgm:cxn modelId="{75A7D199-D9EC-43BF-9BB7-EBF150BB3903}" srcId="{D2F696D7-6F24-4D93-A6F6-AEFB75F66471}" destId="{18994E44-AF00-4CD7-BFFB-893F48881FB3}" srcOrd="1" destOrd="0" parTransId="{FD551922-1961-4B0B-A7AE-CAF490FF2622}" sibTransId="{BADBC77F-15AA-4275-8C6D-4CD383CECD2B}"/>
+    <dgm:cxn modelId="{6FBA3A9E-B6B2-4936-B0A6-7151D4EEA1C9}" srcId="{D1094483-B178-4085-961F-43ECEFDE8599}" destId="{A903B131-00F6-4300-A7C5-4EBFFECA2BFE}" srcOrd="2" destOrd="0" parTransId="{B71299E6-F7A3-4C91-A358-6056F5AF1F98}" sibTransId="{14CAC3CA-574B-4EF4-9E4F-AE657B382033}"/>
+    <dgm:cxn modelId="{BF9FD0A2-FC1A-43D4-A1BD-9462248D33EE}" srcId="{D1094483-B178-4085-961F-43ECEFDE8599}" destId="{E0BE901C-0CFD-4076-9A90-3C9D2272EF7F}" srcOrd="1" destOrd="0" parTransId="{C46ECDBD-32A2-4443-8D38-B29C487E4F37}" sibTransId="{804D9A2E-A2FB-4A4E-B141-557733345E78}"/>
+    <dgm:cxn modelId="{22A823A3-06FB-4AB1-B9BA-0AF9D726C950}" type="presOf" srcId="{F80D5291-1F19-4570-BD84-06C7A7C27CFF}" destId="{C02C0F47-89B0-40E9-8D96-6830863053FD}" srcOrd="0" destOrd="0" presId="urn:microsoft.com/office/officeart/2005/8/layout/hierarchy1"/>
+    <dgm:cxn modelId="{05B48EA5-4E86-450B-85EB-FD2FA0A465FA}" srcId="{D1094483-B178-4085-961F-43ECEFDE8599}" destId="{1FCD92F8-79A9-48DB-A592-03D5F134F8AD}" srcOrd="0" destOrd="0" parTransId="{B39EC8B6-8DE7-41B7-9370-705CB5823913}" sibTransId="{D478D3FB-DAEA-4BA3-975E-E63E143E287B}"/>
+    <dgm:cxn modelId="{4696F6A9-C519-4963-A359-DD4618AA3F81}" type="presOf" srcId="{C46ECDBD-32A2-4443-8D38-B29C487E4F37}" destId="{8F74CD9E-AEEB-43B8-95A7-4EC1629252D3}" srcOrd="0" destOrd="0" presId="urn:microsoft.com/office/officeart/2005/8/layout/hierarchy1"/>
+    <dgm:cxn modelId="{DC7654B5-E13E-4EF5-8929-0E36A0589E20}" srcId="{18994E44-AF00-4CD7-BFFB-893F48881FB3}" destId="{30194467-FD7E-4D24-8DB0-714FAD158BDA}" srcOrd="0" destOrd="0" parTransId="{E33D9464-94F1-4C5E-8AF9-0581A17D52C6}" sibTransId="{D1BB627F-DAC7-449A-8004-281B1036B1FB}"/>
+    <dgm:cxn modelId="{D9C16DB6-A2D4-49CA-9676-F4CCFAC32C3C}" type="presOf" srcId="{E0BE901C-0CFD-4076-9A90-3C9D2272EF7F}" destId="{1B2EE649-2B94-427D-8F07-A895A1088269}" srcOrd="0" destOrd="0" presId="urn:microsoft.com/office/officeart/2005/8/layout/hierarchy1"/>
+    <dgm:cxn modelId="{BD1E8ABD-AAAC-4489-81FD-EDF37615E9ED}" type="presOf" srcId="{8524DD58-5A20-4BC0-A8F9-6425A5D83D17}" destId="{1AB3CFCF-727C-45FB-BAA2-06724711E9AB}" srcOrd="0" destOrd="0" presId="urn:microsoft.com/office/officeart/2005/8/layout/hierarchy1"/>
+    <dgm:cxn modelId="{134055C1-EFE8-493E-AEFA-711A90A7AE2D}" srcId="{18994E44-AF00-4CD7-BFFB-893F48881FB3}" destId="{4CF28C83-AF25-475E-9F50-007420FDF6A3}" srcOrd="2" destOrd="0" parTransId="{141A4074-C9FD-4AF8-AA9B-4F3CAC93EA18}" sibTransId="{06AAF7AA-1E65-4BFF-A261-87B2EFEBF689}"/>
+    <dgm:cxn modelId="{63DAABE3-D55D-43A9-B4E2-F14117552EE8}" srcId="{18994E44-AF00-4CD7-BFFB-893F48881FB3}" destId="{D9F283E7-185E-4CC1-8FA1-15186A217D73}" srcOrd="3" destOrd="0" parTransId="{90FE2595-7ECF-4128-94C3-771DC3235C42}" sibTransId="{99AFA80D-C4C7-4455-9FE0-B927CB7AFA13}"/>
+    <dgm:cxn modelId="{814985E4-CDAC-472C-ABB3-D34198661C53}" type="presOf" srcId="{167C0B38-4D45-461B-B5FE-F516FC0C47B1}" destId="{DA51FBE4-5852-40D4-BFBB-96C1DEE5735D}" srcOrd="0" destOrd="0" presId="urn:microsoft.com/office/officeart/2005/8/layout/hierarchy1"/>
+    <dgm:cxn modelId="{E99D60E7-A7FD-45D5-BE9A-E478B2538385}" type="presOf" srcId="{E33D9464-94F1-4C5E-8AF9-0581A17D52C6}" destId="{54CA6D72-4DAF-4F5A-BFF8-0F3B24E63E46}" srcOrd="0" destOrd="0" presId="urn:microsoft.com/office/officeart/2005/8/layout/hierarchy1"/>
+    <dgm:cxn modelId="{7A920FEB-3F3F-436B-ABDC-0BB047CC8304}" type="presOf" srcId="{90FE2595-7ECF-4128-94C3-771DC3235C42}" destId="{541ECD9B-EC50-48A1-94BD-FEC4CBB41E32}" srcOrd="0" destOrd="0" presId="urn:microsoft.com/office/officeart/2005/8/layout/hierarchy1"/>
     <dgm:cxn modelId="{16EE64F5-D545-4D10-A894-5A6D5DC4F778}" type="presOf" srcId="{D1094483-B178-4085-961F-43ECEFDE8599}" destId="{796B37A5-21B2-4851-BF38-DA90895D29E2}" srcOrd="0" destOrd="0" presId="urn:microsoft.com/office/officeart/2005/8/layout/hierarchy1"/>
-    <dgm:cxn modelId="{22A823A3-06FB-4AB1-B9BA-0AF9D726C950}" type="presOf" srcId="{F80D5291-1F19-4570-BD84-06C7A7C27CFF}" destId="{C02C0F47-89B0-40E9-8D96-6830863053FD}" srcOrd="0" destOrd="0" presId="urn:microsoft.com/office/officeart/2005/8/layout/hierarchy1"/>
-    <dgm:cxn modelId="{45EB6E37-315F-4DE6-88F4-49AD4E52D41E}" srcId="{D2F696D7-6F24-4D93-A6F6-AEFB75F66471}" destId="{8524DD58-5A20-4BC0-A8F9-6425A5D83D17}" srcOrd="0" destOrd="0" parTransId="{91AF1766-C553-4B01-9C3E-2A7C7ADB8C18}" sibTransId="{6CE507ED-228C-4E4D-B4CC-E730B871EAB9}"/>
-    <dgm:cxn modelId="{8777A298-25C7-4DB0-A91C-3678A256B15D}" type="presOf" srcId="{141A4074-C9FD-4AF8-AA9B-4F3CAC93EA18}" destId="{4B8A6B68-CBBF-4750-8A92-251106370A0E}" srcOrd="0" destOrd="0" presId="urn:microsoft.com/office/officeart/2005/8/layout/hierarchy1"/>
-    <dgm:cxn modelId="{63DAABE3-D55D-43A9-B4E2-F14117552EE8}" srcId="{18994E44-AF00-4CD7-BFFB-893F48881FB3}" destId="{D9F283E7-185E-4CC1-8FA1-15186A217D73}" srcOrd="3" destOrd="0" parTransId="{90FE2595-7ECF-4128-94C3-771DC3235C42}" sibTransId="{99AFA80D-C4C7-4455-9FE0-B927CB7AFA13}"/>
-    <dgm:cxn modelId="{480CCD16-C3ED-4692-97A7-980CD59538CB}" type="presOf" srcId="{8660905E-B178-4AB7-95E3-8857E1B584D3}" destId="{10ADEA91-9B7F-41AE-8475-3415F03C7997}" srcOrd="0" destOrd="0" presId="urn:microsoft.com/office/officeart/2005/8/layout/hierarchy1"/>
-    <dgm:cxn modelId="{9D99AA3D-4482-4377-957E-71E3A83FBC43}" type="presOf" srcId="{A903B131-00F6-4300-A7C5-4EBFFECA2BFE}" destId="{EAF5657C-F814-4B97-A682-14631681F8EB}" srcOrd="0" destOrd="0" presId="urn:microsoft.com/office/officeart/2005/8/layout/hierarchy1"/>
+    <dgm:cxn modelId="{60CF05FA-8723-4FCE-ABD6-703A650B980B}" type="presOf" srcId="{30194467-FD7E-4D24-8DB0-714FAD158BDA}" destId="{173B9D13-7D12-4225-857A-7C445B30673C}" srcOrd="0" destOrd="0" presId="urn:microsoft.com/office/officeart/2005/8/layout/hierarchy1"/>
+    <dgm:cxn modelId="{3F046DFA-07BF-4E59-9E02-6FF65C938658}" type="presOf" srcId="{D2F696D7-6F24-4D93-A6F6-AEFB75F66471}" destId="{B9CC6839-8DA7-4E6A-BED5-ADCA7069FFC9}" srcOrd="0" destOrd="0" presId="urn:microsoft.com/office/officeart/2005/8/layout/hierarchy1"/>
     <dgm:cxn modelId="{CDEA5712-CE81-4351-80C1-CF113A598500}" type="presParOf" srcId="{B9CC6839-8DA7-4E6A-BED5-ADCA7069FFC9}" destId="{B0BAA389-B5E8-48FE-9B05-842C19904884}" srcOrd="0" destOrd="0" presId="urn:microsoft.com/office/officeart/2005/8/layout/hierarchy1"/>
     <dgm:cxn modelId="{407A4B7E-9146-4EC9-8FC6-8CF1394599AD}" type="presParOf" srcId="{B0BAA389-B5E8-48FE-9B05-842C19904884}" destId="{5DCA249A-0A5D-43F5-8386-D763B21D84B7}" srcOrd="0" destOrd="0" presId="urn:microsoft.com/office/officeart/2005/8/layout/hierarchy1"/>
     <dgm:cxn modelId="{F1E6339D-910A-456D-8A6D-BD2C305FBFBD}" type="presParOf" srcId="{5DCA249A-0A5D-43F5-8386-D763B21D84B7}" destId="{2800DDE3-6AA8-4F92-9E09-49DAF7966224}" srcOrd="0" destOrd="0" presId="urn:microsoft.com/office/officeart/2005/8/layout/hierarchy1"/>
@@ -7096,13 +6571,6 @@
         </dgm:presLayoutVars>
       </dgm:prSet>
       <dgm:spPr/>
-      <dgm:t>
-        <a:bodyPr/>
-        <a:lstStyle/>
-        <a:p>
-          <a:endParaRPr lang="en-US"/>
-        </a:p>
-      </dgm:t>
     </dgm:pt>
     <dgm:pt modelId="{B0BAA389-B5E8-48FE-9B05-842C19904884}" type="pres">
       <dgm:prSet presAssocID="{8524DD58-5A20-4BC0-A8F9-6425A5D83D17}" presName="hierRoot1" presStyleCnt="0"/>
@@ -7123,13 +6591,6 @@
         </dgm:presLayoutVars>
       </dgm:prSet>
       <dgm:spPr/>
-      <dgm:t>
-        <a:bodyPr/>
-        <a:lstStyle/>
-        <a:p>
-          <a:endParaRPr lang="en-US"/>
-        </a:p>
-      </dgm:t>
     </dgm:pt>
     <dgm:pt modelId="{8632FCFF-D066-4AB6-857B-3689AEA8773E}" type="pres">
       <dgm:prSet presAssocID="{8524DD58-5A20-4BC0-A8F9-6425A5D83D17}" presName="hierChild2" presStyleCnt="0"/>
@@ -7138,13 +6599,6 @@
     <dgm:pt modelId="{2A6E5A3B-572D-4321-85A8-25F2BFE876A3}" type="pres">
       <dgm:prSet presAssocID="{5C477CDF-8840-46C8-915C-48C0FD057B0A}" presName="Name10" presStyleLbl="parChTrans1D2" presStyleIdx="0" presStyleCnt="6"/>
       <dgm:spPr/>
-      <dgm:t>
-        <a:bodyPr/>
-        <a:lstStyle/>
-        <a:p>
-          <a:endParaRPr lang="en-US"/>
-        </a:p>
-      </dgm:t>
     </dgm:pt>
     <dgm:pt modelId="{E55B50FF-4C14-4E92-8F6A-EAD30C1E25EC}" type="pres">
       <dgm:prSet presAssocID="{A923C540-ED45-422C-843F-0C6DCDADC9AB}" presName="hierRoot2" presStyleCnt="0"/>
@@ -7165,13 +6619,6 @@
         </dgm:presLayoutVars>
       </dgm:prSet>
       <dgm:spPr/>
-      <dgm:t>
-        <a:bodyPr/>
-        <a:lstStyle/>
-        <a:p>
-          <a:endParaRPr lang="en-US"/>
-        </a:p>
-      </dgm:t>
     </dgm:pt>
     <dgm:pt modelId="{171F0247-CC6E-4054-86A7-40462965870F}" type="pres">
       <dgm:prSet presAssocID="{A923C540-ED45-422C-843F-0C6DCDADC9AB}" presName="hierChild3" presStyleCnt="0"/>
@@ -7196,13 +6643,6 @@
         </dgm:presLayoutVars>
       </dgm:prSet>
       <dgm:spPr/>
-      <dgm:t>
-        <a:bodyPr/>
-        <a:lstStyle/>
-        <a:p>
-          <a:endParaRPr lang="en-US"/>
-        </a:p>
-      </dgm:t>
     </dgm:pt>
     <dgm:pt modelId="{453DC995-69BE-423E-818E-796623C595EF}" type="pres">
       <dgm:prSet presAssocID="{18994E44-AF00-4CD7-BFFB-893F48881FB3}" presName="hierChild2" presStyleCnt="0"/>
@@ -7211,13 +6651,6 @@
     <dgm:pt modelId="{54CA6D72-4DAF-4F5A-BFF8-0F3B24E63E46}" type="pres">
       <dgm:prSet presAssocID="{E33D9464-94F1-4C5E-8AF9-0581A17D52C6}" presName="Name10" presStyleLbl="parChTrans1D2" presStyleIdx="1" presStyleCnt="6"/>
       <dgm:spPr/>
-      <dgm:t>
-        <a:bodyPr/>
-        <a:lstStyle/>
-        <a:p>
-          <a:endParaRPr lang="en-US"/>
-        </a:p>
-      </dgm:t>
     </dgm:pt>
     <dgm:pt modelId="{A10FBB14-8FAD-4C1B-A327-227CB4F9CED3}" type="pres">
       <dgm:prSet presAssocID="{30194467-FD7E-4D24-8DB0-714FAD158BDA}" presName="hierRoot2" presStyleCnt="0"/>
@@ -7238,13 +6671,6 @@
         </dgm:presLayoutVars>
       </dgm:prSet>
       <dgm:spPr/>
-      <dgm:t>
-        <a:bodyPr/>
-        <a:lstStyle/>
-        <a:p>
-          <a:endParaRPr lang="en-US"/>
-        </a:p>
-      </dgm:t>
     </dgm:pt>
     <dgm:pt modelId="{DB5CFF2A-5C65-45C8-AC8A-2053FE56F0C6}" type="pres">
       <dgm:prSet presAssocID="{30194467-FD7E-4D24-8DB0-714FAD158BDA}" presName="hierChild3" presStyleCnt="0"/>
@@ -7253,13 +6679,6 @@
     <dgm:pt modelId="{10ADEA91-9B7F-41AE-8475-3415F03C7997}" type="pres">
       <dgm:prSet presAssocID="{8660905E-B178-4AB7-95E3-8857E1B584D3}" presName="Name10" presStyleLbl="parChTrans1D2" presStyleIdx="2" presStyleCnt="6"/>
       <dgm:spPr/>
-      <dgm:t>
-        <a:bodyPr/>
-        <a:lstStyle/>
-        <a:p>
-          <a:endParaRPr lang="en-US"/>
-        </a:p>
-      </dgm:t>
     </dgm:pt>
     <dgm:pt modelId="{60A98512-EE5F-469A-A567-9B0DFA18988E}" type="pres">
       <dgm:prSet presAssocID="{EDEA9A5B-7A7B-44DC-B057-F6BEFF56A3E3}" presName="hierRoot2" presStyleCnt="0"/>
@@ -7280,13 +6699,6 @@
         </dgm:presLayoutVars>
       </dgm:prSet>
       <dgm:spPr/>
-      <dgm:t>
-        <a:bodyPr/>
-        <a:lstStyle/>
-        <a:p>
-          <a:endParaRPr lang="en-US"/>
-        </a:p>
-      </dgm:t>
     </dgm:pt>
     <dgm:pt modelId="{FEE2E0E3-610F-4E0E-A956-E5DCDA9FC116}" type="pres">
       <dgm:prSet presAssocID="{EDEA9A5B-7A7B-44DC-B057-F6BEFF56A3E3}" presName="hierChild3" presStyleCnt="0"/>
@@ -7295,13 +6707,6 @@
     <dgm:pt modelId="{2782B56D-3B1A-414B-940E-03345377419E}" type="pres">
       <dgm:prSet presAssocID="{29DAC408-E444-40DB-BB07-185C2BB20BE6}" presName="Name17" presStyleLbl="parChTrans1D3" presStyleIdx="0" presStyleCnt="2"/>
       <dgm:spPr/>
-      <dgm:t>
-        <a:bodyPr/>
-        <a:lstStyle/>
-        <a:p>
-          <a:endParaRPr lang="en-US"/>
-        </a:p>
-      </dgm:t>
     </dgm:pt>
     <dgm:pt modelId="{AACA356B-E4AE-4DA5-B230-56C69101B32E}" type="pres">
       <dgm:prSet presAssocID="{591C96C0-B4A2-495D-B12D-AE27E21DBD88}" presName="hierRoot3" presStyleCnt="0"/>
@@ -7322,13 +6727,6 @@
         </dgm:presLayoutVars>
       </dgm:prSet>
       <dgm:spPr/>
-      <dgm:t>
-        <a:bodyPr/>
-        <a:lstStyle/>
-        <a:p>
-          <a:endParaRPr lang="en-US"/>
-        </a:p>
-      </dgm:t>
     </dgm:pt>
     <dgm:pt modelId="{DDD0F9E6-9D0D-4603-ABEA-92723FB1E043}" type="pres">
       <dgm:prSet presAssocID="{591C96C0-B4A2-495D-B12D-AE27E21DBD88}" presName="hierChild4" presStyleCnt="0"/>
@@ -7337,13 +6735,6 @@
     <dgm:pt modelId="{C02C0F47-89B0-40E9-8D96-6830863053FD}" type="pres">
       <dgm:prSet presAssocID="{F80D5291-1F19-4570-BD84-06C7A7C27CFF}" presName="Name17" presStyleLbl="parChTrans1D3" presStyleIdx="1" presStyleCnt="2"/>
       <dgm:spPr/>
-      <dgm:t>
-        <a:bodyPr/>
-        <a:lstStyle/>
-        <a:p>
-          <a:endParaRPr lang="en-US"/>
-        </a:p>
-      </dgm:t>
     </dgm:pt>
     <dgm:pt modelId="{B85E22F0-24FC-43A5-B661-991DE3712735}" type="pres">
       <dgm:prSet presAssocID="{D1094483-B178-4085-961F-43ECEFDE8599}" presName="hierRoot3" presStyleCnt="0"/>
@@ -7364,13 +6755,6 @@
         </dgm:presLayoutVars>
       </dgm:prSet>
       <dgm:spPr/>
-      <dgm:t>
-        <a:bodyPr/>
-        <a:lstStyle/>
-        <a:p>
-          <a:endParaRPr lang="en-US"/>
-        </a:p>
-      </dgm:t>
     </dgm:pt>
     <dgm:pt modelId="{4937EEA4-BBF7-4256-BF7E-238BC2DD7D16}" type="pres">
       <dgm:prSet presAssocID="{D1094483-B178-4085-961F-43ECEFDE8599}" presName="hierChild4" presStyleCnt="0"/>
@@ -7379,13 +6763,6 @@
     <dgm:pt modelId="{58A324DF-9888-4D3B-843C-35027F670662}" type="pres">
       <dgm:prSet presAssocID="{B39EC8B6-8DE7-41B7-9370-705CB5823913}" presName="Name23" presStyleLbl="parChTrans1D4" presStyleIdx="0" presStyleCnt="3"/>
       <dgm:spPr/>
-      <dgm:t>
-        <a:bodyPr/>
-        <a:lstStyle/>
-        <a:p>
-          <a:endParaRPr lang="en-US"/>
-        </a:p>
-      </dgm:t>
     </dgm:pt>
     <dgm:pt modelId="{C4FCC9EB-4107-45BA-A85E-82F3D039E321}" type="pres">
       <dgm:prSet presAssocID="{1FCD92F8-79A9-48DB-A592-03D5F134F8AD}" presName="hierRoot4" presStyleCnt="0"/>
@@ -7406,13 +6783,6 @@
         </dgm:presLayoutVars>
       </dgm:prSet>
       <dgm:spPr/>
-      <dgm:t>
-        <a:bodyPr/>
-        <a:lstStyle/>
-        <a:p>
-          <a:endParaRPr lang="en-US"/>
-        </a:p>
-      </dgm:t>
     </dgm:pt>
     <dgm:pt modelId="{21F15AA6-CA54-4735-A838-F048105F1AF1}" type="pres">
       <dgm:prSet presAssocID="{1FCD92F8-79A9-48DB-A592-03D5F134F8AD}" presName="hierChild5" presStyleCnt="0"/>
@@ -7421,13 +6791,6 @@
     <dgm:pt modelId="{8F74CD9E-AEEB-43B8-95A7-4EC1629252D3}" type="pres">
       <dgm:prSet presAssocID="{C46ECDBD-32A2-4443-8D38-B29C487E4F37}" presName="Name23" presStyleLbl="parChTrans1D4" presStyleIdx="1" presStyleCnt="3"/>
       <dgm:spPr/>
-      <dgm:t>
-        <a:bodyPr/>
-        <a:lstStyle/>
-        <a:p>
-          <a:endParaRPr lang="en-US"/>
-        </a:p>
-      </dgm:t>
     </dgm:pt>
     <dgm:pt modelId="{83DCDF06-947D-4D5E-A1BF-39A06C29E62D}" type="pres">
       <dgm:prSet presAssocID="{E0BE901C-0CFD-4076-9A90-3C9D2272EF7F}" presName="hierRoot4" presStyleCnt="0"/>
@@ -7448,13 +6811,6 @@
         </dgm:presLayoutVars>
       </dgm:prSet>
       <dgm:spPr/>
-      <dgm:t>
-        <a:bodyPr/>
-        <a:lstStyle/>
-        <a:p>
-          <a:endParaRPr lang="en-US"/>
-        </a:p>
-      </dgm:t>
     </dgm:pt>
     <dgm:pt modelId="{4C80783D-B300-407A-958B-627094077C9F}" type="pres">
       <dgm:prSet presAssocID="{E0BE901C-0CFD-4076-9A90-3C9D2272EF7F}" presName="hierChild5" presStyleCnt="0"/>
@@ -7463,13 +6819,6 @@
     <dgm:pt modelId="{26607EC0-F098-44DB-9C64-329DE95362A9}" type="pres">
       <dgm:prSet presAssocID="{B71299E6-F7A3-4C91-A358-6056F5AF1F98}" presName="Name23" presStyleLbl="parChTrans1D4" presStyleIdx="2" presStyleCnt="3"/>
       <dgm:spPr/>
-      <dgm:t>
-        <a:bodyPr/>
-        <a:lstStyle/>
-        <a:p>
-          <a:endParaRPr lang="en-US"/>
-        </a:p>
-      </dgm:t>
     </dgm:pt>
     <dgm:pt modelId="{6F9856A8-4628-480E-9E36-CB50A36F4536}" type="pres">
       <dgm:prSet presAssocID="{A903B131-00F6-4300-A7C5-4EBFFECA2BFE}" presName="hierRoot4" presStyleCnt="0"/>
@@ -7490,13 +6839,6 @@
         </dgm:presLayoutVars>
       </dgm:prSet>
       <dgm:spPr/>
-      <dgm:t>
-        <a:bodyPr/>
-        <a:lstStyle/>
-        <a:p>
-          <a:endParaRPr lang="en-US"/>
-        </a:p>
-      </dgm:t>
     </dgm:pt>
     <dgm:pt modelId="{5172A587-57F4-47EF-8998-48457B9EBE13}" type="pres">
       <dgm:prSet presAssocID="{A903B131-00F6-4300-A7C5-4EBFFECA2BFE}" presName="hierChild5" presStyleCnt="0"/>
@@ -7505,13 +6847,6 @@
     <dgm:pt modelId="{4B8A6B68-CBBF-4750-8A92-251106370A0E}" type="pres">
       <dgm:prSet presAssocID="{141A4074-C9FD-4AF8-AA9B-4F3CAC93EA18}" presName="Name10" presStyleLbl="parChTrans1D2" presStyleIdx="3" presStyleCnt="6"/>
       <dgm:spPr/>
-      <dgm:t>
-        <a:bodyPr/>
-        <a:lstStyle/>
-        <a:p>
-          <a:endParaRPr lang="en-US"/>
-        </a:p>
-      </dgm:t>
     </dgm:pt>
     <dgm:pt modelId="{79F85412-F7BD-4DE0-995A-A69A8C9EA902}" type="pres">
       <dgm:prSet presAssocID="{4CF28C83-AF25-475E-9F50-007420FDF6A3}" presName="hierRoot2" presStyleCnt="0"/>
@@ -7532,13 +6867,6 @@
         </dgm:presLayoutVars>
       </dgm:prSet>
       <dgm:spPr/>
-      <dgm:t>
-        <a:bodyPr/>
-        <a:lstStyle/>
-        <a:p>
-          <a:endParaRPr lang="en-US"/>
-        </a:p>
-      </dgm:t>
     </dgm:pt>
     <dgm:pt modelId="{ABBA5C9B-45B3-4AC2-B2E3-236EF0B81A1F}" type="pres">
       <dgm:prSet presAssocID="{4CF28C83-AF25-475E-9F50-007420FDF6A3}" presName="hierChild3" presStyleCnt="0"/>
@@ -7547,13 +6875,6 @@
     <dgm:pt modelId="{541ECD9B-EC50-48A1-94BD-FEC4CBB41E32}" type="pres">
       <dgm:prSet presAssocID="{90FE2595-7ECF-4128-94C3-771DC3235C42}" presName="Name10" presStyleLbl="parChTrans1D2" presStyleIdx="4" presStyleCnt="6"/>
       <dgm:spPr/>
-      <dgm:t>
-        <a:bodyPr/>
-        <a:lstStyle/>
-        <a:p>
-          <a:endParaRPr lang="en-US"/>
-        </a:p>
-      </dgm:t>
     </dgm:pt>
     <dgm:pt modelId="{79A6DBA8-63FA-4489-B9B1-4707F6FA5BA9}" type="pres">
       <dgm:prSet presAssocID="{D9F283E7-185E-4CC1-8FA1-15186A217D73}" presName="hierRoot2" presStyleCnt="0"/>
@@ -7574,13 +6895,6 @@
         </dgm:presLayoutVars>
       </dgm:prSet>
       <dgm:spPr/>
-      <dgm:t>
-        <a:bodyPr/>
-        <a:lstStyle/>
-        <a:p>
-          <a:endParaRPr lang="en-US"/>
-        </a:p>
-      </dgm:t>
     </dgm:pt>
     <dgm:pt modelId="{393E6A52-ACF1-475A-88F3-73D63AA1B389}" type="pres">
       <dgm:prSet presAssocID="{D9F283E7-185E-4CC1-8FA1-15186A217D73}" presName="hierChild3" presStyleCnt="0"/>
@@ -7589,13 +6903,6 @@
     <dgm:pt modelId="{DFBBF034-86D2-4D57-BEB3-EC107B3FDEE7}" type="pres">
       <dgm:prSet presAssocID="{74675377-CAC4-4838-9AC4-4E89B176B345}" presName="Name10" presStyleLbl="parChTrans1D2" presStyleIdx="5" presStyleCnt="6"/>
       <dgm:spPr/>
-      <dgm:t>
-        <a:bodyPr/>
-        <a:lstStyle/>
-        <a:p>
-          <a:endParaRPr lang="en-US"/>
-        </a:p>
-      </dgm:t>
     </dgm:pt>
     <dgm:pt modelId="{D92E178D-15D1-46D9-9238-3AACAB5E72EB}" type="pres">
       <dgm:prSet presAssocID="{167C0B38-4D45-461B-B5FE-F516FC0C47B1}" presName="hierRoot2" presStyleCnt="0"/>
@@ -7616,13 +6923,6 @@
         </dgm:presLayoutVars>
       </dgm:prSet>
       <dgm:spPr/>
-      <dgm:t>
-        <a:bodyPr/>
-        <a:lstStyle/>
-        <a:p>
-          <a:endParaRPr lang="en-US"/>
-        </a:p>
-      </dgm:t>
     </dgm:pt>
     <dgm:pt modelId="{4561F020-85BE-4261-9558-DFFB870F131F}" type="pres">
       <dgm:prSet presAssocID="{167C0B38-4D45-461B-B5FE-F516FC0C47B1}" presName="hierChild3" presStyleCnt="0"/>
@@ -7631,43 +6931,43 @@
   </dgm:ptLst>
   <dgm:cxnLst>
     <dgm:cxn modelId="{A40B5D10-734E-466C-8C0E-387720C269A3}" srcId="{8524DD58-5A20-4BC0-A8F9-6425A5D83D17}" destId="{A923C540-ED45-422C-843F-0C6DCDADC9AB}" srcOrd="0" destOrd="0" parTransId="{5C477CDF-8840-46C8-915C-48C0FD057B0A}" sibTransId="{8563C58B-205C-4509-8745-FD52D2F0D296}"/>
+    <dgm:cxn modelId="{0C51BA10-B94D-4817-99C4-682E82C06A66}" type="presOf" srcId="{D9F283E7-185E-4CC1-8FA1-15186A217D73}" destId="{6AFCA11E-528B-40BD-B72C-A0943F1BBF94}" srcOrd="0" destOrd="0" presId="urn:microsoft.com/office/officeart/2005/8/layout/hierarchy1"/>
+    <dgm:cxn modelId="{10C3B222-9B5D-4726-9C6F-8627DA81CD9D}" type="presOf" srcId="{8660905E-B178-4AB7-95E3-8857E1B584D3}" destId="{10ADEA91-9B7F-41AE-8475-3415F03C7997}" srcOrd="0" destOrd="0" presId="urn:microsoft.com/office/officeart/2005/8/layout/hierarchy1"/>
+    <dgm:cxn modelId="{ECADA526-CD87-4C18-A187-765D6A0FA3BF}" type="presOf" srcId="{A903B131-00F6-4300-A7C5-4EBFFECA2BFE}" destId="{EAF5657C-F814-4B97-A682-14631681F8EB}" srcOrd="0" destOrd="0" presId="urn:microsoft.com/office/officeart/2005/8/layout/hierarchy1"/>
+    <dgm:cxn modelId="{45EB6E37-315F-4DE6-88F4-49AD4E52D41E}" srcId="{D2F696D7-6F24-4D93-A6F6-AEFB75F66471}" destId="{8524DD58-5A20-4BC0-A8F9-6425A5D83D17}" srcOrd="0" destOrd="0" parTransId="{91AF1766-C553-4B01-9C3E-2A7C7ADB8C18}" sibTransId="{6CE507ED-228C-4E4D-B4CC-E730B871EAB9}"/>
+    <dgm:cxn modelId="{E2A7A25B-82FF-4C41-A0D0-8F7C15B8A77E}" type="presOf" srcId="{141A4074-C9FD-4AF8-AA9B-4F3CAC93EA18}" destId="{4B8A6B68-CBBF-4750-8A92-251106370A0E}" srcOrd="0" destOrd="0" presId="urn:microsoft.com/office/officeart/2005/8/layout/hierarchy1"/>
+    <dgm:cxn modelId="{3A0D9F61-AE06-40B0-BFF4-F4A8532836F2}" srcId="{18994E44-AF00-4CD7-BFFB-893F48881FB3}" destId="{EDEA9A5B-7A7B-44DC-B057-F6BEFF56A3E3}" srcOrd="1" destOrd="0" parTransId="{8660905E-B178-4AB7-95E3-8857E1B584D3}" sibTransId="{44BDF4C1-525B-4D43-B9AB-EEFC8658688F}"/>
+    <dgm:cxn modelId="{3D8C3863-E9A3-4172-B060-8D292F3A8002}" type="presOf" srcId="{74675377-CAC4-4838-9AC4-4E89B176B345}" destId="{DFBBF034-86D2-4D57-BEB3-EC107B3FDEE7}" srcOrd="0" destOrd="0" presId="urn:microsoft.com/office/officeart/2005/8/layout/hierarchy1"/>
+    <dgm:cxn modelId="{3F9F2465-DFF2-4DF5-8D98-AB5223F58015}" type="presOf" srcId="{5C477CDF-8840-46C8-915C-48C0FD057B0A}" destId="{2A6E5A3B-572D-4321-85A8-25F2BFE876A3}" srcOrd="0" destOrd="0" presId="urn:microsoft.com/office/officeart/2005/8/layout/hierarchy1"/>
+    <dgm:cxn modelId="{7F500F69-01A8-4493-A29B-3D37C2B1F04C}" type="presOf" srcId="{29DAC408-E444-40DB-BB07-185C2BB20BE6}" destId="{2782B56D-3B1A-414B-940E-03345377419E}" srcOrd="0" destOrd="0" presId="urn:microsoft.com/office/officeart/2005/8/layout/hierarchy1"/>
+    <dgm:cxn modelId="{6CB5056D-A195-452D-BE59-13731743227A}" type="presOf" srcId="{30194467-FD7E-4D24-8DB0-714FAD158BDA}" destId="{173B9D13-7D12-4225-857A-7C445B30673C}" srcOrd="0" destOrd="0" presId="urn:microsoft.com/office/officeart/2005/8/layout/hierarchy1"/>
+    <dgm:cxn modelId="{20A1566D-D3EA-43BF-B8F3-88458AD0E41A}" type="presOf" srcId="{F80D5291-1F19-4570-BD84-06C7A7C27CFF}" destId="{C02C0F47-89B0-40E9-8D96-6830863053FD}" srcOrd="0" destOrd="0" presId="urn:microsoft.com/office/officeart/2005/8/layout/hierarchy1"/>
+    <dgm:cxn modelId="{4AF44B50-FFAB-49FE-912F-C02291CA923A}" type="presOf" srcId="{A923C540-ED45-422C-843F-0C6DCDADC9AB}" destId="{988D4E53-B31D-4C89-AD22-ED94EA2E97AF}" srcOrd="0" destOrd="0" presId="urn:microsoft.com/office/officeart/2005/8/layout/hierarchy1"/>
+    <dgm:cxn modelId="{513C8757-FD43-438A-AA5A-3385EAD1EBC9}" type="presOf" srcId="{4CF28C83-AF25-475E-9F50-007420FDF6A3}" destId="{BAAC51C4-C80E-4EB2-9417-B37059021C8B}" srcOrd="0" destOrd="0" presId="urn:microsoft.com/office/officeart/2005/8/layout/hierarchy1"/>
+    <dgm:cxn modelId="{5685EB81-D231-4085-86AA-F4C075B2B83E}" srcId="{18994E44-AF00-4CD7-BFFB-893F48881FB3}" destId="{167C0B38-4D45-461B-B5FE-F516FC0C47B1}" srcOrd="4" destOrd="0" parTransId="{74675377-CAC4-4838-9AC4-4E89B176B345}" sibTransId="{D5083BFB-FF2E-4A79-B4CD-B99D53F7482D}"/>
+    <dgm:cxn modelId="{B9D2258C-A8F6-4C7C-B3FD-B66C6193B6DD}" srcId="{EDEA9A5B-7A7B-44DC-B057-F6BEFF56A3E3}" destId="{D1094483-B178-4085-961F-43ECEFDE8599}" srcOrd="1" destOrd="0" parTransId="{F80D5291-1F19-4570-BD84-06C7A7C27CFF}" sibTransId="{4E778291-BEA7-4076-8E6F-AD79D6ADEF31}"/>
+    <dgm:cxn modelId="{AEE33593-2C5C-4CBD-AAA8-02176F2C618A}" srcId="{EDEA9A5B-7A7B-44DC-B057-F6BEFF56A3E3}" destId="{591C96C0-B4A2-495D-B12D-AE27E21DBD88}" srcOrd="0" destOrd="0" parTransId="{29DAC408-E444-40DB-BB07-185C2BB20BE6}" sibTransId="{3C400E3E-6BAA-4161-8F35-FC399C4E1346}"/>
     <dgm:cxn modelId="{80DE5594-7881-4CF7-99D2-5074A3BCE646}" type="presOf" srcId="{D1094483-B178-4085-961F-43ECEFDE8599}" destId="{796B37A5-21B2-4851-BF38-DA90895D29E2}" srcOrd="0" destOrd="0" presId="urn:microsoft.com/office/officeart/2005/8/layout/hierarchy1"/>
+    <dgm:cxn modelId="{75A7D199-D9EC-43BF-9BB7-EBF150BB3903}" srcId="{D2F696D7-6F24-4D93-A6F6-AEFB75F66471}" destId="{18994E44-AF00-4CD7-BFFB-893F48881FB3}" srcOrd="1" destOrd="0" parTransId="{FD551922-1961-4B0B-A7AE-CAF490FF2622}" sibTransId="{BADBC77F-15AA-4275-8C6D-4CD383CECD2B}"/>
+    <dgm:cxn modelId="{6FBA3A9E-B6B2-4936-B0A6-7151D4EEA1C9}" srcId="{D1094483-B178-4085-961F-43ECEFDE8599}" destId="{A903B131-00F6-4300-A7C5-4EBFFECA2BFE}" srcOrd="2" destOrd="0" parTransId="{B71299E6-F7A3-4C91-A358-6056F5AF1F98}" sibTransId="{14CAC3CA-574B-4EF4-9E4F-AE657B382033}"/>
+    <dgm:cxn modelId="{1B1A5DA1-9246-4F81-847C-B59E9C7163D5}" type="presOf" srcId="{C46ECDBD-32A2-4443-8D38-B29C487E4F37}" destId="{8F74CD9E-AEEB-43B8-95A7-4EC1629252D3}" srcOrd="0" destOrd="0" presId="urn:microsoft.com/office/officeart/2005/8/layout/hierarchy1"/>
+    <dgm:cxn modelId="{BF9FD0A2-FC1A-43D4-A1BD-9462248D33EE}" srcId="{D1094483-B178-4085-961F-43ECEFDE8599}" destId="{E0BE901C-0CFD-4076-9A90-3C9D2272EF7F}" srcOrd="1" destOrd="0" parTransId="{C46ECDBD-32A2-4443-8D38-B29C487E4F37}" sibTransId="{804D9A2E-A2FB-4A4E-B141-557733345E78}"/>
+    <dgm:cxn modelId="{05B48EA5-4E86-450B-85EB-FD2FA0A465FA}" srcId="{D1094483-B178-4085-961F-43ECEFDE8599}" destId="{1FCD92F8-79A9-48DB-A592-03D5F134F8AD}" srcOrd="0" destOrd="0" parTransId="{B39EC8B6-8DE7-41B7-9370-705CB5823913}" sibTransId="{D478D3FB-DAEA-4BA3-975E-E63E143E287B}"/>
+    <dgm:cxn modelId="{E4F87BAF-5A10-4213-847E-D075B70BE21A}" type="presOf" srcId="{8524DD58-5A20-4BC0-A8F9-6425A5D83D17}" destId="{1AB3CFCF-727C-45FB-BAA2-06724711E9AB}" srcOrd="0" destOrd="0" presId="urn:microsoft.com/office/officeart/2005/8/layout/hierarchy1"/>
+    <dgm:cxn modelId="{4FA599B0-0274-43E4-9CF2-542C640AC79B}" type="presOf" srcId="{EDEA9A5B-7A7B-44DC-B057-F6BEFF56A3E3}" destId="{57C1D9DD-379E-42A1-9AD1-45F4B6CF3AA3}" srcOrd="0" destOrd="0" presId="urn:microsoft.com/office/officeart/2005/8/layout/hierarchy1"/>
+    <dgm:cxn modelId="{DC7654B5-E13E-4EF5-8929-0E36A0589E20}" srcId="{18994E44-AF00-4CD7-BFFB-893F48881FB3}" destId="{30194467-FD7E-4D24-8DB0-714FAD158BDA}" srcOrd="0" destOrd="0" parTransId="{E33D9464-94F1-4C5E-8AF9-0581A17D52C6}" sibTransId="{D1BB627F-DAC7-449A-8004-281B1036B1FB}"/>
+    <dgm:cxn modelId="{D8B310BF-6B15-4AA3-A0A1-7CB00C771950}" type="presOf" srcId="{E33D9464-94F1-4C5E-8AF9-0581A17D52C6}" destId="{54CA6D72-4DAF-4F5A-BFF8-0F3B24E63E46}" srcOrd="0" destOrd="0" presId="urn:microsoft.com/office/officeart/2005/8/layout/hierarchy1"/>
     <dgm:cxn modelId="{2EFCE1C0-0219-41A8-99A8-D4ADD61B2FED}" type="presOf" srcId="{167C0B38-4D45-461B-B5FE-F516FC0C47B1}" destId="{DA51FBE4-5852-40D4-BFBB-96C1DEE5735D}" srcOrd="0" destOrd="0" presId="urn:microsoft.com/office/officeart/2005/8/layout/hierarchy1"/>
-    <dgm:cxn modelId="{3A0D9F61-AE06-40B0-BFF4-F4A8532836F2}" srcId="{18994E44-AF00-4CD7-BFFB-893F48881FB3}" destId="{EDEA9A5B-7A7B-44DC-B057-F6BEFF56A3E3}" srcOrd="1" destOrd="0" parTransId="{8660905E-B178-4AB7-95E3-8857E1B584D3}" sibTransId="{44BDF4C1-525B-4D43-B9AB-EEFC8658688F}"/>
-    <dgm:cxn modelId="{E4F87BAF-5A10-4213-847E-D075B70BE21A}" type="presOf" srcId="{8524DD58-5A20-4BC0-A8F9-6425A5D83D17}" destId="{1AB3CFCF-727C-45FB-BAA2-06724711E9AB}" srcOrd="0" destOrd="0" presId="urn:microsoft.com/office/officeart/2005/8/layout/hierarchy1"/>
+    <dgm:cxn modelId="{134055C1-EFE8-493E-AEFA-711A90A7AE2D}" srcId="{18994E44-AF00-4CD7-BFFB-893F48881FB3}" destId="{4CF28C83-AF25-475E-9F50-007420FDF6A3}" srcOrd="2" destOrd="0" parTransId="{141A4074-C9FD-4AF8-AA9B-4F3CAC93EA18}" sibTransId="{06AAF7AA-1E65-4BFF-A261-87B2EFEBF689}"/>
+    <dgm:cxn modelId="{49A18BC1-095B-4A5C-8586-09DA2C2C54B9}" type="presOf" srcId="{D2F696D7-6F24-4D93-A6F6-AEFB75F66471}" destId="{B9CC6839-8DA7-4E6A-BED5-ADCA7069FFC9}" srcOrd="0" destOrd="0" presId="urn:microsoft.com/office/officeart/2005/8/layout/hierarchy1"/>
+    <dgm:cxn modelId="{BFB1D8C5-EB0B-4BB3-AF57-E66F1D03EDC2}" type="presOf" srcId="{18994E44-AF00-4CD7-BFFB-893F48881FB3}" destId="{C8123B47-734E-4D1A-979C-B85396FF6987}" srcOrd="0" destOrd="0" presId="urn:microsoft.com/office/officeart/2005/8/layout/hierarchy1"/>
     <dgm:cxn modelId="{C8DBC6CC-EF3B-4A41-9B22-F6A63A1FBAF8}" type="presOf" srcId="{1FCD92F8-79A9-48DB-A592-03D5F134F8AD}" destId="{41ADC508-700B-498E-AF8F-826A7F507618}" srcOrd="0" destOrd="0" presId="urn:microsoft.com/office/officeart/2005/8/layout/hierarchy1"/>
-    <dgm:cxn modelId="{DC7654B5-E13E-4EF5-8929-0E36A0589E20}" srcId="{18994E44-AF00-4CD7-BFFB-893F48881FB3}" destId="{30194467-FD7E-4D24-8DB0-714FAD158BDA}" srcOrd="0" destOrd="0" parTransId="{E33D9464-94F1-4C5E-8AF9-0581A17D52C6}" sibTransId="{D1BB627F-DAC7-449A-8004-281B1036B1FB}"/>
-    <dgm:cxn modelId="{20A1566D-D3EA-43BF-B8F3-88458AD0E41A}" type="presOf" srcId="{F80D5291-1F19-4570-BD84-06C7A7C27CFF}" destId="{C02C0F47-89B0-40E9-8D96-6830863053FD}" srcOrd="0" destOrd="0" presId="urn:microsoft.com/office/officeart/2005/8/layout/hierarchy1"/>
-    <dgm:cxn modelId="{D8B310BF-6B15-4AA3-A0A1-7CB00C771950}" type="presOf" srcId="{E33D9464-94F1-4C5E-8AF9-0581A17D52C6}" destId="{54CA6D72-4DAF-4F5A-BFF8-0F3B24E63E46}" srcOrd="0" destOrd="0" presId="urn:microsoft.com/office/officeart/2005/8/layout/hierarchy1"/>
-    <dgm:cxn modelId="{05B48EA5-4E86-450B-85EB-FD2FA0A465FA}" srcId="{D1094483-B178-4085-961F-43ECEFDE8599}" destId="{1FCD92F8-79A9-48DB-A592-03D5F134F8AD}" srcOrd="0" destOrd="0" parTransId="{B39EC8B6-8DE7-41B7-9370-705CB5823913}" sibTransId="{D478D3FB-DAEA-4BA3-975E-E63E143E287B}"/>
-    <dgm:cxn modelId="{0C51BA10-B94D-4817-99C4-682E82C06A66}" type="presOf" srcId="{D9F283E7-185E-4CC1-8FA1-15186A217D73}" destId="{6AFCA11E-528B-40BD-B72C-A0943F1BBF94}" srcOrd="0" destOrd="0" presId="urn:microsoft.com/office/officeart/2005/8/layout/hierarchy1"/>
-    <dgm:cxn modelId="{6FBA3A9E-B6B2-4936-B0A6-7151D4EEA1C9}" srcId="{D1094483-B178-4085-961F-43ECEFDE8599}" destId="{A903B131-00F6-4300-A7C5-4EBFFECA2BFE}" srcOrd="2" destOrd="0" parTransId="{B71299E6-F7A3-4C91-A358-6056F5AF1F98}" sibTransId="{14CAC3CA-574B-4EF4-9E4F-AE657B382033}"/>
-    <dgm:cxn modelId="{75A7D199-D9EC-43BF-9BB7-EBF150BB3903}" srcId="{D2F696D7-6F24-4D93-A6F6-AEFB75F66471}" destId="{18994E44-AF00-4CD7-BFFB-893F48881FB3}" srcOrd="1" destOrd="0" parTransId="{FD551922-1961-4B0B-A7AE-CAF490FF2622}" sibTransId="{BADBC77F-15AA-4275-8C6D-4CD383CECD2B}"/>
+    <dgm:cxn modelId="{029981CD-3201-4F1F-81D3-6FE37ED1CBE3}" type="presOf" srcId="{E0BE901C-0CFD-4076-9A90-3C9D2272EF7F}" destId="{1B2EE649-2B94-427D-8F07-A895A1088269}" srcOrd="0" destOrd="0" presId="urn:microsoft.com/office/officeart/2005/8/layout/hierarchy1"/>
     <dgm:cxn modelId="{917D1FD5-2533-4ADA-AC89-70FF86595838}" type="presOf" srcId="{591C96C0-B4A2-495D-B12D-AE27E21DBD88}" destId="{9631D492-9631-4BC0-8E32-24F64A52BF58}" srcOrd="0" destOrd="0" presId="urn:microsoft.com/office/officeart/2005/8/layout/hierarchy1"/>
-    <dgm:cxn modelId="{3D8C3863-E9A3-4172-B060-8D292F3A8002}" type="presOf" srcId="{74675377-CAC4-4838-9AC4-4E89B176B345}" destId="{DFBBF034-86D2-4D57-BEB3-EC107B3FDEE7}" srcOrd="0" destOrd="0" presId="urn:microsoft.com/office/officeart/2005/8/layout/hierarchy1"/>
+    <dgm:cxn modelId="{63DAABE3-D55D-43A9-B4E2-F14117552EE8}" srcId="{18994E44-AF00-4CD7-BFFB-893F48881FB3}" destId="{D9F283E7-185E-4CC1-8FA1-15186A217D73}" srcOrd="3" destOrd="0" parTransId="{90FE2595-7ECF-4128-94C3-771DC3235C42}" sibTransId="{99AFA80D-C4C7-4455-9FE0-B927CB7AFA13}"/>
+    <dgm:cxn modelId="{A69B70E5-8C06-4609-BAD8-2A763E062AD6}" type="presOf" srcId="{90FE2595-7ECF-4128-94C3-771DC3235C42}" destId="{541ECD9B-EC50-48A1-94BD-FEC4CBB41E32}" srcOrd="0" destOrd="0" presId="urn:microsoft.com/office/officeart/2005/8/layout/hierarchy1"/>
     <dgm:cxn modelId="{279571E5-F734-4E79-A10D-C1527C3D4D4A}" type="presOf" srcId="{B39EC8B6-8DE7-41B7-9370-705CB5823913}" destId="{58A324DF-9888-4D3B-843C-35027F670662}" srcOrd="0" destOrd="0" presId="urn:microsoft.com/office/officeart/2005/8/layout/hierarchy1"/>
-    <dgm:cxn modelId="{A69B70E5-8C06-4609-BAD8-2A763E062AD6}" type="presOf" srcId="{90FE2595-7ECF-4128-94C3-771DC3235C42}" destId="{541ECD9B-EC50-48A1-94BD-FEC4CBB41E32}" srcOrd="0" destOrd="0" presId="urn:microsoft.com/office/officeart/2005/8/layout/hierarchy1"/>
-    <dgm:cxn modelId="{3F9F2465-DFF2-4DF5-8D98-AB5223F58015}" type="presOf" srcId="{5C477CDF-8840-46C8-915C-48C0FD057B0A}" destId="{2A6E5A3B-572D-4321-85A8-25F2BFE876A3}" srcOrd="0" destOrd="0" presId="urn:microsoft.com/office/officeart/2005/8/layout/hierarchy1"/>
-    <dgm:cxn modelId="{BF9FD0A2-FC1A-43D4-A1BD-9462248D33EE}" srcId="{D1094483-B178-4085-961F-43ECEFDE8599}" destId="{E0BE901C-0CFD-4076-9A90-3C9D2272EF7F}" srcOrd="1" destOrd="0" parTransId="{C46ECDBD-32A2-4443-8D38-B29C487E4F37}" sibTransId="{804D9A2E-A2FB-4A4E-B141-557733345E78}"/>
-    <dgm:cxn modelId="{BFB1D8C5-EB0B-4BB3-AF57-E66F1D03EDC2}" type="presOf" srcId="{18994E44-AF00-4CD7-BFFB-893F48881FB3}" destId="{C8123B47-734E-4D1A-979C-B85396FF6987}" srcOrd="0" destOrd="0" presId="urn:microsoft.com/office/officeart/2005/8/layout/hierarchy1"/>
-    <dgm:cxn modelId="{ECADA526-CD87-4C18-A187-765D6A0FA3BF}" type="presOf" srcId="{A903B131-00F6-4300-A7C5-4EBFFECA2BFE}" destId="{EAF5657C-F814-4B97-A682-14631681F8EB}" srcOrd="0" destOrd="0" presId="urn:microsoft.com/office/officeart/2005/8/layout/hierarchy1"/>
     <dgm:cxn modelId="{42B3C9F4-3537-4786-9FA8-030D0AAAC429}" type="presOf" srcId="{B71299E6-F7A3-4C91-A358-6056F5AF1F98}" destId="{26607EC0-F098-44DB-9C64-329DE95362A9}" srcOrd="0" destOrd="0" presId="urn:microsoft.com/office/officeart/2005/8/layout/hierarchy1"/>
-    <dgm:cxn modelId="{49A18BC1-095B-4A5C-8586-09DA2C2C54B9}" type="presOf" srcId="{D2F696D7-6F24-4D93-A6F6-AEFB75F66471}" destId="{B9CC6839-8DA7-4E6A-BED5-ADCA7069FFC9}" srcOrd="0" destOrd="0" presId="urn:microsoft.com/office/officeart/2005/8/layout/hierarchy1"/>
-    <dgm:cxn modelId="{4FA599B0-0274-43E4-9CF2-542C640AC79B}" type="presOf" srcId="{EDEA9A5B-7A7B-44DC-B057-F6BEFF56A3E3}" destId="{57C1D9DD-379E-42A1-9AD1-45F4B6CF3AA3}" srcOrd="0" destOrd="0" presId="urn:microsoft.com/office/officeart/2005/8/layout/hierarchy1"/>
-    <dgm:cxn modelId="{5685EB81-D231-4085-86AA-F4C075B2B83E}" srcId="{18994E44-AF00-4CD7-BFFB-893F48881FB3}" destId="{167C0B38-4D45-461B-B5FE-F516FC0C47B1}" srcOrd="4" destOrd="0" parTransId="{74675377-CAC4-4838-9AC4-4E89B176B345}" sibTransId="{D5083BFB-FF2E-4A79-B4CD-B99D53F7482D}"/>
-    <dgm:cxn modelId="{1B1A5DA1-9246-4F81-847C-B59E9C7163D5}" type="presOf" srcId="{C46ECDBD-32A2-4443-8D38-B29C487E4F37}" destId="{8F74CD9E-AEEB-43B8-95A7-4EC1629252D3}" srcOrd="0" destOrd="0" presId="urn:microsoft.com/office/officeart/2005/8/layout/hierarchy1"/>
-    <dgm:cxn modelId="{134055C1-EFE8-493E-AEFA-711A90A7AE2D}" srcId="{18994E44-AF00-4CD7-BFFB-893F48881FB3}" destId="{4CF28C83-AF25-475E-9F50-007420FDF6A3}" srcOrd="2" destOrd="0" parTransId="{141A4074-C9FD-4AF8-AA9B-4F3CAC93EA18}" sibTransId="{06AAF7AA-1E65-4BFF-A261-87B2EFEBF689}"/>
-    <dgm:cxn modelId="{B9D2258C-A8F6-4C7C-B3FD-B66C6193B6DD}" srcId="{EDEA9A5B-7A7B-44DC-B057-F6BEFF56A3E3}" destId="{D1094483-B178-4085-961F-43ECEFDE8599}" srcOrd="1" destOrd="0" parTransId="{F80D5291-1F19-4570-BD84-06C7A7C27CFF}" sibTransId="{4E778291-BEA7-4076-8E6F-AD79D6ADEF31}"/>
-    <dgm:cxn modelId="{E2A7A25B-82FF-4C41-A0D0-8F7C15B8A77E}" type="presOf" srcId="{141A4074-C9FD-4AF8-AA9B-4F3CAC93EA18}" destId="{4B8A6B68-CBBF-4750-8A92-251106370A0E}" srcOrd="0" destOrd="0" presId="urn:microsoft.com/office/officeart/2005/8/layout/hierarchy1"/>
-    <dgm:cxn modelId="{6CB5056D-A195-452D-BE59-13731743227A}" type="presOf" srcId="{30194467-FD7E-4D24-8DB0-714FAD158BDA}" destId="{173B9D13-7D12-4225-857A-7C445B30673C}" srcOrd="0" destOrd="0" presId="urn:microsoft.com/office/officeart/2005/8/layout/hierarchy1"/>
-    <dgm:cxn modelId="{7F500F69-01A8-4493-A29B-3D37C2B1F04C}" type="presOf" srcId="{29DAC408-E444-40DB-BB07-185C2BB20BE6}" destId="{2782B56D-3B1A-414B-940E-03345377419E}" srcOrd="0" destOrd="0" presId="urn:microsoft.com/office/officeart/2005/8/layout/hierarchy1"/>
-    <dgm:cxn modelId="{AEE33593-2C5C-4CBD-AAA8-02176F2C618A}" srcId="{EDEA9A5B-7A7B-44DC-B057-F6BEFF56A3E3}" destId="{591C96C0-B4A2-495D-B12D-AE27E21DBD88}" srcOrd="0" destOrd="0" parTransId="{29DAC408-E444-40DB-BB07-185C2BB20BE6}" sibTransId="{3C400E3E-6BAA-4161-8F35-FC399C4E1346}"/>
-    <dgm:cxn modelId="{4AF44B50-FFAB-49FE-912F-C02291CA923A}" type="presOf" srcId="{A923C540-ED45-422C-843F-0C6DCDADC9AB}" destId="{988D4E53-B31D-4C89-AD22-ED94EA2E97AF}" srcOrd="0" destOrd="0" presId="urn:microsoft.com/office/officeart/2005/8/layout/hierarchy1"/>
-    <dgm:cxn modelId="{10C3B222-9B5D-4726-9C6F-8627DA81CD9D}" type="presOf" srcId="{8660905E-B178-4AB7-95E3-8857E1B584D3}" destId="{10ADEA91-9B7F-41AE-8475-3415F03C7997}" srcOrd="0" destOrd="0" presId="urn:microsoft.com/office/officeart/2005/8/layout/hierarchy1"/>
-    <dgm:cxn modelId="{029981CD-3201-4F1F-81D3-6FE37ED1CBE3}" type="presOf" srcId="{E0BE901C-0CFD-4076-9A90-3C9D2272EF7F}" destId="{1B2EE649-2B94-427D-8F07-A895A1088269}" srcOrd="0" destOrd="0" presId="urn:microsoft.com/office/officeart/2005/8/layout/hierarchy1"/>
-    <dgm:cxn modelId="{513C8757-FD43-438A-AA5A-3385EAD1EBC9}" type="presOf" srcId="{4CF28C83-AF25-475E-9F50-007420FDF6A3}" destId="{BAAC51C4-C80E-4EB2-9417-B37059021C8B}" srcOrd="0" destOrd="0" presId="urn:microsoft.com/office/officeart/2005/8/layout/hierarchy1"/>
-    <dgm:cxn modelId="{45EB6E37-315F-4DE6-88F4-49AD4E52D41E}" srcId="{D2F696D7-6F24-4D93-A6F6-AEFB75F66471}" destId="{8524DD58-5A20-4BC0-A8F9-6425A5D83D17}" srcOrd="0" destOrd="0" parTransId="{91AF1766-C553-4B01-9C3E-2A7C7ADB8C18}" sibTransId="{6CE507ED-228C-4E4D-B4CC-E730B871EAB9}"/>
-    <dgm:cxn modelId="{63DAABE3-D55D-43A9-B4E2-F14117552EE8}" srcId="{18994E44-AF00-4CD7-BFFB-893F48881FB3}" destId="{D9F283E7-185E-4CC1-8FA1-15186A217D73}" srcOrd="3" destOrd="0" parTransId="{90FE2595-7ECF-4128-94C3-771DC3235C42}" sibTransId="{99AFA80D-C4C7-4455-9FE0-B927CB7AFA13}"/>
     <dgm:cxn modelId="{0FD68458-B4F6-4469-A36E-68E2DB8812FD}" type="presParOf" srcId="{B9CC6839-8DA7-4E6A-BED5-ADCA7069FFC9}" destId="{B0BAA389-B5E8-48FE-9B05-842C19904884}" srcOrd="0" destOrd="0" presId="urn:microsoft.com/office/officeart/2005/8/layout/hierarchy1"/>
     <dgm:cxn modelId="{4E99CFC2-A04E-45CA-A15A-385D52EBAA58}" type="presParOf" srcId="{B0BAA389-B5E8-48FE-9B05-842C19904884}" destId="{5DCA249A-0A5D-43F5-8386-D763B21D84B7}" srcOrd="0" destOrd="0" presId="urn:microsoft.com/office/officeart/2005/8/layout/hierarchy1"/>
     <dgm:cxn modelId="{0C747AE0-8BBD-4AB0-9AA0-B140089B0EA0}" type="presParOf" srcId="{5DCA249A-0A5D-43F5-8386-D763B21D84B7}" destId="{2800DDE3-6AA8-4F92-9E09-49DAF7966224}" srcOrd="0" destOrd="0" presId="urn:microsoft.com/office/officeart/2005/8/layout/hierarchy1"/>
@@ -8535,7 +7835,7 @@
         </a:bodyPr>
         <a:lstStyle/>
         <a:p>
-          <a:pPr lvl="0" algn="ctr" defTabSz="533400">
+          <a:pPr marL="0" lvl="0" indent="0" algn="ctr" defTabSz="533400">
             <a:lnSpc>
               <a:spcPct val="90000"/>
             </a:lnSpc>
@@ -8545,6 +7845,7 @@
             <a:spcAft>
               <a:spcPct val="35000"/>
             </a:spcAft>
+            <a:buNone/>
           </a:pPr>
           <a:r>
             <a:rPr lang="en-US" sz="1200" kern="1200"/>
@@ -8666,7 +7967,7 @@
         </a:bodyPr>
         <a:lstStyle/>
         <a:p>
-          <a:pPr lvl="0" algn="ctr" defTabSz="533400">
+          <a:pPr marL="0" lvl="0" indent="0" algn="ctr" defTabSz="533400">
             <a:lnSpc>
               <a:spcPct val="90000"/>
             </a:lnSpc>
@@ -8676,6 +7977,7 @@
             <a:spcAft>
               <a:spcPct val="35000"/>
             </a:spcAft>
+            <a:buNone/>
           </a:pPr>
           <a:r>
             <a:rPr lang="en-US" sz="1200" kern="1200" dirty="0"/>
@@ -8796,7 +8098,7 @@
         </a:bodyPr>
         <a:lstStyle/>
         <a:p>
-          <a:pPr lvl="0" algn="ctr" defTabSz="533400">
+          <a:pPr marL="0" lvl="0" indent="0" algn="ctr" defTabSz="533400">
             <a:lnSpc>
               <a:spcPct val="90000"/>
             </a:lnSpc>
@@ -8806,6 +8108,7 @@
             <a:spcAft>
               <a:spcPct val="35000"/>
             </a:spcAft>
+            <a:buNone/>
           </a:pPr>
           <a:r>
             <a:rPr lang="en-US" sz="1200" kern="1200" dirty="0"/>
@@ -8926,7 +8229,7 @@
         </a:bodyPr>
         <a:lstStyle/>
         <a:p>
-          <a:pPr lvl="0" algn="ctr" defTabSz="533400">
+          <a:pPr marL="0" lvl="0" indent="0" algn="ctr" defTabSz="533400">
             <a:lnSpc>
               <a:spcPct val="90000"/>
             </a:lnSpc>
@@ -8936,6 +8239,7 @@
             <a:spcAft>
               <a:spcPct val="35000"/>
             </a:spcAft>
+            <a:buNone/>
           </a:pPr>
           <a:r>
             <a:rPr lang="en-US" sz="1200" kern="1200" dirty="0"/>
@@ -9056,7 +8360,7 @@
         </a:bodyPr>
         <a:lstStyle/>
         <a:p>
-          <a:pPr lvl="0" algn="ctr" defTabSz="533400">
+          <a:pPr marL="0" lvl="0" indent="0" algn="ctr" defTabSz="533400">
             <a:lnSpc>
               <a:spcPct val="90000"/>
             </a:lnSpc>
@@ -9066,6 +8370,7 @@
             <a:spcAft>
               <a:spcPct val="35000"/>
             </a:spcAft>
+            <a:buNone/>
           </a:pPr>
           <a:r>
             <a:rPr lang="en-US" sz="1200" kern="1200" dirty="0"/>
@@ -9186,7 +8491,7 @@
         </a:bodyPr>
         <a:lstStyle/>
         <a:p>
-          <a:pPr lvl="0" algn="ctr" defTabSz="533400">
+          <a:pPr marL="0" lvl="0" indent="0" algn="ctr" defTabSz="533400">
             <a:lnSpc>
               <a:spcPct val="90000"/>
             </a:lnSpc>
@@ -9196,6 +8501,7 @@
             <a:spcAft>
               <a:spcPct val="35000"/>
             </a:spcAft>
+            <a:buNone/>
           </a:pPr>
           <a:r>
             <a:rPr lang="en-US" sz="1200" kern="1200" dirty="0"/>
@@ -9316,7 +8622,7 @@
         </a:bodyPr>
         <a:lstStyle/>
         <a:p>
-          <a:pPr lvl="0" algn="ctr" defTabSz="533400">
+          <a:pPr marL="0" lvl="0" indent="0" algn="ctr" defTabSz="533400">
             <a:lnSpc>
               <a:spcPct val="90000"/>
             </a:lnSpc>
@@ -9326,6 +8632,7 @@
             <a:spcAft>
               <a:spcPct val="35000"/>
             </a:spcAft>
+            <a:buNone/>
           </a:pPr>
           <a:r>
             <a:rPr lang="en-US" sz="1200" kern="1200"/>
@@ -9447,7 +8754,7 @@
         </a:bodyPr>
         <a:lstStyle/>
         <a:p>
-          <a:pPr lvl="0" algn="ctr" defTabSz="533400">
+          <a:pPr marL="0" lvl="0" indent="0" algn="ctr" defTabSz="533400">
             <a:lnSpc>
               <a:spcPct val="90000"/>
             </a:lnSpc>
@@ -9457,6 +8764,7 @@
             <a:spcAft>
               <a:spcPct val="35000"/>
             </a:spcAft>
+            <a:buNone/>
           </a:pPr>
           <a:r>
             <a:rPr lang="en-US" sz="1200" kern="1200" dirty="0"/>
@@ -9577,7 +8885,7 @@
         </a:bodyPr>
         <a:lstStyle/>
         <a:p>
-          <a:pPr lvl="0" algn="ctr" defTabSz="533400">
+          <a:pPr marL="0" lvl="0" indent="0" algn="ctr" defTabSz="533400">
             <a:lnSpc>
               <a:spcPct val="90000"/>
             </a:lnSpc>
@@ -9587,6 +8895,7 @@
             <a:spcAft>
               <a:spcPct val="35000"/>
             </a:spcAft>
+            <a:buNone/>
           </a:pPr>
           <a:r>
             <a:rPr lang="en-US" sz="1200" kern="1200" dirty="0"/>
@@ -9707,7 +9016,7 @@
         </a:bodyPr>
         <a:lstStyle/>
         <a:p>
-          <a:pPr lvl="0" algn="ctr" defTabSz="533400">
+          <a:pPr marL="0" lvl="0" indent="0" algn="ctr" defTabSz="533400">
             <a:lnSpc>
               <a:spcPct val="90000"/>
             </a:lnSpc>
@@ -9717,6 +9026,7 @@
             <a:spcAft>
               <a:spcPct val="35000"/>
             </a:spcAft>
+            <a:buNone/>
           </a:pPr>
           <a:r>
             <a:rPr lang="en-US" sz="1200" kern="1200" dirty="0"/>
@@ -9837,7 +9147,7 @@
         </a:bodyPr>
         <a:lstStyle/>
         <a:p>
-          <a:pPr lvl="0" algn="ctr" defTabSz="533400">
+          <a:pPr marL="0" lvl="0" indent="0" algn="ctr" defTabSz="533400">
             <a:lnSpc>
               <a:spcPct val="90000"/>
             </a:lnSpc>
@@ -9847,6 +9157,7 @@
             <a:spcAft>
               <a:spcPct val="35000"/>
             </a:spcAft>
+            <a:buNone/>
           </a:pPr>
           <a:r>
             <a:rPr lang="en-US" sz="1200" kern="1200" dirty="0"/>
@@ -9967,7 +9278,7 @@
         </a:bodyPr>
         <a:lstStyle/>
         <a:p>
-          <a:pPr lvl="0" algn="ctr" defTabSz="533400">
+          <a:pPr marL="0" lvl="0" indent="0" algn="ctr" defTabSz="533400">
             <a:lnSpc>
               <a:spcPct val="90000"/>
             </a:lnSpc>
@@ -9977,6 +9288,7 @@
             <a:spcAft>
               <a:spcPct val="35000"/>
             </a:spcAft>
+            <a:buNone/>
           </a:pPr>
           <a:r>
             <a:rPr lang="en-US" sz="1200" kern="1200"/>
@@ -10098,7 +9410,7 @@
         </a:bodyPr>
         <a:lstStyle/>
         <a:p>
-          <a:pPr lvl="0" algn="ctr" defTabSz="533400">
+          <a:pPr marL="0" lvl="0" indent="0" algn="ctr" defTabSz="533400">
             <a:lnSpc>
               <a:spcPct val="90000"/>
             </a:lnSpc>
@@ -10108,6 +9420,7 @@
             <a:spcAft>
               <a:spcPct val="35000"/>
             </a:spcAft>
+            <a:buNone/>
           </a:pPr>
           <a:r>
             <a:rPr lang="en-US" sz="1200" kern="1200" dirty="0"/>
@@ -10904,7 +10217,7 @@
         </a:bodyPr>
         <a:lstStyle/>
         <a:p>
-          <a:pPr lvl="0" algn="ctr" defTabSz="533400">
+          <a:pPr marL="0" lvl="0" indent="0" algn="ctr" defTabSz="533400">
             <a:lnSpc>
               <a:spcPct val="90000"/>
             </a:lnSpc>
@@ -10914,6 +10227,7 @@
             <a:spcAft>
               <a:spcPct val="35000"/>
             </a:spcAft>
+            <a:buNone/>
           </a:pPr>
           <a:r>
             <a:rPr lang="en-US" sz="1200" kern="1200"/>
@@ -11035,7 +10349,7 @@
         </a:bodyPr>
         <a:lstStyle/>
         <a:p>
-          <a:pPr lvl="0" algn="ctr" defTabSz="533400">
+          <a:pPr marL="0" lvl="0" indent="0" algn="ctr" defTabSz="533400">
             <a:lnSpc>
               <a:spcPct val="90000"/>
             </a:lnSpc>
@@ -11045,6 +10359,7 @@
             <a:spcAft>
               <a:spcPct val="35000"/>
             </a:spcAft>
+            <a:buNone/>
           </a:pPr>
           <a:r>
             <a:rPr lang="en-US" sz="1200" kern="1200" dirty="0"/>
@@ -11165,7 +10480,7 @@
         </a:bodyPr>
         <a:lstStyle/>
         <a:p>
-          <a:pPr lvl="0" algn="ctr" defTabSz="533400">
+          <a:pPr marL="0" lvl="0" indent="0" algn="ctr" defTabSz="533400">
             <a:lnSpc>
               <a:spcPct val="90000"/>
             </a:lnSpc>
@@ -11175,6 +10490,7 @@
             <a:spcAft>
               <a:spcPct val="35000"/>
             </a:spcAft>
+            <a:buNone/>
           </a:pPr>
           <a:r>
             <a:rPr lang="en-US" sz="1200" kern="1200" dirty="0"/>
@@ -11295,7 +10611,7 @@
         </a:bodyPr>
         <a:lstStyle/>
         <a:p>
-          <a:pPr lvl="0" algn="ctr" defTabSz="533400">
+          <a:pPr marL="0" lvl="0" indent="0" algn="ctr" defTabSz="533400">
             <a:lnSpc>
               <a:spcPct val="90000"/>
             </a:lnSpc>
@@ -11305,6 +10621,7 @@
             <a:spcAft>
               <a:spcPct val="35000"/>
             </a:spcAft>
+            <a:buNone/>
           </a:pPr>
           <a:r>
             <a:rPr lang="en-US" sz="1200" kern="1200" dirty="0"/>
@@ -11425,7 +10742,7 @@
         </a:bodyPr>
         <a:lstStyle/>
         <a:p>
-          <a:pPr lvl="0" algn="ctr" defTabSz="533400">
+          <a:pPr marL="0" lvl="0" indent="0" algn="ctr" defTabSz="533400">
             <a:lnSpc>
               <a:spcPct val="90000"/>
             </a:lnSpc>
@@ -11435,6 +10752,7 @@
             <a:spcAft>
               <a:spcPct val="35000"/>
             </a:spcAft>
+            <a:buNone/>
           </a:pPr>
           <a:r>
             <a:rPr lang="en-US" sz="1200" kern="1200" dirty="0"/>
@@ -11555,7 +10873,7 @@
         </a:bodyPr>
         <a:lstStyle/>
         <a:p>
-          <a:pPr lvl="0" algn="ctr" defTabSz="533400">
+          <a:pPr marL="0" lvl="0" indent="0" algn="ctr" defTabSz="533400">
             <a:lnSpc>
               <a:spcPct val="90000"/>
             </a:lnSpc>
@@ -11565,6 +10883,7 @@
             <a:spcAft>
               <a:spcPct val="35000"/>
             </a:spcAft>
+            <a:buNone/>
           </a:pPr>
           <a:r>
             <a:rPr lang="en-US" sz="1200" kern="1200" dirty="0"/>
@@ -11685,7 +11004,7 @@
         </a:bodyPr>
         <a:lstStyle/>
         <a:p>
-          <a:pPr lvl="0" algn="ctr" defTabSz="533400">
+          <a:pPr marL="0" lvl="0" indent="0" algn="ctr" defTabSz="533400">
             <a:lnSpc>
               <a:spcPct val="90000"/>
             </a:lnSpc>
@@ -11695,6 +11014,7 @@
             <a:spcAft>
               <a:spcPct val="35000"/>
             </a:spcAft>
+            <a:buNone/>
           </a:pPr>
           <a:r>
             <a:rPr lang="en-US" sz="1200" kern="1200"/>
@@ -11816,7 +11136,7 @@
         </a:bodyPr>
         <a:lstStyle/>
         <a:p>
-          <a:pPr lvl="0" algn="ctr" defTabSz="533400">
+          <a:pPr marL="0" lvl="0" indent="0" algn="ctr" defTabSz="533400">
             <a:lnSpc>
               <a:spcPct val="90000"/>
             </a:lnSpc>
@@ -11826,6 +11146,7 @@
             <a:spcAft>
               <a:spcPct val="35000"/>
             </a:spcAft>
+            <a:buNone/>
           </a:pPr>
           <a:r>
             <a:rPr lang="en-US" sz="1200" kern="1200" dirty="0"/>
@@ -11946,7 +11267,7 @@
         </a:bodyPr>
         <a:lstStyle/>
         <a:p>
-          <a:pPr lvl="0" algn="ctr" defTabSz="533400">
+          <a:pPr marL="0" lvl="0" indent="0" algn="ctr" defTabSz="533400">
             <a:lnSpc>
               <a:spcPct val="90000"/>
             </a:lnSpc>
@@ -11956,6 +11277,7 @@
             <a:spcAft>
               <a:spcPct val="35000"/>
             </a:spcAft>
+            <a:buNone/>
           </a:pPr>
           <a:r>
             <a:rPr lang="en-US" sz="1200" kern="1200" dirty="0"/>
@@ -12076,7 +11398,7 @@
         </a:bodyPr>
         <a:lstStyle/>
         <a:p>
-          <a:pPr lvl="0" algn="ctr" defTabSz="533400">
+          <a:pPr marL="0" lvl="0" indent="0" algn="ctr" defTabSz="533400">
             <a:lnSpc>
               <a:spcPct val="90000"/>
             </a:lnSpc>
@@ -12086,6 +11408,7 @@
             <a:spcAft>
               <a:spcPct val="35000"/>
             </a:spcAft>
+            <a:buNone/>
           </a:pPr>
           <a:r>
             <a:rPr lang="en-US" sz="1200" kern="1200" dirty="0"/>
@@ -12206,7 +11529,7 @@
         </a:bodyPr>
         <a:lstStyle/>
         <a:p>
-          <a:pPr lvl="0" algn="ctr" defTabSz="533400">
+          <a:pPr marL="0" lvl="0" indent="0" algn="ctr" defTabSz="533400">
             <a:lnSpc>
               <a:spcPct val="90000"/>
             </a:lnSpc>
@@ -12216,6 +11539,7 @@
             <a:spcAft>
               <a:spcPct val="35000"/>
             </a:spcAft>
+            <a:buNone/>
           </a:pPr>
           <a:r>
             <a:rPr lang="en-US" sz="1200" kern="1200" dirty="0"/>
@@ -12336,7 +11660,7 @@
         </a:bodyPr>
         <a:lstStyle/>
         <a:p>
-          <a:pPr lvl="0" algn="ctr" defTabSz="533400">
+          <a:pPr marL="0" lvl="0" indent="0" algn="ctr" defTabSz="533400">
             <a:lnSpc>
               <a:spcPct val="90000"/>
             </a:lnSpc>
@@ -12346,6 +11670,7 @@
             <a:spcAft>
               <a:spcPct val="35000"/>
             </a:spcAft>
+            <a:buNone/>
           </a:pPr>
           <a:r>
             <a:rPr lang="en-US" sz="1200" kern="1200"/>
@@ -12467,7 +11792,7 @@
         </a:bodyPr>
         <a:lstStyle/>
         <a:p>
-          <a:pPr lvl="0" algn="ctr" defTabSz="533400">
+          <a:pPr marL="0" lvl="0" indent="0" algn="ctr" defTabSz="533400">
             <a:lnSpc>
               <a:spcPct val="90000"/>
             </a:lnSpc>
@@ -12477,6 +11802,7 @@
             <a:spcAft>
               <a:spcPct val="35000"/>
             </a:spcAft>
+            <a:buNone/>
           </a:pPr>
           <a:r>
             <a:rPr lang="en-US" sz="1200" kern="1200" dirty="0"/>
@@ -13273,7 +12599,7 @@
         </a:bodyPr>
         <a:lstStyle/>
         <a:p>
-          <a:pPr lvl="0" algn="ctr" defTabSz="533400">
+          <a:pPr marL="0" lvl="0" indent="0" algn="ctr" defTabSz="533400">
             <a:lnSpc>
               <a:spcPct val="90000"/>
             </a:lnSpc>
@@ -13283,6 +12609,7 @@
             <a:spcAft>
               <a:spcPct val="35000"/>
             </a:spcAft>
+            <a:buNone/>
           </a:pPr>
           <a:r>
             <a:rPr lang="en-US" sz="1200" kern="1200"/>
@@ -13404,7 +12731,7 @@
         </a:bodyPr>
         <a:lstStyle/>
         <a:p>
-          <a:pPr lvl="0" algn="ctr" defTabSz="533400">
+          <a:pPr marL="0" lvl="0" indent="0" algn="ctr" defTabSz="533400">
             <a:lnSpc>
               <a:spcPct val="90000"/>
             </a:lnSpc>
@@ -13414,6 +12741,7 @@
             <a:spcAft>
               <a:spcPct val="35000"/>
             </a:spcAft>
+            <a:buNone/>
           </a:pPr>
           <a:r>
             <a:rPr lang="en-US" sz="1200" kern="1200" dirty="0"/>
@@ -13534,7 +12862,7 @@
         </a:bodyPr>
         <a:lstStyle/>
         <a:p>
-          <a:pPr lvl="0" algn="ctr" defTabSz="533400">
+          <a:pPr marL="0" lvl="0" indent="0" algn="ctr" defTabSz="533400">
             <a:lnSpc>
               <a:spcPct val="90000"/>
             </a:lnSpc>
@@ -13544,6 +12872,7 @@
             <a:spcAft>
               <a:spcPct val="35000"/>
             </a:spcAft>
+            <a:buNone/>
           </a:pPr>
           <a:r>
             <a:rPr lang="en-US" sz="1200" kern="1200" dirty="0"/>
@@ -13664,7 +12993,7 @@
         </a:bodyPr>
         <a:lstStyle/>
         <a:p>
-          <a:pPr lvl="0" algn="ctr" defTabSz="533400">
+          <a:pPr marL="0" lvl="0" indent="0" algn="ctr" defTabSz="533400">
             <a:lnSpc>
               <a:spcPct val="90000"/>
             </a:lnSpc>
@@ -13674,6 +13003,7 @@
             <a:spcAft>
               <a:spcPct val="35000"/>
             </a:spcAft>
+            <a:buNone/>
           </a:pPr>
           <a:r>
             <a:rPr lang="en-US" sz="1200" kern="1200" dirty="0"/>
@@ -13794,7 +13124,7 @@
         </a:bodyPr>
         <a:lstStyle/>
         <a:p>
-          <a:pPr lvl="0" algn="ctr" defTabSz="533400">
+          <a:pPr marL="0" lvl="0" indent="0" algn="ctr" defTabSz="533400">
             <a:lnSpc>
               <a:spcPct val="90000"/>
             </a:lnSpc>
@@ -13804,6 +13134,7 @@
             <a:spcAft>
               <a:spcPct val="35000"/>
             </a:spcAft>
+            <a:buNone/>
           </a:pPr>
           <a:r>
             <a:rPr lang="en-US" sz="1200" kern="1200" dirty="0"/>
@@ -13924,7 +13255,7 @@
         </a:bodyPr>
         <a:lstStyle/>
         <a:p>
-          <a:pPr lvl="0" algn="ctr" defTabSz="533400">
+          <a:pPr marL="0" lvl="0" indent="0" algn="ctr" defTabSz="533400">
             <a:lnSpc>
               <a:spcPct val="90000"/>
             </a:lnSpc>
@@ -13934,6 +13265,7 @@
             <a:spcAft>
               <a:spcPct val="35000"/>
             </a:spcAft>
+            <a:buNone/>
           </a:pPr>
           <a:r>
             <a:rPr lang="en-US" sz="1200" kern="1200" dirty="0"/>
@@ -14054,7 +13386,7 @@
         </a:bodyPr>
         <a:lstStyle/>
         <a:p>
-          <a:pPr lvl="0" algn="ctr" defTabSz="533400">
+          <a:pPr marL="0" lvl="0" indent="0" algn="ctr" defTabSz="533400">
             <a:lnSpc>
               <a:spcPct val="90000"/>
             </a:lnSpc>
@@ -14064,6 +13396,7 @@
             <a:spcAft>
               <a:spcPct val="35000"/>
             </a:spcAft>
+            <a:buNone/>
           </a:pPr>
           <a:r>
             <a:rPr lang="en-US" sz="1200" kern="1200"/>
@@ -14185,7 +13518,7 @@
         </a:bodyPr>
         <a:lstStyle/>
         <a:p>
-          <a:pPr lvl="0" algn="ctr" defTabSz="533400">
+          <a:pPr marL="0" lvl="0" indent="0" algn="ctr" defTabSz="533400">
             <a:lnSpc>
               <a:spcPct val="90000"/>
             </a:lnSpc>
@@ -14195,6 +13528,7 @@
             <a:spcAft>
               <a:spcPct val="35000"/>
             </a:spcAft>
+            <a:buNone/>
           </a:pPr>
           <a:r>
             <a:rPr lang="en-US" sz="1200" kern="1200" dirty="0"/>
@@ -14315,7 +13649,7 @@
         </a:bodyPr>
         <a:lstStyle/>
         <a:p>
-          <a:pPr lvl="0" algn="ctr" defTabSz="533400">
+          <a:pPr marL="0" lvl="0" indent="0" algn="ctr" defTabSz="533400">
             <a:lnSpc>
               <a:spcPct val="90000"/>
             </a:lnSpc>
@@ -14325,6 +13659,7 @@
             <a:spcAft>
               <a:spcPct val="35000"/>
             </a:spcAft>
+            <a:buNone/>
           </a:pPr>
           <a:r>
             <a:rPr lang="en-US" sz="1200" kern="1200" dirty="0"/>
@@ -14445,7 +13780,7 @@
         </a:bodyPr>
         <a:lstStyle/>
         <a:p>
-          <a:pPr lvl="0" algn="ctr" defTabSz="533400">
+          <a:pPr marL="0" lvl="0" indent="0" algn="ctr" defTabSz="533400">
             <a:lnSpc>
               <a:spcPct val="90000"/>
             </a:lnSpc>
@@ -14455,6 +13790,7 @@
             <a:spcAft>
               <a:spcPct val="35000"/>
             </a:spcAft>
+            <a:buNone/>
           </a:pPr>
           <a:r>
             <a:rPr lang="en-US" sz="1200" kern="1200" dirty="0"/>
@@ -14575,7 +13911,7 @@
         </a:bodyPr>
         <a:lstStyle/>
         <a:p>
-          <a:pPr lvl="0" algn="ctr" defTabSz="533400">
+          <a:pPr marL="0" lvl="0" indent="0" algn="ctr" defTabSz="533400">
             <a:lnSpc>
               <a:spcPct val="90000"/>
             </a:lnSpc>
@@ -14585,6 +13921,7 @@
             <a:spcAft>
               <a:spcPct val="35000"/>
             </a:spcAft>
+            <a:buNone/>
           </a:pPr>
           <a:r>
             <a:rPr lang="en-US" sz="1200" kern="1200" dirty="0"/>
@@ -14705,7 +14042,7 @@
         </a:bodyPr>
         <a:lstStyle/>
         <a:p>
-          <a:pPr lvl="0" algn="ctr" defTabSz="533400">
+          <a:pPr marL="0" lvl="0" indent="0" algn="ctr" defTabSz="533400">
             <a:lnSpc>
               <a:spcPct val="90000"/>
             </a:lnSpc>
@@ -14715,6 +14052,7 @@
             <a:spcAft>
               <a:spcPct val="35000"/>
             </a:spcAft>
+            <a:buNone/>
           </a:pPr>
           <a:r>
             <a:rPr lang="en-US" sz="1200" kern="1200"/>
@@ -14836,7 +14174,7 @@
         </a:bodyPr>
         <a:lstStyle/>
         <a:p>
-          <a:pPr lvl="0" algn="ctr" defTabSz="533400">
+          <a:pPr marL="0" lvl="0" indent="0" algn="ctr" defTabSz="533400">
             <a:lnSpc>
               <a:spcPct val="90000"/>
             </a:lnSpc>
@@ -14846,6 +14184,7 @@
             <a:spcAft>
               <a:spcPct val="35000"/>
             </a:spcAft>
+            <a:buNone/>
           </a:pPr>
           <a:r>
             <a:rPr lang="en-US" sz="1200" kern="1200" dirty="0"/>
@@ -15642,7 +14981,7 @@
         </a:bodyPr>
         <a:lstStyle/>
         <a:p>
-          <a:pPr lvl="0" algn="ctr" defTabSz="533400">
+          <a:pPr marL="0" lvl="0" indent="0" algn="ctr" defTabSz="533400">
             <a:lnSpc>
               <a:spcPct val="90000"/>
             </a:lnSpc>
@@ -15652,6 +14991,7 @@
             <a:spcAft>
               <a:spcPct val="35000"/>
             </a:spcAft>
+            <a:buNone/>
           </a:pPr>
           <a:r>
             <a:rPr lang="en-US" sz="1200" kern="1200"/>
@@ -15773,7 +15113,7 @@
         </a:bodyPr>
         <a:lstStyle/>
         <a:p>
-          <a:pPr lvl="0" algn="ctr" defTabSz="533400">
+          <a:pPr marL="0" lvl="0" indent="0" algn="ctr" defTabSz="533400">
             <a:lnSpc>
               <a:spcPct val="90000"/>
             </a:lnSpc>
@@ -15783,6 +15123,7 @@
             <a:spcAft>
               <a:spcPct val="35000"/>
             </a:spcAft>
+            <a:buNone/>
           </a:pPr>
           <a:r>
             <a:rPr lang="en-US" sz="1200" kern="1200" dirty="0"/>
@@ -15903,7 +15244,7 @@
         </a:bodyPr>
         <a:lstStyle/>
         <a:p>
-          <a:pPr lvl="0" algn="ctr" defTabSz="533400">
+          <a:pPr marL="0" lvl="0" indent="0" algn="ctr" defTabSz="533400">
             <a:lnSpc>
               <a:spcPct val="90000"/>
             </a:lnSpc>
@@ -15913,6 +15254,7 @@
             <a:spcAft>
               <a:spcPct val="35000"/>
             </a:spcAft>
+            <a:buNone/>
           </a:pPr>
           <a:r>
             <a:rPr lang="en-US" sz="1200" kern="1200" dirty="0"/>
@@ -16033,7 +15375,7 @@
         </a:bodyPr>
         <a:lstStyle/>
         <a:p>
-          <a:pPr lvl="0" algn="ctr" defTabSz="533400">
+          <a:pPr marL="0" lvl="0" indent="0" algn="ctr" defTabSz="533400">
             <a:lnSpc>
               <a:spcPct val="90000"/>
             </a:lnSpc>
@@ -16043,6 +15385,7 @@
             <a:spcAft>
               <a:spcPct val="35000"/>
             </a:spcAft>
+            <a:buNone/>
           </a:pPr>
           <a:r>
             <a:rPr lang="en-US" sz="1200" kern="1200" dirty="0"/>
@@ -16163,7 +15506,7 @@
         </a:bodyPr>
         <a:lstStyle/>
         <a:p>
-          <a:pPr lvl="0" algn="ctr" defTabSz="533400">
+          <a:pPr marL="0" lvl="0" indent="0" algn="ctr" defTabSz="533400">
             <a:lnSpc>
               <a:spcPct val="90000"/>
             </a:lnSpc>
@@ -16173,6 +15516,7 @@
             <a:spcAft>
               <a:spcPct val="35000"/>
             </a:spcAft>
+            <a:buNone/>
           </a:pPr>
           <a:r>
             <a:rPr lang="en-US" sz="1200" kern="1200" dirty="0"/>
@@ -16293,7 +15637,7 @@
         </a:bodyPr>
         <a:lstStyle/>
         <a:p>
-          <a:pPr lvl="0" algn="ctr" defTabSz="533400">
+          <a:pPr marL="0" lvl="0" indent="0" algn="ctr" defTabSz="533400">
             <a:lnSpc>
               <a:spcPct val="90000"/>
             </a:lnSpc>
@@ -16303,6 +15647,7 @@
             <a:spcAft>
               <a:spcPct val="35000"/>
             </a:spcAft>
+            <a:buNone/>
           </a:pPr>
           <a:r>
             <a:rPr lang="en-US" sz="1200" kern="1200" dirty="0"/>
@@ -16423,7 +15768,7 @@
         </a:bodyPr>
         <a:lstStyle/>
         <a:p>
-          <a:pPr lvl="0" algn="ctr" defTabSz="533400">
+          <a:pPr marL="0" lvl="0" indent="0" algn="ctr" defTabSz="533400">
             <a:lnSpc>
               <a:spcPct val="90000"/>
             </a:lnSpc>
@@ -16433,6 +15778,7 @@
             <a:spcAft>
               <a:spcPct val="35000"/>
             </a:spcAft>
+            <a:buNone/>
           </a:pPr>
           <a:r>
             <a:rPr lang="en-US" sz="1200" kern="1200"/>
@@ -16554,7 +15900,7 @@
         </a:bodyPr>
         <a:lstStyle/>
         <a:p>
-          <a:pPr lvl="0" algn="ctr" defTabSz="533400">
+          <a:pPr marL="0" lvl="0" indent="0" algn="ctr" defTabSz="533400">
             <a:lnSpc>
               <a:spcPct val="90000"/>
             </a:lnSpc>
@@ -16564,6 +15910,7 @@
             <a:spcAft>
               <a:spcPct val="35000"/>
             </a:spcAft>
+            <a:buNone/>
           </a:pPr>
           <a:r>
             <a:rPr lang="en-US" sz="1200" kern="1200" dirty="0"/>
@@ -16684,7 +16031,7 @@
         </a:bodyPr>
         <a:lstStyle/>
         <a:p>
-          <a:pPr lvl="0" algn="ctr" defTabSz="533400">
+          <a:pPr marL="0" lvl="0" indent="0" algn="ctr" defTabSz="533400">
             <a:lnSpc>
               <a:spcPct val="90000"/>
             </a:lnSpc>
@@ -16694,6 +16041,7 @@
             <a:spcAft>
               <a:spcPct val="35000"/>
             </a:spcAft>
+            <a:buNone/>
           </a:pPr>
           <a:r>
             <a:rPr lang="en-US" sz="1200" kern="1200" dirty="0"/>
@@ -16814,7 +16162,7 @@
         </a:bodyPr>
         <a:lstStyle/>
         <a:p>
-          <a:pPr lvl="0" algn="ctr" defTabSz="533400">
+          <a:pPr marL="0" lvl="0" indent="0" algn="ctr" defTabSz="533400">
             <a:lnSpc>
               <a:spcPct val="90000"/>
             </a:lnSpc>
@@ -16824,6 +16172,7 @@
             <a:spcAft>
               <a:spcPct val="35000"/>
             </a:spcAft>
+            <a:buNone/>
           </a:pPr>
           <a:r>
             <a:rPr lang="en-US" sz="1200" kern="1200" dirty="0"/>
@@ -16944,7 +16293,7 @@
         </a:bodyPr>
         <a:lstStyle/>
         <a:p>
-          <a:pPr lvl="0" algn="ctr" defTabSz="533400">
+          <a:pPr marL="0" lvl="0" indent="0" algn="ctr" defTabSz="533400">
             <a:lnSpc>
               <a:spcPct val="90000"/>
             </a:lnSpc>
@@ -16954,6 +16303,7 @@
             <a:spcAft>
               <a:spcPct val="35000"/>
             </a:spcAft>
+            <a:buNone/>
           </a:pPr>
           <a:r>
             <a:rPr lang="en-US" sz="1200" kern="1200" dirty="0"/>
@@ -17074,7 +16424,7 @@
         </a:bodyPr>
         <a:lstStyle/>
         <a:p>
-          <a:pPr lvl="0" algn="ctr" defTabSz="533400">
+          <a:pPr marL="0" lvl="0" indent="0" algn="ctr" defTabSz="533400">
             <a:lnSpc>
               <a:spcPct val="90000"/>
             </a:lnSpc>
@@ -17084,6 +16434,7 @@
             <a:spcAft>
               <a:spcPct val="35000"/>
             </a:spcAft>
+            <a:buNone/>
           </a:pPr>
           <a:r>
             <a:rPr lang="en-US" sz="1200" kern="1200"/>
@@ -17205,7 +16556,7 @@
         </a:bodyPr>
         <a:lstStyle/>
         <a:p>
-          <a:pPr lvl="0" algn="ctr" defTabSz="533400">
+          <a:pPr marL="0" lvl="0" indent="0" algn="ctr" defTabSz="533400">
             <a:lnSpc>
               <a:spcPct val="90000"/>
             </a:lnSpc>
@@ -17215,6 +16566,7 @@
             <a:spcAft>
               <a:spcPct val="35000"/>
             </a:spcAft>
+            <a:buNone/>
           </a:pPr>
           <a:r>
             <a:rPr lang="en-US" sz="1200" kern="1200" dirty="0"/>
@@ -26483,7 +25835,7 @@
           <p:cNvPr id="6" name="Title 1">
             <a:extLst>
               <a:ext uri="{FF2B5EF4-FFF2-40B4-BE49-F238E27FC236}">
-                <a16:creationId xmlns="" xmlns:a16="http://schemas.microsoft.com/office/drawing/2014/main" id="{CBD419B5-27C8-48DD-8044-A01CB5A5841A}"/>
+                <a16:creationId xmlns:a16="http://schemas.microsoft.com/office/drawing/2014/main" id="{CBD419B5-27C8-48DD-8044-A01CB5A5841A}"/>
               </a:ext>
             </a:extLst>
           </p:cNvPr>
@@ -26575,23 +25927,6 @@
                 <a:cs typeface="+mj-cs"/>
               </a:rPr>
             </a:br>
-            <a:r>
-              <a:rPr kumimoji="0" lang="en-US" sz="8900" b="0" i="0" u="none" strike="noStrike" kern="1200" cap="none" spc="0" normalizeH="0" baseline="0" noProof="0" dirty="0">
-                <a:ln>
-                  <a:noFill/>
-                </a:ln>
-                <a:solidFill>
-                  <a:sysClr val="windowText" lastClr="000000"/>
-                </a:solidFill>
-                <a:effectLst/>
-                <a:uLnTx/>
-                <a:uFillTx/>
-                <a:latin typeface="Calibri Light" panose="020F0302020204030204"/>
-                <a:ea typeface="+mj-ea"/>
-                <a:cs typeface="+mj-cs"/>
-              </a:rPr>
-              <a:t/>
-            </a:r>
             <a:br>
               <a:rPr kumimoji="0" lang="en-US" sz="8900" b="0" i="0" u="none" strike="noStrike" kern="1200" cap="none" spc="0" normalizeH="0" baseline="0" noProof="0" dirty="0">
                 <a:ln>
@@ -26666,7 +26001,7 @@
           <p:cNvPr id="8" name="Subtitle 2">
             <a:extLst>
               <a:ext uri="{FF2B5EF4-FFF2-40B4-BE49-F238E27FC236}">
-                <a16:creationId xmlns="" xmlns:a16="http://schemas.microsoft.com/office/drawing/2014/main" id="{B865FC87-50B0-494F-B6E8-6B09E3584D7A}"/>
+                <a16:creationId xmlns:a16="http://schemas.microsoft.com/office/drawing/2014/main" id="{B865FC87-50B0-494F-B6E8-6B09E3584D7A}"/>
               </a:ext>
             </a:extLst>
           </p:cNvPr>
@@ -26885,7 +26220,7 @@
                 <a:ea typeface="+mn-ea"/>
                 <a:cs typeface="+mn-cs"/>
               </a:rPr>
-              <a:t>M. Balduccini</a:t>
+              <a:t>M. Balduccini and C. Vishik</a:t>
             </a:r>
           </a:p>
           <a:p>
@@ -26959,13 +26294,6 @@
   <p:clrMapOvr>
     <a:masterClrMapping/>
   </p:clrMapOvr>
-  <p:timing>
-    <p:tnLst>
-      <p:par>
-        <p:cTn id="1" dur="indefinite" restart="never" nodeType="tmRoot"/>
-      </p:par>
-    </p:tnLst>
-  </p:timing>
 </p:sld>
 </file>
 
@@ -26991,7 +26319,7 @@
           <p:cNvPr id="2" name="Title 1">
             <a:extLst>
               <a:ext uri="{FF2B5EF4-FFF2-40B4-BE49-F238E27FC236}">
-                <a16:creationId xmlns="" xmlns:a16="http://schemas.microsoft.com/office/drawing/2014/main" id="{3F02507A-81F0-4726-994C-DD873DA7C1EF}"/>
+                <a16:creationId xmlns:a16="http://schemas.microsoft.com/office/drawing/2014/main" id="{3F02507A-81F0-4726-994C-DD873DA7C1EF}"/>
               </a:ext>
             </a:extLst>
           </p:cNvPr>
@@ -27019,7 +26347,7 @@
           <p:cNvPr id="3" name="Content Placeholder 2">
             <a:extLst>
               <a:ext uri="{FF2B5EF4-FFF2-40B4-BE49-F238E27FC236}">
-                <a16:creationId xmlns="" xmlns:a16="http://schemas.microsoft.com/office/drawing/2014/main" id="{83A9A14C-6396-4471-AEE2-D334F2CCAFE2}"/>
+                <a16:creationId xmlns:a16="http://schemas.microsoft.com/office/drawing/2014/main" id="{83A9A14C-6396-4471-AEE2-D334F2CCAFE2}"/>
               </a:ext>
             </a:extLst>
           </p:cNvPr>
@@ -27122,7 +26450,7 @@
           <p:cNvPr id="20" name="Picture 19" descr="coSAT LIVE 1000">
             <a:extLst>
               <a:ext uri="{FF2B5EF4-FFF2-40B4-BE49-F238E27FC236}">
-                <a16:creationId xmlns="" xmlns:a16="http://schemas.microsoft.com/office/drawing/2014/main" id="{FC7A2361-F1FD-4AB9-B71B-E2F1162CD61A}"/>
+                <a16:creationId xmlns:a16="http://schemas.microsoft.com/office/drawing/2014/main" id="{FC7A2361-F1FD-4AB9-B71B-E2F1162CD61A}"/>
               </a:ext>
             </a:extLst>
           </p:cNvPr>
@@ -27201,7 +26529,7 @@
           <p:cNvPr id="2" name="Title 1">
             <a:extLst>
               <a:ext uri="{FF2B5EF4-FFF2-40B4-BE49-F238E27FC236}">
-                <a16:creationId xmlns="" xmlns:a16="http://schemas.microsoft.com/office/drawing/2014/main" id="{3F02507A-81F0-4726-994C-DD873DA7C1EF}"/>
+                <a16:creationId xmlns:a16="http://schemas.microsoft.com/office/drawing/2014/main" id="{3F02507A-81F0-4726-994C-DD873DA7C1EF}"/>
               </a:ext>
             </a:extLst>
           </p:cNvPr>
@@ -27229,7 +26557,7 @@
           <p:cNvPr id="3" name="Content Placeholder 2">
             <a:extLst>
               <a:ext uri="{FF2B5EF4-FFF2-40B4-BE49-F238E27FC236}">
-                <a16:creationId xmlns="" xmlns:a16="http://schemas.microsoft.com/office/drawing/2014/main" id="{83A9A14C-6396-4471-AEE2-D334F2CCAFE2}"/>
+                <a16:creationId xmlns:a16="http://schemas.microsoft.com/office/drawing/2014/main" id="{83A9A14C-6396-4471-AEE2-D334F2CCAFE2}"/>
               </a:ext>
             </a:extLst>
           </p:cNvPr>
@@ -27330,7 +26658,7 @@
           <p:cNvPr id="2" name="Title 1">
             <a:extLst>
               <a:ext uri="{FF2B5EF4-FFF2-40B4-BE49-F238E27FC236}">
-                <a16:creationId xmlns="" xmlns:a16="http://schemas.microsoft.com/office/drawing/2014/main" id="{3F02507A-81F0-4726-994C-DD873DA7C1EF}"/>
+                <a16:creationId xmlns:a16="http://schemas.microsoft.com/office/drawing/2014/main" id="{3F02507A-81F0-4726-994C-DD873DA7C1EF}"/>
               </a:ext>
             </a:extLst>
           </p:cNvPr>
@@ -27358,7 +26686,7 @@
           <p:cNvPr id="3" name="Content Placeholder 2">
             <a:extLst>
               <a:ext uri="{FF2B5EF4-FFF2-40B4-BE49-F238E27FC236}">
-                <a16:creationId xmlns="" xmlns:a16="http://schemas.microsoft.com/office/drawing/2014/main" id="{83A9A14C-6396-4471-AEE2-D334F2CCAFE2}"/>
+                <a16:creationId xmlns:a16="http://schemas.microsoft.com/office/drawing/2014/main" id="{83A9A14C-6396-4471-AEE2-D334F2CCAFE2}"/>
               </a:ext>
             </a:extLst>
           </p:cNvPr>
@@ -27466,7 +26794,7 @@
           <p:cNvPr id="19" name="Picture 18" descr="coSAT LIVE 1000">
             <a:extLst>
               <a:ext uri="{FF2B5EF4-FFF2-40B4-BE49-F238E27FC236}">
-                <a16:creationId xmlns="" xmlns:a16="http://schemas.microsoft.com/office/drawing/2014/main" id="{3A61B3B7-A9AD-4D3A-B4E5-A63466CF7726}"/>
+                <a16:creationId xmlns:a16="http://schemas.microsoft.com/office/drawing/2014/main" id="{3A61B3B7-A9AD-4D3A-B4E5-A63466CF7726}"/>
               </a:ext>
             </a:extLst>
           </p:cNvPr>
@@ -27515,7 +26843,7 @@
           <p:cNvPr id="20" name="Picture 19" descr="coSAT LIVE 1000">
             <a:extLst>
               <a:ext uri="{FF2B5EF4-FFF2-40B4-BE49-F238E27FC236}">
-                <a16:creationId xmlns="" xmlns:a16="http://schemas.microsoft.com/office/drawing/2014/main" id="{FC7A2361-F1FD-4AB9-B71B-E2F1162CD61A}"/>
+                <a16:creationId xmlns:a16="http://schemas.microsoft.com/office/drawing/2014/main" id="{FC7A2361-F1FD-4AB9-B71B-E2F1162CD61A}"/>
               </a:ext>
             </a:extLst>
           </p:cNvPr>
@@ -27564,7 +26892,7 @@
           <p:cNvPr id="4" name="TextBox 3">
             <a:extLst>
               <a:ext uri="{FF2B5EF4-FFF2-40B4-BE49-F238E27FC236}">
-                <a16:creationId xmlns="" xmlns:a16="http://schemas.microsoft.com/office/drawing/2014/main" id="{302C1BC0-F735-45F5-8014-C5A3E26FE0D5}"/>
+                <a16:creationId xmlns:a16="http://schemas.microsoft.com/office/drawing/2014/main" id="{302C1BC0-F735-45F5-8014-C5A3E26FE0D5}"/>
               </a:ext>
             </a:extLst>
           </p:cNvPr>
@@ -27599,7 +26927,7 @@
           <p:cNvPr id="7" name="Connector: Elbow 6">
             <a:extLst>
               <a:ext uri="{FF2B5EF4-FFF2-40B4-BE49-F238E27FC236}">
-                <a16:creationId xmlns="" xmlns:a16="http://schemas.microsoft.com/office/drawing/2014/main" id="{DC1498CF-9B41-4410-B907-24E25A8C6011}"/>
+                <a16:creationId xmlns:a16="http://schemas.microsoft.com/office/drawing/2014/main" id="{DC1498CF-9B41-4410-B907-24E25A8C6011}"/>
               </a:ext>
             </a:extLst>
           </p:cNvPr>
@@ -27643,7 +26971,7 @@
           <p:cNvPr id="10" name="Group 9">
             <a:extLst>
               <a:ext uri="{FF2B5EF4-FFF2-40B4-BE49-F238E27FC236}">
-                <a16:creationId xmlns="" xmlns:a16="http://schemas.microsoft.com/office/drawing/2014/main" id="{897532D3-75F9-465F-92CF-CEF3D3338514}"/>
+                <a16:creationId xmlns:a16="http://schemas.microsoft.com/office/drawing/2014/main" id="{897532D3-75F9-465F-92CF-CEF3D3338514}"/>
               </a:ext>
             </a:extLst>
           </p:cNvPr>
@@ -27663,7 +26991,7 @@
             <p:cNvPr id="11" name="Picture 10">
               <a:extLst>
                 <a:ext uri="{FF2B5EF4-FFF2-40B4-BE49-F238E27FC236}">
-                  <a16:creationId xmlns="" xmlns:a16="http://schemas.microsoft.com/office/drawing/2014/main" id="{2FB5A5B7-39C0-4D82-A492-6E1CE11CF8D3}"/>
+                  <a16:creationId xmlns:a16="http://schemas.microsoft.com/office/drawing/2014/main" id="{2FB5A5B7-39C0-4D82-A492-6E1CE11CF8D3}"/>
                 </a:ext>
               </a:extLst>
             </p:cNvPr>
@@ -27692,7 +27020,7 @@
             <p:cNvPr id="12" name="Rectangle 11">
               <a:extLst>
                 <a:ext uri="{FF2B5EF4-FFF2-40B4-BE49-F238E27FC236}">
-                  <a16:creationId xmlns="" xmlns:a16="http://schemas.microsoft.com/office/drawing/2014/main" id="{F048C764-D581-4685-89ED-DCF5B5BC5470}"/>
+                  <a16:creationId xmlns:a16="http://schemas.microsoft.com/office/drawing/2014/main" id="{F048C764-D581-4685-89ED-DCF5B5BC5470}"/>
                 </a:ext>
               </a:extLst>
             </p:cNvPr>
@@ -27744,7 +27072,7 @@
             <p:cNvPr id="13" name="Rectangle 12">
               <a:extLst>
                 <a:ext uri="{FF2B5EF4-FFF2-40B4-BE49-F238E27FC236}">
-                  <a16:creationId xmlns="" xmlns:a16="http://schemas.microsoft.com/office/drawing/2014/main" id="{AFB0283A-72A3-49DE-9651-F3F90C295CC5}"/>
+                  <a16:creationId xmlns:a16="http://schemas.microsoft.com/office/drawing/2014/main" id="{AFB0283A-72A3-49DE-9651-F3F90C295CC5}"/>
                 </a:ext>
               </a:extLst>
             </p:cNvPr>
@@ -27797,7 +27125,7 @@
           <p:cNvPr id="8" name="Rectangle 7">
             <a:extLst>
               <a:ext uri="{FF2B5EF4-FFF2-40B4-BE49-F238E27FC236}">
-                <a16:creationId xmlns="" xmlns:a16="http://schemas.microsoft.com/office/drawing/2014/main" id="{88A18D84-206D-4460-84FD-4D642ACCE1A2}"/>
+                <a16:creationId xmlns:a16="http://schemas.microsoft.com/office/drawing/2014/main" id="{88A18D84-206D-4460-84FD-4D642ACCE1A2}"/>
               </a:ext>
             </a:extLst>
           </p:cNvPr>
@@ -27849,7 +27177,7 @@
           <p:cNvPr id="9" name="TextBox 8">
             <a:extLst>
               <a:ext uri="{FF2B5EF4-FFF2-40B4-BE49-F238E27FC236}">
-                <a16:creationId xmlns="" xmlns:a16="http://schemas.microsoft.com/office/drawing/2014/main" id="{140D65F0-69DD-45A9-AAFF-1DE0DA5411DA}"/>
+                <a16:creationId xmlns:a16="http://schemas.microsoft.com/office/drawing/2014/main" id="{140D65F0-69DD-45A9-AAFF-1DE0DA5411DA}"/>
               </a:ext>
             </a:extLst>
           </p:cNvPr>
@@ -27914,7 +27242,7 @@
           <p:cNvPr id="2" name="Title 1">
             <a:extLst>
               <a:ext uri="{FF2B5EF4-FFF2-40B4-BE49-F238E27FC236}">
-                <a16:creationId xmlns="" xmlns:a16="http://schemas.microsoft.com/office/drawing/2014/main" id="{3F02507A-81F0-4726-994C-DD873DA7C1EF}"/>
+                <a16:creationId xmlns:a16="http://schemas.microsoft.com/office/drawing/2014/main" id="{3F02507A-81F0-4726-994C-DD873DA7C1EF}"/>
               </a:ext>
             </a:extLst>
           </p:cNvPr>
@@ -27942,7 +27270,7 @@
           <p:cNvPr id="3" name="Content Placeholder 2">
             <a:extLst>
               <a:ext uri="{FF2B5EF4-FFF2-40B4-BE49-F238E27FC236}">
-                <a16:creationId xmlns="" xmlns:a16="http://schemas.microsoft.com/office/drawing/2014/main" id="{83A9A14C-6396-4471-AEE2-D334F2CCAFE2}"/>
+                <a16:creationId xmlns:a16="http://schemas.microsoft.com/office/drawing/2014/main" id="{83A9A14C-6396-4471-AEE2-D334F2CCAFE2}"/>
               </a:ext>
             </a:extLst>
           </p:cNvPr>
@@ -28050,7 +27378,7 @@
           <p:cNvPr id="20" name="Picture 19" descr="coSAT LIVE 1000">
             <a:extLst>
               <a:ext uri="{FF2B5EF4-FFF2-40B4-BE49-F238E27FC236}">
-                <a16:creationId xmlns="" xmlns:a16="http://schemas.microsoft.com/office/drawing/2014/main" id="{FC7A2361-F1FD-4AB9-B71B-E2F1162CD61A}"/>
+                <a16:creationId xmlns:a16="http://schemas.microsoft.com/office/drawing/2014/main" id="{FC7A2361-F1FD-4AB9-B71B-E2F1162CD61A}"/>
               </a:ext>
             </a:extLst>
           </p:cNvPr>
@@ -28099,7 +27427,7 @@
           <p:cNvPr id="4" name="TextBox 3">
             <a:extLst>
               <a:ext uri="{FF2B5EF4-FFF2-40B4-BE49-F238E27FC236}">
-                <a16:creationId xmlns="" xmlns:a16="http://schemas.microsoft.com/office/drawing/2014/main" id="{302C1BC0-F735-45F5-8014-C5A3E26FE0D5}"/>
+                <a16:creationId xmlns:a16="http://schemas.microsoft.com/office/drawing/2014/main" id="{302C1BC0-F735-45F5-8014-C5A3E26FE0D5}"/>
               </a:ext>
             </a:extLst>
           </p:cNvPr>
@@ -28134,7 +27462,7 @@
           <p:cNvPr id="7" name="Connector: Elbow 6">
             <a:extLst>
               <a:ext uri="{FF2B5EF4-FFF2-40B4-BE49-F238E27FC236}">
-                <a16:creationId xmlns="" xmlns:a16="http://schemas.microsoft.com/office/drawing/2014/main" id="{DC1498CF-9B41-4410-B907-24E25A8C6011}"/>
+                <a16:creationId xmlns:a16="http://schemas.microsoft.com/office/drawing/2014/main" id="{DC1498CF-9B41-4410-B907-24E25A8C6011}"/>
               </a:ext>
             </a:extLst>
           </p:cNvPr>
@@ -28178,7 +27506,7 @@
           <p:cNvPr id="5" name="Group 4">
             <a:extLst>
               <a:ext uri="{FF2B5EF4-FFF2-40B4-BE49-F238E27FC236}">
-                <a16:creationId xmlns="" xmlns:a16="http://schemas.microsoft.com/office/drawing/2014/main" id="{1D93A829-C597-4142-BB60-4155850FA5C6}"/>
+                <a16:creationId xmlns:a16="http://schemas.microsoft.com/office/drawing/2014/main" id="{1D93A829-C597-4142-BB60-4155850FA5C6}"/>
               </a:ext>
             </a:extLst>
           </p:cNvPr>
@@ -28198,7 +27526,7 @@
             <p:cNvPr id="11" name="Picture 10">
               <a:extLst>
                 <a:ext uri="{FF2B5EF4-FFF2-40B4-BE49-F238E27FC236}">
-                  <a16:creationId xmlns="" xmlns:a16="http://schemas.microsoft.com/office/drawing/2014/main" id="{2FB5A5B7-39C0-4D82-A492-6E1CE11CF8D3}"/>
+                  <a16:creationId xmlns:a16="http://schemas.microsoft.com/office/drawing/2014/main" id="{2FB5A5B7-39C0-4D82-A492-6E1CE11CF8D3}"/>
                 </a:ext>
               </a:extLst>
             </p:cNvPr>
@@ -28227,7 +27555,7 @@
             <p:cNvPr id="13" name="Rectangle 12">
               <a:extLst>
                 <a:ext uri="{FF2B5EF4-FFF2-40B4-BE49-F238E27FC236}">
-                  <a16:creationId xmlns="" xmlns:a16="http://schemas.microsoft.com/office/drawing/2014/main" id="{AFB0283A-72A3-49DE-9651-F3F90C295CC5}"/>
+                  <a16:creationId xmlns:a16="http://schemas.microsoft.com/office/drawing/2014/main" id="{AFB0283A-72A3-49DE-9651-F3F90C295CC5}"/>
                 </a:ext>
               </a:extLst>
             </p:cNvPr>
@@ -28279,7 +27607,7 @@
             <p:cNvPr id="8" name="Rectangle 7">
               <a:extLst>
                 <a:ext uri="{FF2B5EF4-FFF2-40B4-BE49-F238E27FC236}">
-                  <a16:creationId xmlns="" xmlns:a16="http://schemas.microsoft.com/office/drawing/2014/main" id="{88A18D84-206D-4460-84FD-4D642ACCE1A2}"/>
+                  <a16:creationId xmlns:a16="http://schemas.microsoft.com/office/drawing/2014/main" id="{88A18D84-206D-4460-84FD-4D642ACCE1A2}"/>
                 </a:ext>
               </a:extLst>
             </p:cNvPr>
@@ -28331,7 +27659,7 @@
             <p:cNvPr id="9" name="TextBox 8">
               <a:extLst>
                 <a:ext uri="{FF2B5EF4-FFF2-40B4-BE49-F238E27FC236}">
-                  <a16:creationId xmlns="" xmlns:a16="http://schemas.microsoft.com/office/drawing/2014/main" id="{140D65F0-69DD-45A9-AAFF-1DE0DA5411DA}"/>
+                  <a16:creationId xmlns:a16="http://schemas.microsoft.com/office/drawing/2014/main" id="{140D65F0-69DD-45A9-AAFF-1DE0DA5411DA}"/>
                 </a:ext>
               </a:extLst>
             </p:cNvPr>
@@ -28366,7 +27694,7 @@
             <p:cNvPr id="15" name="Rectangle 14">
               <a:extLst>
                 <a:ext uri="{FF2B5EF4-FFF2-40B4-BE49-F238E27FC236}">
-                  <a16:creationId xmlns="" xmlns:a16="http://schemas.microsoft.com/office/drawing/2014/main" id="{83E996CD-8EDF-4BE9-A8D1-20BE777EAD35}"/>
+                  <a16:creationId xmlns:a16="http://schemas.microsoft.com/office/drawing/2014/main" id="{83E996CD-8EDF-4BE9-A8D1-20BE777EAD35}"/>
                 </a:ext>
               </a:extLst>
             </p:cNvPr>
@@ -28449,7 +27777,7 @@
           <p:cNvPr id="2" name="Title 1">
             <a:extLst>
               <a:ext uri="{FF2B5EF4-FFF2-40B4-BE49-F238E27FC236}">
-                <a16:creationId xmlns="" xmlns:a16="http://schemas.microsoft.com/office/drawing/2014/main" id="{3F02507A-81F0-4726-994C-DD873DA7C1EF}"/>
+                <a16:creationId xmlns:a16="http://schemas.microsoft.com/office/drawing/2014/main" id="{3F02507A-81F0-4726-994C-DD873DA7C1EF}"/>
               </a:ext>
             </a:extLst>
           </p:cNvPr>
@@ -28477,7 +27805,7 @@
           <p:cNvPr id="3" name="Content Placeholder 2">
             <a:extLst>
               <a:ext uri="{FF2B5EF4-FFF2-40B4-BE49-F238E27FC236}">
-                <a16:creationId xmlns="" xmlns:a16="http://schemas.microsoft.com/office/drawing/2014/main" id="{83A9A14C-6396-4471-AEE2-D334F2CCAFE2}"/>
+                <a16:creationId xmlns:a16="http://schemas.microsoft.com/office/drawing/2014/main" id="{83A9A14C-6396-4471-AEE2-D334F2CCAFE2}"/>
               </a:ext>
             </a:extLst>
           </p:cNvPr>
@@ -28585,7 +27913,7 @@
           <p:cNvPr id="20" name="Picture 19" descr="coSAT LIVE 1000">
             <a:extLst>
               <a:ext uri="{FF2B5EF4-FFF2-40B4-BE49-F238E27FC236}">
-                <a16:creationId xmlns="" xmlns:a16="http://schemas.microsoft.com/office/drawing/2014/main" id="{FC7A2361-F1FD-4AB9-B71B-E2F1162CD61A}"/>
+                <a16:creationId xmlns:a16="http://schemas.microsoft.com/office/drawing/2014/main" id="{FC7A2361-F1FD-4AB9-B71B-E2F1162CD61A}"/>
               </a:ext>
             </a:extLst>
           </p:cNvPr>
@@ -28634,7 +27962,7 @@
           <p:cNvPr id="4" name="TextBox 3">
             <a:extLst>
               <a:ext uri="{FF2B5EF4-FFF2-40B4-BE49-F238E27FC236}">
-                <a16:creationId xmlns="" xmlns:a16="http://schemas.microsoft.com/office/drawing/2014/main" id="{302C1BC0-F735-45F5-8014-C5A3E26FE0D5}"/>
+                <a16:creationId xmlns:a16="http://schemas.microsoft.com/office/drawing/2014/main" id="{302C1BC0-F735-45F5-8014-C5A3E26FE0D5}"/>
               </a:ext>
             </a:extLst>
           </p:cNvPr>
@@ -28669,7 +27997,7 @@
           <p:cNvPr id="7" name="Connector: Elbow 6">
             <a:extLst>
               <a:ext uri="{FF2B5EF4-FFF2-40B4-BE49-F238E27FC236}">
-                <a16:creationId xmlns="" xmlns:a16="http://schemas.microsoft.com/office/drawing/2014/main" id="{DC1498CF-9B41-4410-B907-24E25A8C6011}"/>
+                <a16:creationId xmlns:a16="http://schemas.microsoft.com/office/drawing/2014/main" id="{DC1498CF-9B41-4410-B907-24E25A8C6011}"/>
               </a:ext>
             </a:extLst>
           </p:cNvPr>
@@ -28713,7 +28041,7 @@
           <p:cNvPr id="5" name="Group 4">
             <a:extLst>
               <a:ext uri="{FF2B5EF4-FFF2-40B4-BE49-F238E27FC236}">
-                <a16:creationId xmlns="" xmlns:a16="http://schemas.microsoft.com/office/drawing/2014/main" id="{1D93A829-C597-4142-BB60-4155850FA5C6}"/>
+                <a16:creationId xmlns:a16="http://schemas.microsoft.com/office/drawing/2014/main" id="{1D93A829-C597-4142-BB60-4155850FA5C6}"/>
               </a:ext>
             </a:extLst>
           </p:cNvPr>
@@ -28733,7 +28061,7 @@
             <p:cNvPr id="11" name="Picture 10">
               <a:extLst>
                 <a:ext uri="{FF2B5EF4-FFF2-40B4-BE49-F238E27FC236}">
-                  <a16:creationId xmlns="" xmlns:a16="http://schemas.microsoft.com/office/drawing/2014/main" id="{2FB5A5B7-39C0-4D82-A492-6E1CE11CF8D3}"/>
+                  <a16:creationId xmlns:a16="http://schemas.microsoft.com/office/drawing/2014/main" id="{2FB5A5B7-39C0-4D82-A492-6E1CE11CF8D3}"/>
                 </a:ext>
               </a:extLst>
             </p:cNvPr>
@@ -28762,7 +28090,7 @@
             <p:cNvPr id="13" name="Rectangle 12">
               <a:extLst>
                 <a:ext uri="{FF2B5EF4-FFF2-40B4-BE49-F238E27FC236}">
-                  <a16:creationId xmlns="" xmlns:a16="http://schemas.microsoft.com/office/drawing/2014/main" id="{AFB0283A-72A3-49DE-9651-F3F90C295CC5}"/>
+                  <a16:creationId xmlns:a16="http://schemas.microsoft.com/office/drawing/2014/main" id="{AFB0283A-72A3-49DE-9651-F3F90C295CC5}"/>
                 </a:ext>
               </a:extLst>
             </p:cNvPr>
@@ -28814,7 +28142,7 @@
             <p:cNvPr id="8" name="Rectangle 7">
               <a:extLst>
                 <a:ext uri="{FF2B5EF4-FFF2-40B4-BE49-F238E27FC236}">
-                  <a16:creationId xmlns="" xmlns:a16="http://schemas.microsoft.com/office/drawing/2014/main" id="{88A18D84-206D-4460-84FD-4D642ACCE1A2}"/>
+                  <a16:creationId xmlns:a16="http://schemas.microsoft.com/office/drawing/2014/main" id="{88A18D84-206D-4460-84FD-4D642ACCE1A2}"/>
                 </a:ext>
               </a:extLst>
             </p:cNvPr>
@@ -28866,7 +28194,7 @@
             <p:cNvPr id="9" name="TextBox 8">
               <a:extLst>
                 <a:ext uri="{FF2B5EF4-FFF2-40B4-BE49-F238E27FC236}">
-                  <a16:creationId xmlns="" xmlns:a16="http://schemas.microsoft.com/office/drawing/2014/main" id="{140D65F0-69DD-45A9-AAFF-1DE0DA5411DA}"/>
+                  <a16:creationId xmlns:a16="http://schemas.microsoft.com/office/drawing/2014/main" id="{140D65F0-69DD-45A9-AAFF-1DE0DA5411DA}"/>
                 </a:ext>
               </a:extLst>
             </p:cNvPr>
@@ -28901,7 +28229,7 @@
             <p:cNvPr id="15" name="Rectangle 14">
               <a:extLst>
                 <a:ext uri="{FF2B5EF4-FFF2-40B4-BE49-F238E27FC236}">
-                  <a16:creationId xmlns="" xmlns:a16="http://schemas.microsoft.com/office/drawing/2014/main" id="{83E996CD-8EDF-4BE9-A8D1-20BE777EAD35}"/>
+                  <a16:creationId xmlns:a16="http://schemas.microsoft.com/office/drawing/2014/main" id="{83E996CD-8EDF-4BE9-A8D1-20BE777EAD35}"/>
                 </a:ext>
               </a:extLst>
             </p:cNvPr>
@@ -28984,7 +28312,7 @@
           <p:cNvPr id="2" name="Title 1">
             <a:extLst>
               <a:ext uri="{FF2B5EF4-FFF2-40B4-BE49-F238E27FC236}">
-                <a16:creationId xmlns="" xmlns:a16="http://schemas.microsoft.com/office/drawing/2014/main" id="{3F02507A-81F0-4726-994C-DD873DA7C1EF}"/>
+                <a16:creationId xmlns:a16="http://schemas.microsoft.com/office/drawing/2014/main" id="{3F02507A-81F0-4726-994C-DD873DA7C1EF}"/>
               </a:ext>
             </a:extLst>
           </p:cNvPr>
@@ -29002,13 +28330,8 @@
           <a:p>
             <a:r>
               <a:rPr lang="en-US" b="1" dirty="0"/>
-              <a:t>Example </a:t>
+              <a:t>Example 1</a:t>
             </a:r>
-            <a:r>
-              <a:rPr lang="en-US" b="1" dirty="0" smtClean="0"/>
-              <a:t>1</a:t>
-            </a:r>
-            <a:endParaRPr lang="en-US" b="1" dirty="0"/>
           </a:p>
         </p:txBody>
       </p:sp>
@@ -29017,7 +28340,7 @@
           <p:cNvPr id="3" name="Content Placeholder 2">
             <a:extLst>
               <a:ext uri="{FF2B5EF4-FFF2-40B4-BE49-F238E27FC236}">
-                <a16:creationId xmlns="" xmlns:a16="http://schemas.microsoft.com/office/drawing/2014/main" id="{83A9A14C-6396-4471-AEE2-D334F2CCAFE2}"/>
+                <a16:creationId xmlns:a16="http://schemas.microsoft.com/office/drawing/2014/main" id="{83A9A14C-6396-4471-AEE2-D334F2CCAFE2}"/>
               </a:ext>
             </a:extLst>
           </p:cNvPr>
@@ -29044,49 +28367,47 @@
               <a:buNone/>
             </a:pPr>
             <a:r>
-              <a:rPr lang="en-US" b="1" dirty="0" smtClean="0"/>
+              <a:rPr lang="en-US" b="1" dirty="0"/>
               <a:t>Also tested:</a:t>
             </a:r>
-            <a:endParaRPr lang="en-US" b="1" dirty="0"/>
           </a:p>
           <a:p>
             <a:pPr lvl="1"/>
             <a:r>
-              <a:rPr lang="en-US" dirty="0" smtClean="0"/>
+              <a:rPr lang="en-US" dirty="0"/>
               <a:t>Adding properties for timing aspect</a:t>
             </a:r>
           </a:p>
           <a:p>
             <a:pPr lvl="1"/>
             <a:r>
-              <a:rPr lang="en-US" dirty="0" smtClean="0"/>
+              <a:rPr lang="en-US" dirty="0"/>
               <a:t>Elaborating other properties</a:t>
             </a:r>
           </a:p>
           <a:p>
             <a:pPr lvl="1"/>
             <a:r>
-              <a:rPr lang="en-US" dirty="0" smtClean="0"/>
+              <a:rPr lang="en-US" dirty="0"/>
               <a:t>Manually disabling encrypted memory, secure boot on SAM and/or camera</a:t>
             </a:r>
           </a:p>
           <a:p>
             <a:pPr lvl="1"/>
             <a:r>
-              <a:rPr lang="en-US" dirty="0" smtClean="0"/>
+              <a:rPr lang="en-US" dirty="0"/>
               <a:t>Asking questions about functional, timing aspects and their concerns</a:t>
             </a:r>
-            <a:endParaRPr lang="en-US" dirty="0"/>
           </a:p>
           <a:p>
             <a:pPr marL="0" indent="0">
               <a:buNone/>
             </a:pPr>
-            <a:endParaRPr lang="en-US" b="1" dirty="0" smtClean="0"/>
+            <a:endParaRPr lang="en-US" b="1" dirty="0"/>
           </a:p>
           <a:p>
             <a:pPr lvl="1"/>
-            <a:endParaRPr lang="en-US" dirty="0" smtClean="0"/>
+            <a:endParaRPr lang="en-US" dirty="0"/>
           </a:p>
           <a:p>
             <a:pPr lvl="1" indent="0">
@@ -29105,18 +28426,13 @@
               <a:buNone/>
             </a:pPr>
             <a:r>
-              <a:rPr lang="en-US" dirty="0" smtClean="0">
+              <a:rPr lang="en-US" dirty="0">
                 <a:solidFill>
                   <a:prstClr val="black"/>
                 </a:solidFill>
               </a:rPr>
               <a:t> </a:t>
             </a:r>
-            <a:endParaRPr lang="en-US" dirty="0">
-              <a:solidFill>
-                <a:prstClr val="black"/>
-              </a:solidFill>
-            </a:endParaRPr>
           </a:p>
           <a:p>
             <a:pPr lvl="1" indent="0">
@@ -29161,7 +28477,7 @@
           <p:cNvPr id="21" name="Group 20">
             <a:extLst>
               <a:ext uri="{FF2B5EF4-FFF2-40B4-BE49-F238E27FC236}">
-                <a16:creationId xmlns="" xmlns:a16="http://schemas.microsoft.com/office/drawing/2014/main" id="{7FACE7FD-7F49-4D52-A614-86B77808D771}"/>
+                <a16:creationId xmlns:a16="http://schemas.microsoft.com/office/drawing/2014/main" id="{7FACE7FD-7F49-4D52-A614-86B77808D771}"/>
               </a:ext>
             </a:extLst>
           </p:cNvPr>
@@ -29181,7 +28497,7 @@
             <p:cNvPr id="22" name="Group 21">
               <a:extLst>
                 <a:ext uri="{FF2B5EF4-FFF2-40B4-BE49-F238E27FC236}">
-                  <a16:creationId xmlns="" xmlns:a16="http://schemas.microsoft.com/office/drawing/2014/main" id="{1C8A38AF-823C-4793-B062-7A3A5DC5A7F0}"/>
+                  <a16:creationId xmlns:a16="http://schemas.microsoft.com/office/drawing/2014/main" id="{1C8A38AF-823C-4793-B062-7A3A5DC5A7F0}"/>
                 </a:ext>
               </a:extLst>
             </p:cNvPr>
@@ -29201,7 +28517,7 @@
               <p:cNvPr id="24" name="Picture 23">
                 <a:extLst>
                   <a:ext uri="{FF2B5EF4-FFF2-40B4-BE49-F238E27FC236}">
-                    <a16:creationId xmlns="" xmlns:a16="http://schemas.microsoft.com/office/drawing/2014/main" id="{E21059FD-21CF-4F91-970B-51BBCF58925A}"/>
+                    <a16:creationId xmlns:a16="http://schemas.microsoft.com/office/drawing/2014/main" id="{E21059FD-21CF-4F91-970B-51BBCF58925A}"/>
                   </a:ext>
                 </a:extLst>
               </p:cNvPr>
@@ -29230,7 +28546,7 @@
               <p:cNvPr id="25" name="Rectangle: Rounded Corners 50">
                 <a:extLst>
                   <a:ext uri="{FF2B5EF4-FFF2-40B4-BE49-F238E27FC236}">
-                    <a16:creationId xmlns="" xmlns:a16="http://schemas.microsoft.com/office/drawing/2014/main" id="{73C03CF4-7EF4-4D6E-A0EE-6BA3FDA8EC3E}"/>
+                    <a16:creationId xmlns:a16="http://schemas.microsoft.com/office/drawing/2014/main" id="{73C03CF4-7EF4-4D6E-A0EE-6BA3FDA8EC3E}"/>
                   </a:ext>
                 </a:extLst>
               </p:cNvPr>
@@ -29283,7 +28599,7 @@
             <p:cNvPr id="23" name="Oval 22">
               <a:extLst>
                 <a:ext uri="{FF2B5EF4-FFF2-40B4-BE49-F238E27FC236}">
-                  <a16:creationId xmlns="" xmlns:a16="http://schemas.microsoft.com/office/drawing/2014/main" id="{CFDCF632-6A9E-43BF-851D-A2ABE361BB9D}"/>
+                  <a16:creationId xmlns:a16="http://schemas.microsoft.com/office/drawing/2014/main" id="{CFDCF632-6A9E-43BF-851D-A2ABE361BB9D}"/>
                 </a:ext>
               </a:extLst>
             </p:cNvPr>
@@ -29368,7 +28684,7 @@
           <p:cNvPr id="2" name="Title 1">
             <a:extLst>
               <a:ext uri="{FF2B5EF4-FFF2-40B4-BE49-F238E27FC236}">
-                <a16:creationId xmlns="" xmlns:a16="http://schemas.microsoft.com/office/drawing/2014/main" id="{3F02507A-81F0-4726-994C-DD873DA7C1EF}"/>
+                <a16:creationId xmlns:a16="http://schemas.microsoft.com/office/drawing/2014/main" id="{3F02507A-81F0-4726-994C-DD873DA7C1EF}"/>
               </a:ext>
             </a:extLst>
           </p:cNvPr>
@@ -29396,7 +28712,7 @@
           <p:cNvPr id="3" name="Content Placeholder 2">
             <a:extLst>
               <a:ext uri="{FF2B5EF4-FFF2-40B4-BE49-F238E27FC236}">
-                <a16:creationId xmlns="" xmlns:a16="http://schemas.microsoft.com/office/drawing/2014/main" id="{83A9A14C-6396-4471-AEE2-D334F2CCAFE2}"/>
+                <a16:creationId xmlns:a16="http://schemas.microsoft.com/office/drawing/2014/main" id="{83A9A14C-6396-4471-AEE2-D334F2CCAFE2}"/>
               </a:ext>
             </a:extLst>
           </p:cNvPr>
@@ -29534,7 +28850,7 @@
           <p:cNvPr id="21" name="Picture 20" descr="simple1-t2.lp - /home/marcy/NIST-toy/V3/">
             <a:extLst>
               <a:ext uri="{FF2B5EF4-FFF2-40B4-BE49-F238E27FC236}">
-                <a16:creationId xmlns="" xmlns:a16="http://schemas.microsoft.com/office/drawing/2014/main" id="{12CBF4DC-EE68-4AAE-9E76-18A4D4F7DC47}"/>
+                <a16:creationId xmlns:a16="http://schemas.microsoft.com/office/drawing/2014/main" id="{12CBF4DC-EE68-4AAE-9E76-18A4D4F7DC47}"/>
               </a:ext>
             </a:extLst>
           </p:cNvPr>
@@ -29585,7 +28901,7 @@
               <p:cNvPr id="23" name="TextBox 22">
                 <a:extLst>
                   <a:ext uri="{FF2B5EF4-FFF2-40B4-BE49-F238E27FC236}">
-                    <a16:creationId xmlns="" xmlns:a16="http://schemas.microsoft.com/office/drawing/2014/main" id="{0FAADE52-1192-49EF-9851-176CD88199AE}"/>
+                    <a16:creationId xmlns:a16="http://schemas.microsoft.com/office/drawing/2014/main" id="{0FAADE52-1192-49EF-9851-176CD88199AE}"/>
                   </a:ext>
                 </a:extLst>
               </p:cNvPr>
@@ -29797,7 +29113,7 @@
           <p:cNvPr id="2" name="Title 1">
             <a:extLst>
               <a:ext uri="{FF2B5EF4-FFF2-40B4-BE49-F238E27FC236}">
-                <a16:creationId xmlns="" xmlns:a16="http://schemas.microsoft.com/office/drawing/2014/main" id="{3F02507A-81F0-4726-994C-DD873DA7C1EF}"/>
+                <a16:creationId xmlns:a16="http://schemas.microsoft.com/office/drawing/2014/main" id="{3F02507A-81F0-4726-994C-DD873DA7C1EF}"/>
               </a:ext>
             </a:extLst>
           </p:cNvPr>
@@ -29825,7 +29141,7 @@
           <p:cNvPr id="3" name="Content Placeholder 2">
             <a:extLst>
               <a:ext uri="{FF2B5EF4-FFF2-40B4-BE49-F238E27FC236}">
-                <a16:creationId xmlns="" xmlns:a16="http://schemas.microsoft.com/office/drawing/2014/main" id="{83A9A14C-6396-4471-AEE2-D334F2CCAFE2}"/>
+                <a16:creationId xmlns:a16="http://schemas.microsoft.com/office/drawing/2014/main" id="{83A9A14C-6396-4471-AEE2-D334F2CCAFE2}"/>
               </a:ext>
             </a:extLst>
           </p:cNvPr>
@@ -29962,7 +29278,7 @@
           <p:cNvPr id="4" name="TextBox 3">
             <a:extLst>
               <a:ext uri="{FF2B5EF4-FFF2-40B4-BE49-F238E27FC236}">
-                <a16:creationId xmlns="" xmlns:a16="http://schemas.microsoft.com/office/drawing/2014/main" id="{302C1BC0-F735-45F5-8014-C5A3E26FE0D5}"/>
+                <a16:creationId xmlns:a16="http://schemas.microsoft.com/office/drawing/2014/main" id="{302C1BC0-F735-45F5-8014-C5A3E26FE0D5}"/>
               </a:ext>
             </a:extLst>
           </p:cNvPr>
@@ -30005,7 +29321,7 @@
           <p:cNvPr id="7" name="Connector: Elbow 6">
             <a:extLst>
               <a:ext uri="{FF2B5EF4-FFF2-40B4-BE49-F238E27FC236}">
-                <a16:creationId xmlns="" xmlns:a16="http://schemas.microsoft.com/office/drawing/2014/main" id="{DC1498CF-9B41-4410-B907-24E25A8C6011}"/>
+                <a16:creationId xmlns:a16="http://schemas.microsoft.com/office/drawing/2014/main" id="{DC1498CF-9B41-4410-B907-24E25A8C6011}"/>
               </a:ext>
             </a:extLst>
           </p:cNvPr>
@@ -30049,7 +29365,7 @@
           <p:cNvPr id="10" name="Group 9">
             <a:extLst>
               <a:ext uri="{FF2B5EF4-FFF2-40B4-BE49-F238E27FC236}">
-                <a16:creationId xmlns="" xmlns:a16="http://schemas.microsoft.com/office/drawing/2014/main" id="{897532D3-75F9-465F-92CF-CEF3D3338514}"/>
+                <a16:creationId xmlns:a16="http://schemas.microsoft.com/office/drawing/2014/main" id="{897532D3-75F9-465F-92CF-CEF3D3338514}"/>
               </a:ext>
             </a:extLst>
           </p:cNvPr>
@@ -30069,7 +29385,7 @@
             <p:cNvPr id="11" name="Picture 10">
               <a:extLst>
                 <a:ext uri="{FF2B5EF4-FFF2-40B4-BE49-F238E27FC236}">
-                  <a16:creationId xmlns="" xmlns:a16="http://schemas.microsoft.com/office/drawing/2014/main" id="{2FB5A5B7-39C0-4D82-A492-6E1CE11CF8D3}"/>
+                  <a16:creationId xmlns:a16="http://schemas.microsoft.com/office/drawing/2014/main" id="{2FB5A5B7-39C0-4D82-A492-6E1CE11CF8D3}"/>
                 </a:ext>
               </a:extLst>
             </p:cNvPr>
@@ -30098,7 +29414,7 @@
             <p:cNvPr id="12" name="Rectangle 11">
               <a:extLst>
                 <a:ext uri="{FF2B5EF4-FFF2-40B4-BE49-F238E27FC236}">
-                  <a16:creationId xmlns="" xmlns:a16="http://schemas.microsoft.com/office/drawing/2014/main" id="{F048C764-D581-4685-89ED-DCF5B5BC5470}"/>
+                  <a16:creationId xmlns:a16="http://schemas.microsoft.com/office/drawing/2014/main" id="{F048C764-D581-4685-89ED-DCF5B5BC5470}"/>
                 </a:ext>
               </a:extLst>
             </p:cNvPr>
@@ -30150,7 +29466,7 @@
             <p:cNvPr id="13" name="Rectangle 12">
               <a:extLst>
                 <a:ext uri="{FF2B5EF4-FFF2-40B4-BE49-F238E27FC236}">
-                  <a16:creationId xmlns="" xmlns:a16="http://schemas.microsoft.com/office/drawing/2014/main" id="{AFB0283A-72A3-49DE-9651-F3F90C295CC5}"/>
+                  <a16:creationId xmlns:a16="http://schemas.microsoft.com/office/drawing/2014/main" id="{AFB0283A-72A3-49DE-9651-F3F90C295CC5}"/>
                 </a:ext>
               </a:extLst>
             </p:cNvPr>
@@ -30203,7 +29519,7 @@
           <p:cNvPr id="8" name="Rectangle 7">
             <a:extLst>
               <a:ext uri="{FF2B5EF4-FFF2-40B4-BE49-F238E27FC236}">
-                <a16:creationId xmlns="" xmlns:a16="http://schemas.microsoft.com/office/drawing/2014/main" id="{88A18D84-206D-4460-84FD-4D642ACCE1A2}"/>
+                <a16:creationId xmlns:a16="http://schemas.microsoft.com/office/drawing/2014/main" id="{88A18D84-206D-4460-84FD-4D642ACCE1A2}"/>
               </a:ext>
             </a:extLst>
           </p:cNvPr>
@@ -30255,7 +29571,7 @@
           <p:cNvPr id="9" name="TextBox 8">
             <a:extLst>
               <a:ext uri="{FF2B5EF4-FFF2-40B4-BE49-F238E27FC236}">
-                <a16:creationId xmlns="" xmlns:a16="http://schemas.microsoft.com/office/drawing/2014/main" id="{140D65F0-69DD-45A9-AAFF-1DE0DA5411DA}"/>
+                <a16:creationId xmlns:a16="http://schemas.microsoft.com/office/drawing/2014/main" id="{140D65F0-69DD-45A9-AAFF-1DE0DA5411DA}"/>
               </a:ext>
             </a:extLst>
           </p:cNvPr>
@@ -30290,7 +29606,7 @@
           <p:cNvPr id="14" name="Picture 13" descr="coSAT LIVE 1000">
             <a:extLst>
               <a:ext uri="{FF2B5EF4-FFF2-40B4-BE49-F238E27FC236}">
-                <a16:creationId xmlns="" xmlns:a16="http://schemas.microsoft.com/office/drawing/2014/main" id="{1D4AA031-4E70-4679-B018-9F3353F09A3D}"/>
+                <a16:creationId xmlns:a16="http://schemas.microsoft.com/office/drawing/2014/main" id="{1D4AA031-4E70-4679-B018-9F3353F09A3D}"/>
               </a:ext>
             </a:extLst>
           </p:cNvPr>
@@ -30339,7 +29655,7 @@
           <p:cNvPr id="16" name="Picture 15" descr="coSAT LIVE 1000">
             <a:extLst>
               <a:ext uri="{FF2B5EF4-FFF2-40B4-BE49-F238E27FC236}">
-                <a16:creationId xmlns="" xmlns:a16="http://schemas.microsoft.com/office/drawing/2014/main" id="{51065B47-B6A9-4790-A9B6-DC237EA12832}"/>
+                <a16:creationId xmlns:a16="http://schemas.microsoft.com/office/drawing/2014/main" id="{51065B47-B6A9-4790-A9B6-DC237EA12832}"/>
               </a:ext>
             </a:extLst>
           </p:cNvPr>
@@ -30388,7 +29704,7 @@
           <p:cNvPr id="22" name="Picture 21" descr="coSAT LIVE 1000">
             <a:extLst>
               <a:ext uri="{FF2B5EF4-FFF2-40B4-BE49-F238E27FC236}">
-                <a16:creationId xmlns="" xmlns:a16="http://schemas.microsoft.com/office/drawing/2014/main" id="{7A4708B5-EB00-4028-84ED-3D7D03808C23}"/>
+                <a16:creationId xmlns:a16="http://schemas.microsoft.com/office/drawing/2014/main" id="{7A4708B5-EB00-4028-84ED-3D7D03808C23}"/>
               </a:ext>
             </a:extLst>
           </p:cNvPr>
@@ -30467,7 +29783,7 @@
           <p:cNvPr id="2" name="Title 1">
             <a:extLst>
               <a:ext uri="{FF2B5EF4-FFF2-40B4-BE49-F238E27FC236}">
-                <a16:creationId xmlns="" xmlns:a16="http://schemas.microsoft.com/office/drawing/2014/main" id="{3F02507A-81F0-4726-994C-DD873DA7C1EF}"/>
+                <a16:creationId xmlns:a16="http://schemas.microsoft.com/office/drawing/2014/main" id="{3F02507A-81F0-4726-994C-DD873DA7C1EF}"/>
               </a:ext>
             </a:extLst>
           </p:cNvPr>
@@ -30495,7 +29811,7 @@
           <p:cNvPr id="3" name="Content Placeholder 2">
             <a:extLst>
               <a:ext uri="{FF2B5EF4-FFF2-40B4-BE49-F238E27FC236}">
-                <a16:creationId xmlns="" xmlns:a16="http://schemas.microsoft.com/office/drawing/2014/main" id="{83A9A14C-6396-4471-AEE2-D334F2CCAFE2}"/>
+                <a16:creationId xmlns:a16="http://schemas.microsoft.com/office/drawing/2014/main" id="{83A9A14C-6396-4471-AEE2-D334F2CCAFE2}"/>
               </a:ext>
             </a:extLst>
           </p:cNvPr>
@@ -30632,7 +29948,7 @@
           <p:cNvPr id="4" name="TextBox 3">
             <a:extLst>
               <a:ext uri="{FF2B5EF4-FFF2-40B4-BE49-F238E27FC236}">
-                <a16:creationId xmlns="" xmlns:a16="http://schemas.microsoft.com/office/drawing/2014/main" id="{302C1BC0-F735-45F5-8014-C5A3E26FE0D5}"/>
+                <a16:creationId xmlns:a16="http://schemas.microsoft.com/office/drawing/2014/main" id="{302C1BC0-F735-45F5-8014-C5A3E26FE0D5}"/>
               </a:ext>
             </a:extLst>
           </p:cNvPr>
@@ -30667,7 +29983,7 @@
           <p:cNvPr id="7" name="Connector: Elbow 6">
             <a:extLst>
               <a:ext uri="{FF2B5EF4-FFF2-40B4-BE49-F238E27FC236}">
-                <a16:creationId xmlns="" xmlns:a16="http://schemas.microsoft.com/office/drawing/2014/main" id="{DC1498CF-9B41-4410-B907-24E25A8C6011}"/>
+                <a16:creationId xmlns:a16="http://schemas.microsoft.com/office/drawing/2014/main" id="{DC1498CF-9B41-4410-B907-24E25A8C6011}"/>
               </a:ext>
             </a:extLst>
           </p:cNvPr>
@@ -30711,7 +30027,7 @@
           <p:cNvPr id="22" name="Picture 21" descr="coSAT LIVE 1000">
             <a:extLst>
               <a:ext uri="{FF2B5EF4-FFF2-40B4-BE49-F238E27FC236}">
-                <a16:creationId xmlns="" xmlns:a16="http://schemas.microsoft.com/office/drawing/2014/main" id="{7A4708B5-EB00-4028-84ED-3D7D03808C23}"/>
+                <a16:creationId xmlns:a16="http://schemas.microsoft.com/office/drawing/2014/main" id="{7A4708B5-EB00-4028-84ED-3D7D03808C23}"/>
               </a:ext>
             </a:extLst>
           </p:cNvPr>
@@ -30760,7 +30076,7 @@
           <p:cNvPr id="18" name="Group 17">
             <a:extLst>
               <a:ext uri="{FF2B5EF4-FFF2-40B4-BE49-F238E27FC236}">
-                <a16:creationId xmlns="" xmlns:a16="http://schemas.microsoft.com/office/drawing/2014/main" id="{0641F387-3D29-44AD-BCF6-8795D899C5F1}"/>
+                <a16:creationId xmlns:a16="http://schemas.microsoft.com/office/drawing/2014/main" id="{0641F387-3D29-44AD-BCF6-8795D899C5F1}"/>
               </a:ext>
             </a:extLst>
           </p:cNvPr>
@@ -30780,7 +30096,7 @@
             <p:cNvPr id="19" name="Picture 18">
               <a:extLst>
                 <a:ext uri="{FF2B5EF4-FFF2-40B4-BE49-F238E27FC236}">
-                  <a16:creationId xmlns="" xmlns:a16="http://schemas.microsoft.com/office/drawing/2014/main" id="{A493B306-46F3-40FF-91CB-C5DA350CFD30}"/>
+                  <a16:creationId xmlns:a16="http://schemas.microsoft.com/office/drawing/2014/main" id="{A493B306-46F3-40FF-91CB-C5DA350CFD30}"/>
                 </a:ext>
               </a:extLst>
             </p:cNvPr>
@@ -30809,7 +30125,7 @@
             <p:cNvPr id="20" name="Rectangle 19">
               <a:extLst>
                 <a:ext uri="{FF2B5EF4-FFF2-40B4-BE49-F238E27FC236}">
-                  <a16:creationId xmlns="" xmlns:a16="http://schemas.microsoft.com/office/drawing/2014/main" id="{02CDB3E6-F339-4840-AAEB-4A4C6975BD4F}"/>
+                  <a16:creationId xmlns:a16="http://schemas.microsoft.com/office/drawing/2014/main" id="{02CDB3E6-F339-4840-AAEB-4A4C6975BD4F}"/>
                 </a:ext>
               </a:extLst>
             </p:cNvPr>
@@ -30861,7 +30177,7 @@
             <p:cNvPr id="21" name="Rectangle 20">
               <a:extLst>
                 <a:ext uri="{FF2B5EF4-FFF2-40B4-BE49-F238E27FC236}">
-                  <a16:creationId xmlns="" xmlns:a16="http://schemas.microsoft.com/office/drawing/2014/main" id="{9C252E17-7CF2-4A2D-BE0D-D51D87745BC5}"/>
+                  <a16:creationId xmlns:a16="http://schemas.microsoft.com/office/drawing/2014/main" id="{9C252E17-7CF2-4A2D-BE0D-D51D87745BC5}"/>
                 </a:ext>
               </a:extLst>
             </p:cNvPr>
@@ -30913,7 +30229,7 @@
             <p:cNvPr id="24" name="TextBox 23">
               <a:extLst>
                 <a:ext uri="{FF2B5EF4-FFF2-40B4-BE49-F238E27FC236}">
-                  <a16:creationId xmlns="" xmlns:a16="http://schemas.microsoft.com/office/drawing/2014/main" id="{2939DE4B-3B4E-42CB-884E-11F7058E7B78}"/>
+                  <a16:creationId xmlns:a16="http://schemas.microsoft.com/office/drawing/2014/main" id="{2939DE4B-3B4E-42CB-884E-11F7058E7B78}"/>
                 </a:ext>
               </a:extLst>
             </p:cNvPr>
@@ -30948,7 +30264,7 @@
             <p:cNvPr id="25" name="Rectangle 24">
               <a:extLst>
                 <a:ext uri="{FF2B5EF4-FFF2-40B4-BE49-F238E27FC236}">
-                  <a16:creationId xmlns="" xmlns:a16="http://schemas.microsoft.com/office/drawing/2014/main" id="{15F634E7-E58A-4EB5-9AD3-641C53A3E8B5}"/>
+                  <a16:creationId xmlns:a16="http://schemas.microsoft.com/office/drawing/2014/main" id="{15F634E7-E58A-4EB5-9AD3-641C53A3E8B5}"/>
                 </a:ext>
               </a:extLst>
             </p:cNvPr>
@@ -31031,7 +30347,7 @@
           <p:cNvPr id="2" name="Title 1">
             <a:extLst>
               <a:ext uri="{FF2B5EF4-FFF2-40B4-BE49-F238E27FC236}">
-                <a16:creationId xmlns="" xmlns:a16="http://schemas.microsoft.com/office/drawing/2014/main" id="{3F02507A-81F0-4726-994C-DD873DA7C1EF}"/>
+                <a16:creationId xmlns:a16="http://schemas.microsoft.com/office/drawing/2014/main" id="{3F02507A-81F0-4726-994C-DD873DA7C1EF}"/>
               </a:ext>
             </a:extLst>
           </p:cNvPr>
@@ -31059,7 +30375,7 @@
           <p:cNvPr id="3" name="Content Placeholder 2">
             <a:extLst>
               <a:ext uri="{FF2B5EF4-FFF2-40B4-BE49-F238E27FC236}">
-                <a16:creationId xmlns="" xmlns:a16="http://schemas.microsoft.com/office/drawing/2014/main" id="{83A9A14C-6396-4471-AEE2-D334F2CCAFE2}"/>
+                <a16:creationId xmlns:a16="http://schemas.microsoft.com/office/drawing/2014/main" id="{83A9A14C-6396-4471-AEE2-D334F2CCAFE2}"/>
               </a:ext>
             </a:extLst>
           </p:cNvPr>
@@ -31196,7 +30512,7 @@
           <p:cNvPr id="4" name="TextBox 3">
             <a:extLst>
               <a:ext uri="{FF2B5EF4-FFF2-40B4-BE49-F238E27FC236}">
-                <a16:creationId xmlns="" xmlns:a16="http://schemas.microsoft.com/office/drawing/2014/main" id="{302C1BC0-F735-45F5-8014-C5A3E26FE0D5}"/>
+                <a16:creationId xmlns:a16="http://schemas.microsoft.com/office/drawing/2014/main" id="{302C1BC0-F735-45F5-8014-C5A3E26FE0D5}"/>
               </a:ext>
             </a:extLst>
           </p:cNvPr>
@@ -31237,7 +30553,7 @@
           <p:cNvPr id="7" name="Connector: Elbow 6">
             <a:extLst>
               <a:ext uri="{FF2B5EF4-FFF2-40B4-BE49-F238E27FC236}">
-                <a16:creationId xmlns="" xmlns:a16="http://schemas.microsoft.com/office/drawing/2014/main" id="{DC1498CF-9B41-4410-B907-24E25A8C6011}"/>
+                <a16:creationId xmlns:a16="http://schemas.microsoft.com/office/drawing/2014/main" id="{DC1498CF-9B41-4410-B907-24E25A8C6011}"/>
               </a:ext>
             </a:extLst>
           </p:cNvPr>
@@ -31281,7 +30597,7 @@
           <p:cNvPr id="22" name="Picture 21" descr="coSAT LIVE 1000">
             <a:extLst>
               <a:ext uri="{FF2B5EF4-FFF2-40B4-BE49-F238E27FC236}">
-                <a16:creationId xmlns="" xmlns:a16="http://schemas.microsoft.com/office/drawing/2014/main" id="{7A4708B5-EB00-4028-84ED-3D7D03808C23}"/>
+                <a16:creationId xmlns:a16="http://schemas.microsoft.com/office/drawing/2014/main" id="{7A4708B5-EB00-4028-84ED-3D7D03808C23}"/>
               </a:ext>
             </a:extLst>
           </p:cNvPr>
@@ -31330,7 +30646,7 @@
           <p:cNvPr id="13" name="Picture 12" descr="simple1-t2.lp - /home/marcy/NIST-toy/V3/">
             <a:extLst>
               <a:ext uri="{FF2B5EF4-FFF2-40B4-BE49-F238E27FC236}">
-                <a16:creationId xmlns="" xmlns:a16="http://schemas.microsoft.com/office/drawing/2014/main" id="{B4449E82-7122-4DB4-BAAC-F8EBDAE4DB7E}"/>
+                <a16:creationId xmlns:a16="http://schemas.microsoft.com/office/drawing/2014/main" id="{B4449E82-7122-4DB4-BAAC-F8EBDAE4DB7E}"/>
               </a:ext>
             </a:extLst>
           </p:cNvPr>
@@ -31379,7 +30695,7 @@
           <p:cNvPr id="5" name="TextBox 4">
             <a:extLst>
               <a:ext uri="{FF2B5EF4-FFF2-40B4-BE49-F238E27FC236}">
-                <a16:creationId xmlns="" xmlns:a16="http://schemas.microsoft.com/office/drawing/2014/main" id="{9228C9AF-A75A-48B2-B0B3-90463B46CDF0}"/>
+                <a16:creationId xmlns:a16="http://schemas.microsoft.com/office/drawing/2014/main" id="{9228C9AF-A75A-48B2-B0B3-90463B46CDF0}"/>
               </a:ext>
             </a:extLst>
           </p:cNvPr>
@@ -31444,7 +30760,7 @@
           <p:cNvPr id="2" name="Title 1">
             <a:extLst>
               <a:ext uri="{FF2B5EF4-FFF2-40B4-BE49-F238E27FC236}">
-                <a16:creationId xmlns="" xmlns:a16="http://schemas.microsoft.com/office/drawing/2014/main" id="{3F02507A-81F0-4726-994C-DD873DA7C1EF}"/>
+                <a16:creationId xmlns:a16="http://schemas.microsoft.com/office/drawing/2014/main" id="{3F02507A-81F0-4726-994C-DD873DA7C1EF}"/>
               </a:ext>
             </a:extLst>
           </p:cNvPr>
@@ -31472,7 +30788,7 @@
           <p:cNvPr id="3" name="Content Placeholder 2">
             <a:extLst>
               <a:ext uri="{FF2B5EF4-FFF2-40B4-BE49-F238E27FC236}">
-                <a16:creationId xmlns="" xmlns:a16="http://schemas.microsoft.com/office/drawing/2014/main" id="{83A9A14C-6396-4471-AEE2-D334F2CCAFE2}"/>
+                <a16:creationId xmlns:a16="http://schemas.microsoft.com/office/drawing/2014/main" id="{83A9A14C-6396-4471-AEE2-D334F2CCAFE2}"/>
               </a:ext>
             </a:extLst>
           </p:cNvPr>
@@ -31552,13 +30868,6 @@
   <p:clrMapOvr>
     <a:masterClrMapping/>
   </p:clrMapOvr>
-  <p:timing>
-    <p:tnLst>
-      <p:par>
-        <p:cTn id="1" dur="indefinite" restart="never" nodeType="tmRoot"/>
-      </p:par>
-    </p:tnLst>
-  </p:timing>
 </p:sld>
 </file>
 
@@ -31584,7 +30893,7 @@
           <p:cNvPr id="2" name="Title 1">
             <a:extLst>
               <a:ext uri="{FF2B5EF4-FFF2-40B4-BE49-F238E27FC236}">
-                <a16:creationId xmlns="" xmlns:a16="http://schemas.microsoft.com/office/drawing/2014/main" id="{3F02507A-81F0-4726-994C-DD873DA7C1EF}"/>
+                <a16:creationId xmlns:a16="http://schemas.microsoft.com/office/drawing/2014/main" id="{3F02507A-81F0-4726-994C-DD873DA7C1EF}"/>
               </a:ext>
             </a:extLst>
           </p:cNvPr>
@@ -31612,7 +30921,7 @@
           <p:cNvPr id="3" name="Content Placeholder 2">
             <a:extLst>
               <a:ext uri="{FF2B5EF4-FFF2-40B4-BE49-F238E27FC236}">
-                <a16:creationId xmlns="" xmlns:a16="http://schemas.microsoft.com/office/drawing/2014/main" id="{83A9A14C-6396-4471-AEE2-D334F2CCAFE2}"/>
+                <a16:creationId xmlns:a16="http://schemas.microsoft.com/office/drawing/2014/main" id="{83A9A14C-6396-4471-AEE2-D334F2CCAFE2}"/>
               </a:ext>
             </a:extLst>
           </p:cNvPr>
@@ -31744,7 +31053,7 @@
           <p:cNvPr id="17" name="Picture 16" descr="simple2-t3-ext.lp - /home/marcy/NIST-toy/V3/">
             <a:extLst>
               <a:ext uri="{FF2B5EF4-FFF2-40B4-BE49-F238E27FC236}">
-                <a16:creationId xmlns="" xmlns:a16="http://schemas.microsoft.com/office/drawing/2014/main" id="{5287CB41-B350-47BA-939A-A244F172472F}"/>
+                <a16:creationId xmlns:a16="http://schemas.microsoft.com/office/drawing/2014/main" id="{5287CB41-B350-47BA-939A-A244F172472F}"/>
               </a:ext>
             </a:extLst>
           </p:cNvPr>
@@ -31795,7 +31104,7 @@
               <p:cNvPr id="19" name="TextBox 18">
                 <a:extLst>
                   <a:ext uri="{FF2B5EF4-FFF2-40B4-BE49-F238E27FC236}">
-                    <a16:creationId xmlns="" xmlns:a16="http://schemas.microsoft.com/office/drawing/2014/main" id="{9C294D42-9D38-41B1-A810-7CC36257E1D9}"/>
+                    <a16:creationId xmlns:a16="http://schemas.microsoft.com/office/drawing/2014/main" id="{9C294D42-9D38-41B1-A810-7CC36257E1D9}"/>
                   </a:ext>
                 </a:extLst>
               </p:cNvPr>
@@ -31962,7 +31271,7 @@
           <p:cNvPr id="20" name="TextBox 19">
             <a:extLst>
               <a:ext uri="{FF2B5EF4-FFF2-40B4-BE49-F238E27FC236}">
-                <a16:creationId xmlns="" xmlns:a16="http://schemas.microsoft.com/office/drawing/2014/main" id="{56B051A7-FDDB-4553-80B7-039E33BBA235}"/>
+                <a16:creationId xmlns:a16="http://schemas.microsoft.com/office/drawing/2014/main" id="{56B051A7-FDDB-4553-80B7-039E33BBA235}"/>
               </a:ext>
             </a:extLst>
           </p:cNvPr>
@@ -31997,7 +31306,7 @@
           <p:cNvPr id="23" name="Picture 22" descr="simple1-t3.lp - /home/marcy/NIST-toy/V3/">
             <a:extLst>
               <a:ext uri="{FF2B5EF4-FFF2-40B4-BE49-F238E27FC236}">
-                <a16:creationId xmlns="" xmlns:a16="http://schemas.microsoft.com/office/drawing/2014/main" id="{2819ADF2-252A-4851-8654-ADE255BEFF37}"/>
+                <a16:creationId xmlns:a16="http://schemas.microsoft.com/office/drawing/2014/main" id="{2819ADF2-252A-4851-8654-ADE255BEFF37}"/>
               </a:ext>
             </a:extLst>
           </p:cNvPr>
@@ -32046,7 +31355,7 @@
           <p:cNvPr id="24" name="Arrow: Down 23">
             <a:extLst>
               <a:ext uri="{FF2B5EF4-FFF2-40B4-BE49-F238E27FC236}">
-                <a16:creationId xmlns="" xmlns:a16="http://schemas.microsoft.com/office/drawing/2014/main" id="{0A5593AB-185A-412F-8053-58DBA802115F}"/>
+                <a16:creationId xmlns:a16="http://schemas.microsoft.com/office/drawing/2014/main" id="{0A5593AB-185A-412F-8053-58DBA802115F}"/>
               </a:ext>
             </a:extLst>
           </p:cNvPr>
@@ -32097,7 +31406,7 @@
           <p:cNvPr id="25" name="Arrow: Down 24">
             <a:extLst>
               <a:ext uri="{FF2B5EF4-FFF2-40B4-BE49-F238E27FC236}">
-                <a16:creationId xmlns="" xmlns:a16="http://schemas.microsoft.com/office/drawing/2014/main" id="{BF5BF58C-3FFF-4E9E-A421-F1BA9C0139EA}"/>
+                <a16:creationId xmlns:a16="http://schemas.microsoft.com/office/drawing/2014/main" id="{BF5BF58C-3FFF-4E9E-A421-F1BA9C0139EA}"/>
               </a:ext>
             </a:extLst>
           </p:cNvPr>
@@ -32150,7 +31459,7 @@
               <p:cNvPr id="26" name="TextBox 25">
                 <a:extLst>
                   <a:ext uri="{FF2B5EF4-FFF2-40B4-BE49-F238E27FC236}">
-                    <a16:creationId xmlns="" xmlns:a16="http://schemas.microsoft.com/office/drawing/2014/main" id="{7399C508-82D9-4025-AA67-DCEC0B8167DE}"/>
+                    <a16:creationId xmlns:a16="http://schemas.microsoft.com/office/drawing/2014/main" id="{7399C508-82D9-4025-AA67-DCEC0B8167DE}"/>
                   </a:ext>
                 </a:extLst>
               </p:cNvPr>
@@ -32312,7 +31621,7 @@
           <p:cNvPr id="2" name="Title 1">
             <a:extLst>
               <a:ext uri="{FF2B5EF4-FFF2-40B4-BE49-F238E27FC236}">
-                <a16:creationId xmlns="" xmlns:a16="http://schemas.microsoft.com/office/drawing/2014/main" id="{3F02507A-81F0-4726-994C-DD873DA7C1EF}"/>
+                <a16:creationId xmlns:a16="http://schemas.microsoft.com/office/drawing/2014/main" id="{3F02507A-81F0-4726-994C-DD873DA7C1EF}"/>
               </a:ext>
             </a:extLst>
           </p:cNvPr>
@@ -32340,7 +31649,7 @@
           <p:cNvPr id="3" name="Content Placeholder 2">
             <a:extLst>
               <a:ext uri="{FF2B5EF4-FFF2-40B4-BE49-F238E27FC236}">
-                <a16:creationId xmlns="" xmlns:a16="http://schemas.microsoft.com/office/drawing/2014/main" id="{83A9A14C-6396-4471-AEE2-D334F2CCAFE2}"/>
+                <a16:creationId xmlns:a16="http://schemas.microsoft.com/office/drawing/2014/main" id="{83A9A14C-6396-4471-AEE2-D334F2CCAFE2}"/>
               </a:ext>
             </a:extLst>
           </p:cNvPr>
@@ -32477,7 +31786,7 @@
           <p:cNvPr id="4" name="TextBox 3">
             <a:extLst>
               <a:ext uri="{FF2B5EF4-FFF2-40B4-BE49-F238E27FC236}">
-                <a16:creationId xmlns="" xmlns:a16="http://schemas.microsoft.com/office/drawing/2014/main" id="{302C1BC0-F735-45F5-8014-C5A3E26FE0D5}"/>
+                <a16:creationId xmlns:a16="http://schemas.microsoft.com/office/drawing/2014/main" id="{302C1BC0-F735-45F5-8014-C5A3E26FE0D5}"/>
               </a:ext>
             </a:extLst>
           </p:cNvPr>
@@ -32512,7 +31821,7 @@
           <p:cNvPr id="7" name="Connector: Elbow 6">
             <a:extLst>
               <a:ext uri="{FF2B5EF4-FFF2-40B4-BE49-F238E27FC236}">
-                <a16:creationId xmlns="" xmlns:a16="http://schemas.microsoft.com/office/drawing/2014/main" id="{DC1498CF-9B41-4410-B907-24E25A8C6011}"/>
+                <a16:creationId xmlns:a16="http://schemas.microsoft.com/office/drawing/2014/main" id="{DC1498CF-9B41-4410-B907-24E25A8C6011}"/>
               </a:ext>
             </a:extLst>
           </p:cNvPr>
@@ -32556,7 +31865,7 @@
           <p:cNvPr id="6" name="Picture 5" descr="coSAT LIVE 1000">
             <a:extLst>
               <a:ext uri="{FF2B5EF4-FFF2-40B4-BE49-F238E27FC236}">
-                <a16:creationId xmlns="" xmlns:a16="http://schemas.microsoft.com/office/drawing/2014/main" id="{D4923C96-9EFB-49AF-B510-E3492228C68F}"/>
+                <a16:creationId xmlns:a16="http://schemas.microsoft.com/office/drawing/2014/main" id="{D4923C96-9EFB-49AF-B510-E3492228C68F}"/>
               </a:ext>
             </a:extLst>
           </p:cNvPr>
@@ -32605,7 +31914,7 @@
           <p:cNvPr id="17" name="Picture 16" descr="coSAT LIVE 1000">
             <a:extLst>
               <a:ext uri="{FF2B5EF4-FFF2-40B4-BE49-F238E27FC236}">
-                <a16:creationId xmlns="" xmlns:a16="http://schemas.microsoft.com/office/drawing/2014/main" id="{DFD3E18E-90D1-4913-8F1A-21D96A387934}"/>
+                <a16:creationId xmlns:a16="http://schemas.microsoft.com/office/drawing/2014/main" id="{DFD3E18E-90D1-4913-8F1A-21D96A387934}"/>
               </a:ext>
             </a:extLst>
           </p:cNvPr>
@@ -32654,7 +31963,7 @@
           <p:cNvPr id="19" name="Picture 18" descr="coSAT LIVE 1000">
             <a:extLst>
               <a:ext uri="{FF2B5EF4-FFF2-40B4-BE49-F238E27FC236}">
-                <a16:creationId xmlns="" xmlns:a16="http://schemas.microsoft.com/office/drawing/2014/main" id="{538CF322-AC63-471B-A8A9-1251F77F6859}"/>
+                <a16:creationId xmlns:a16="http://schemas.microsoft.com/office/drawing/2014/main" id="{538CF322-AC63-471B-A8A9-1251F77F6859}"/>
               </a:ext>
             </a:extLst>
           </p:cNvPr>
@@ -32703,7 +32012,7 @@
           <p:cNvPr id="18" name="TextBox 17">
             <a:extLst>
               <a:ext uri="{FF2B5EF4-FFF2-40B4-BE49-F238E27FC236}">
-                <a16:creationId xmlns="" xmlns:a16="http://schemas.microsoft.com/office/drawing/2014/main" id="{E839EED3-4494-4818-9576-3789E5B4AE8C}"/>
+                <a16:creationId xmlns:a16="http://schemas.microsoft.com/office/drawing/2014/main" id="{E839EED3-4494-4818-9576-3789E5B4AE8C}"/>
               </a:ext>
             </a:extLst>
           </p:cNvPr>
@@ -32744,7 +32053,7 @@
           <p:cNvPr id="21" name="Connector: Elbow 20">
             <a:extLst>
               <a:ext uri="{FF2B5EF4-FFF2-40B4-BE49-F238E27FC236}">
-                <a16:creationId xmlns="" xmlns:a16="http://schemas.microsoft.com/office/drawing/2014/main" id="{64C9570D-BC7B-4FC7-BC08-80786A336214}"/>
+                <a16:creationId xmlns:a16="http://schemas.microsoft.com/office/drawing/2014/main" id="{64C9570D-BC7B-4FC7-BC08-80786A336214}"/>
               </a:ext>
             </a:extLst>
           </p:cNvPr>
@@ -32830,17 +32139,16 @@
           <a:p>
             <a:pPr algn="ctr"/>
             <a:r>
-              <a:rPr lang="en-US" dirty="0" smtClean="0"/>
+              <a:rPr lang="en-US" dirty="0"/>
               <a:t>Example 2</a:t>
             </a:r>
             <a:br>
-              <a:rPr lang="en-US" dirty="0" smtClean="0"/>
+              <a:rPr lang="en-US" dirty="0"/>
             </a:br>
             <a:r>
-              <a:rPr lang="en-US" b="1" dirty="0" smtClean="0"/>
+              <a:rPr lang="en-US" b="1" dirty="0"/>
               <a:t>Self-Driving Car (1)</a:t>
             </a:r>
-            <a:endParaRPr lang="en-US" b="1" dirty="0"/>
           </a:p>
         </p:txBody>
       </p:sp>
@@ -32898,7 +32206,7 @@
           <p:cNvPr id="2" name="Title 1">
             <a:extLst>
               <a:ext uri="{FF2B5EF4-FFF2-40B4-BE49-F238E27FC236}">
-                <a16:creationId xmlns="" xmlns:a16="http://schemas.microsoft.com/office/drawing/2014/main" id="{3F02507A-81F0-4726-994C-DD873DA7C1EF}"/>
+                <a16:creationId xmlns:a16="http://schemas.microsoft.com/office/drawing/2014/main" id="{3F02507A-81F0-4726-994C-DD873DA7C1EF}"/>
               </a:ext>
             </a:extLst>
           </p:cNvPr>
@@ -32926,7 +32234,7 @@
           <p:cNvPr id="3" name="Content Placeholder 2">
             <a:extLst>
               <a:ext uri="{FF2B5EF4-FFF2-40B4-BE49-F238E27FC236}">
-                <a16:creationId xmlns="" xmlns:a16="http://schemas.microsoft.com/office/drawing/2014/main" id="{83A9A14C-6396-4471-AEE2-D334F2CCAFE2}"/>
+                <a16:creationId xmlns:a16="http://schemas.microsoft.com/office/drawing/2014/main" id="{83A9A14C-6396-4471-AEE2-D334F2CCAFE2}"/>
               </a:ext>
             </a:extLst>
           </p:cNvPr>
@@ -32949,13 +32257,8 @@
             </a:pPr>
             <a:r>
               <a:rPr lang="en-US" i="1" dirty="0"/>
-              <a:t>A self-driving car uses SAM and camera for automated </a:t>
+              <a:t>A self-driving car uses SAM and camera for automated driving</a:t>
             </a:r>
-            <a:r>
-              <a:rPr lang="en-US" i="1" dirty="0" smtClean="0"/>
-              <a:t>driving</a:t>
-            </a:r>
-            <a:endParaRPr lang="en-US" i="1" dirty="0"/>
           </a:p>
           <a:p>
             <a:pPr marL="0" indent="0">
@@ -33029,7 +32332,7 @@
           <p:cNvPr id="19" name="Group 18">
             <a:extLst>
               <a:ext uri="{FF2B5EF4-FFF2-40B4-BE49-F238E27FC236}">
-                <a16:creationId xmlns="" xmlns:a16="http://schemas.microsoft.com/office/drawing/2014/main" id="{8A41E3AF-A1A2-465A-8C7E-B536F28B241F}"/>
+                <a16:creationId xmlns:a16="http://schemas.microsoft.com/office/drawing/2014/main" id="{8A41E3AF-A1A2-465A-8C7E-B536F28B241F}"/>
               </a:ext>
             </a:extLst>
           </p:cNvPr>
@@ -33049,7 +32352,7 @@
             <p:cNvPr id="14" name="Picture 13">
               <a:extLst>
                 <a:ext uri="{FF2B5EF4-FFF2-40B4-BE49-F238E27FC236}">
-                  <a16:creationId xmlns="" xmlns:a16="http://schemas.microsoft.com/office/drawing/2014/main" id="{A2CB0B16-A194-4C1F-9753-856871141307}"/>
+                  <a16:creationId xmlns:a16="http://schemas.microsoft.com/office/drawing/2014/main" id="{A2CB0B16-A194-4C1F-9753-856871141307}"/>
                 </a:ext>
               </a:extLst>
             </p:cNvPr>
@@ -33079,7 +32382,7 @@
             <p:cNvPr id="16" name="Oval 15">
               <a:extLst>
                 <a:ext uri="{FF2B5EF4-FFF2-40B4-BE49-F238E27FC236}">
-                  <a16:creationId xmlns="" xmlns:a16="http://schemas.microsoft.com/office/drawing/2014/main" id="{37FC6C42-4F55-4134-BE03-56A36DE31F45}"/>
+                  <a16:creationId xmlns:a16="http://schemas.microsoft.com/office/drawing/2014/main" id="{37FC6C42-4F55-4134-BE03-56A36DE31F45}"/>
                 </a:ext>
               </a:extLst>
             </p:cNvPr>
@@ -33163,7 +32466,7 @@
             <p:cNvPr id="18" name="Straight Arrow Connector 17">
               <a:extLst>
                 <a:ext uri="{FF2B5EF4-FFF2-40B4-BE49-F238E27FC236}">
-                  <a16:creationId xmlns="" xmlns:a16="http://schemas.microsoft.com/office/drawing/2014/main" id="{EBC0AF25-A2E2-4745-BEBD-3BC26642DC05}"/>
+                  <a16:creationId xmlns:a16="http://schemas.microsoft.com/office/drawing/2014/main" id="{EBC0AF25-A2E2-4745-BEBD-3BC26642DC05}"/>
                 </a:ext>
               </a:extLst>
             </p:cNvPr>
@@ -33239,7 +32542,7 @@
           <p:cNvPr id="2" name="Title 1">
             <a:extLst>
               <a:ext uri="{FF2B5EF4-FFF2-40B4-BE49-F238E27FC236}">
-                <a16:creationId xmlns="" xmlns:a16="http://schemas.microsoft.com/office/drawing/2014/main" id="{3F02507A-81F0-4726-994C-DD873DA7C1EF}"/>
+                <a16:creationId xmlns:a16="http://schemas.microsoft.com/office/drawing/2014/main" id="{3F02507A-81F0-4726-994C-DD873DA7C1EF}"/>
               </a:ext>
             </a:extLst>
           </p:cNvPr>
@@ -33267,7 +32570,7 @@
           <p:cNvPr id="3" name="Content Placeholder 2">
             <a:extLst>
               <a:ext uri="{FF2B5EF4-FFF2-40B4-BE49-F238E27FC236}">
-                <a16:creationId xmlns="" xmlns:a16="http://schemas.microsoft.com/office/drawing/2014/main" id="{83A9A14C-6396-4471-AEE2-D334F2CCAFE2}"/>
+                <a16:creationId xmlns:a16="http://schemas.microsoft.com/office/drawing/2014/main" id="{83A9A14C-6396-4471-AEE2-D334F2CCAFE2}"/>
               </a:ext>
             </a:extLst>
           </p:cNvPr>
@@ -33404,7 +32707,7 @@
           <p:cNvPr id="7" name="Picture 6" descr="coSAT LIVE 1000">
             <a:extLst>
               <a:ext uri="{FF2B5EF4-FFF2-40B4-BE49-F238E27FC236}">
-                <a16:creationId xmlns="" xmlns:a16="http://schemas.microsoft.com/office/drawing/2014/main" id="{6513D701-3B27-4D18-91E4-72BAD04D80CD}"/>
+                <a16:creationId xmlns:a16="http://schemas.microsoft.com/office/drawing/2014/main" id="{6513D701-3B27-4D18-91E4-72BAD04D80CD}"/>
               </a:ext>
             </a:extLst>
           </p:cNvPr>
@@ -33453,7 +32756,7 @@
           <p:cNvPr id="8" name="Picture 7" descr="coSAT LIVE 1000">
             <a:extLst>
               <a:ext uri="{FF2B5EF4-FFF2-40B4-BE49-F238E27FC236}">
-                <a16:creationId xmlns="" xmlns:a16="http://schemas.microsoft.com/office/drawing/2014/main" id="{F3D1A979-CBE6-456A-A7CF-81E7C4C90946}"/>
+                <a16:creationId xmlns:a16="http://schemas.microsoft.com/office/drawing/2014/main" id="{F3D1A979-CBE6-456A-A7CF-81E7C4C90946}"/>
               </a:ext>
             </a:extLst>
           </p:cNvPr>
@@ -33502,7 +32805,7 @@
           <p:cNvPr id="6" name="Picture 5" descr="coSAT LIVE 1000">
             <a:extLst>
               <a:ext uri="{FF2B5EF4-FFF2-40B4-BE49-F238E27FC236}">
-                <a16:creationId xmlns="" xmlns:a16="http://schemas.microsoft.com/office/drawing/2014/main" id="{39AFC55B-F21C-4950-B79A-C376FF45EFB6}"/>
+                <a16:creationId xmlns:a16="http://schemas.microsoft.com/office/drawing/2014/main" id="{39AFC55B-F21C-4950-B79A-C376FF45EFB6}"/>
               </a:ext>
             </a:extLst>
           </p:cNvPr>
@@ -33551,7 +32854,7 @@
           <p:cNvPr id="16" name="TextBox 15">
             <a:extLst>
               <a:ext uri="{FF2B5EF4-FFF2-40B4-BE49-F238E27FC236}">
-                <a16:creationId xmlns="" xmlns:a16="http://schemas.microsoft.com/office/drawing/2014/main" id="{2A627848-A3AF-4660-8B7E-B2A9CBAE297B}"/>
+                <a16:creationId xmlns:a16="http://schemas.microsoft.com/office/drawing/2014/main" id="{2A627848-A3AF-4660-8B7E-B2A9CBAE297B}"/>
               </a:ext>
             </a:extLst>
           </p:cNvPr>
@@ -33586,7 +32889,7 @@
           <p:cNvPr id="17" name="Connector: Elbow 16">
             <a:extLst>
               <a:ext uri="{FF2B5EF4-FFF2-40B4-BE49-F238E27FC236}">
-                <a16:creationId xmlns="" xmlns:a16="http://schemas.microsoft.com/office/drawing/2014/main" id="{AC8B18A7-E622-44C6-B531-3DD90AFA8ABD}"/>
+                <a16:creationId xmlns:a16="http://schemas.microsoft.com/office/drawing/2014/main" id="{AC8B18A7-E622-44C6-B531-3DD90AFA8ABD}"/>
               </a:ext>
             </a:extLst>
           </p:cNvPr>
@@ -33628,7 +32931,7 @@
           <p:cNvPr id="14" name="Picture 13" descr="coSAT LIVE 1000">
             <a:extLst>
               <a:ext uri="{FF2B5EF4-FFF2-40B4-BE49-F238E27FC236}">
-                <a16:creationId xmlns="" xmlns:a16="http://schemas.microsoft.com/office/drawing/2014/main" id="{8DB238D4-BC1D-4B92-8331-B35013BD18B3}"/>
+                <a16:creationId xmlns:a16="http://schemas.microsoft.com/office/drawing/2014/main" id="{8DB238D4-BC1D-4B92-8331-B35013BD18B3}"/>
               </a:ext>
             </a:extLst>
           </p:cNvPr>
@@ -33677,7 +32980,7 @@
           <p:cNvPr id="18" name="Picture 17" descr="simple2-t2.lp - /home/marcy/NIST-demo-v1/V3/">
             <a:extLst>
               <a:ext uri="{FF2B5EF4-FFF2-40B4-BE49-F238E27FC236}">
-                <a16:creationId xmlns="" xmlns:a16="http://schemas.microsoft.com/office/drawing/2014/main" id="{03C2E6B0-05B2-4013-8556-4EF18FE2626A}"/>
+                <a16:creationId xmlns:a16="http://schemas.microsoft.com/office/drawing/2014/main" id="{03C2E6B0-05B2-4013-8556-4EF18FE2626A}"/>
               </a:ext>
             </a:extLst>
           </p:cNvPr>
@@ -33726,7 +33029,7 @@
           <p:cNvPr id="19" name="TextBox 18">
             <a:extLst>
               <a:ext uri="{FF2B5EF4-FFF2-40B4-BE49-F238E27FC236}">
-                <a16:creationId xmlns="" xmlns:a16="http://schemas.microsoft.com/office/drawing/2014/main" id="{34D9FF63-CBBE-48D1-8776-F39D2AB2F2A2}"/>
+                <a16:creationId xmlns:a16="http://schemas.microsoft.com/office/drawing/2014/main" id="{34D9FF63-CBBE-48D1-8776-F39D2AB2F2A2}"/>
               </a:ext>
             </a:extLst>
           </p:cNvPr>
@@ -33761,7 +33064,7 @@
           <p:cNvPr id="20" name="Picture 19" descr="simple1-t2.lp - /home/marcy/NIST-toy/V3/">
             <a:extLst>
               <a:ext uri="{FF2B5EF4-FFF2-40B4-BE49-F238E27FC236}">
-                <a16:creationId xmlns="" xmlns:a16="http://schemas.microsoft.com/office/drawing/2014/main" id="{12CBF4DC-EE68-4AAE-9E76-18A4D4F7DC47}"/>
+                <a16:creationId xmlns:a16="http://schemas.microsoft.com/office/drawing/2014/main" id="{12CBF4DC-EE68-4AAE-9E76-18A4D4F7DC47}"/>
               </a:ext>
             </a:extLst>
           </p:cNvPr>
@@ -33852,17 +33155,16 @@
           <a:p>
             <a:pPr algn="ctr"/>
             <a:r>
-              <a:rPr lang="en-US" dirty="0" smtClean="0"/>
+              <a:rPr lang="en-US" dirty="0"/>
               <a:t>Example 3</a:t>
             </a:r>
             <a:br>
-              <a:rPr lang="en-US" dirty="0" smtClean="0"/>
+              <a:rPr lang="en-US" dirty="0"/>
             </a:br>
             <a:r>
-              <a:rPr lang="en-US" b="1" dirty="0" smtClean="0"/>
+              <a:rPr lang="en-US" b="1" dirty="0"/>
               <a:t>Self-Driving Car (2)</a:t>
             </a:r>
-            <a:endParaRPr lang="en-US" b="1" dirty="0"/>
           </a:p>
         </p:txBody>
       </p:sp>
@@ -33920,7 +33222,7 @@
           <p:cNvPr id="2" name="Title 1">
             <a:extLst>
               <a:ext uri="{FF2B5EF4-FFF2-40B4-BE49-F238E27FC236}">
-                <a16:creationId xmlns="" xmlns:a16="http://schemas.microsoft.com/office/drawing/2014/main" id="{3F02507A-81F0-4726-994C-DD873DA7C1EF}"/>
+                <a16:creationId xmlns:a16="http://schemas.microsoft.com/office/drawing/2014/main" id="{3F02507A-81F0-4726-994C-DD873DA7C1EF}"/>
               </a:ext>
             </a:extLst>
           </p:cNvPr>
@@ -33938,15 +33240,7 @@
           <a:p>
             <a:r>
               <a:rPr lang="en-US" b="1" dirty="0"/>
-              <a:t>Example </a:t>
-            </a:r>
-            <a:r>
-              <a:rPr lang="en-US" b="1" dirty="0" smtClean="0"/>
-              <a:t>3: </a:t>
-            </a:r>
-            <a:r>
-              <a:rPr lang="en-US" b="1" dirty="0"/>
-              <a:t>Self-Driving Car (2)</a:t>
+              <a:t>Example 3: Self-Driving Car (2)</a:t>
             </a:r>
           </a:p>
         </p:txBody>
@@ -33956,7 +33250,7 @@
           <p:cNvPr id="3" name="Content Placeholder 2">
             <a:extLst>
               <a:ext uri="{FF2B5EF4-FFF2-40B4-BE49-F238E27FC236}">
-                <a16:creationId xmlns="" xmlns:a16="http://schemas.microsoft.com/office/drawing/2014/main" id="{83A9A14C-6396-4471-AEE2-D334F2CCAFE2}"/>
+                <a16:creationId xmlns:a16="http://schemas.microsoft.com/office/drawing/2014/main" id="{83A9A14C-6396-4471-AEE2-D334F2CCAFE2}"/>
               </a:ext>
             </a:extLst>
           </p:cNvPr>
@@ -33979,13 +33273,8 @@
             </a:pPr>
             <a:r>
               <a:rPr lang="en-US" i="1" dirty="0"/>
-              <a:t>A self-driving car uses SAM and sensors for automated </a:t>
+              <a:t>A self-driving car uses SAM and sensors for automated driving</a:t>
             </a:r>
-            <a:r>
-              <a:rPr lang="en-US" i="1" dirty="0" smtClean="0"/>
-              <a:t>driving</a:t>
-            </a:r>
-            <a:endParaRPr lang="en-US" i="1" dirty="0"/>
           </a:p>
           <a:p>
             <a:pPr marL="0" indent="0">
@@ -34092,7 +33381,7 @@
           <p:cNvPr id="2" name="Title 1">
             <a:extLst>
               <a:ext uri="{FF2B5EF4-FFF2-40B4-BE49-F238E27FC236}">
-                <a16:creationId xmlns="" xmlns:a16="http://schemas.microsoft.com/office/drawing/2014/main" id="{3F02507A-81F0-4726-994C-DD873DA7C1EF}"/>
+                <a16:creationId xmlns:a16="http://schemas.microsoft.com/office/drawing/2014/main" id="{3F02507A-81F0-4726-994C-DD873DA7C1EF}"/>
               </a:ext>
             </a:extLst>
           </p:cNvPr>
@@ -34120,7 +33409,7 @@
           <p:cNvPr id="3" name="Content Placeholder 2">
             <a:extLst>
               <a:ext uri="{FF2B5EF4-FFF2-40B4-BE49-F238E27FC236}">
-                <a16:creationId xmlns="" xmlns:a16="http://schemas.microsoft.com/office/drawing/2014/main" id="{83A9A14C-6396-4471-AEE2-D334F2CCAFE2}"/>
+                <a16:creationId xmlns:a16="http://schemas.microsoft.com/office/drawing/2014/main" id="{83A9A14C-6396-4471-AEE2-D334F2CCAFE2}"/>
               </a:ext>
             </a:extLst>
           </p:cNvPr>
@@ -34150,15 +33439,7 @@
             <a:pPr lvl="1"/>
             <a:r>
               <a:rPr lang="en-US" dirty="0"/>
-              <a:t>SAM and </a:t>
-            </a:r>
-            <a:r>
-              <a:rPr lang="en-US" dirty="0" smtClean="0"/>
-              <a:t>sensors use </a:t>
-            </a:r>
-            <a:r>
-              <a:rPr lang="en-US" dirty="0"/>
-              <a:t>encrypted memory and secure boot</a:t>
+              <a:t>SAM and sensors use encrypted memory and secure boot</a:t>
             </a:r>
           </a:p>
           <a:p>
@@ -34233,7 +33514,7 @@
           <p:cNvPr id="20" name="Picture 19" descr="coSAT LIVE 1000">
             <a:extLst>
               <a:ext uri="{FF2B5EF4-FFF2-40B4-BE49-F238E27FC236}">
-                <a16:creationId xmlns="" xmlns:a16="http://schemas.microsoft.com/office/drawing/2014/main" id="{FC7A2361-F1FD-4AB9-B71B-E2F1162CD61A}"/>
+                <a16:creationId xmlns:a16="http://schemas.microsoft.com/office/drawing/2014/main" id="{FC7A2361-F1FD-4AB9-B71B-E2F1162CD61A}"/>
               </a:ext>
             </a:extLst>
           </p:cNvPr>
@@ -34282,7 +33563,7 @@
           <p:cNvPr id="16" name="Picture 15" descr="coSAT LIVE 1000">
             <a:extLst>
               <a:ext uri="{FF2B5EF4-FFF2-40B4-BE49-F238E27FC236}">
-                <a16:creationId xmlns="" xmlns:a16="http://schemas.microsoft.com/office/drawing/2014/main" id="{F483C380-DBD8-49E5-9F1B-DFDC8389F407}"/>
+                <a16:creationId xmlns:a16="http://schemas.microsoft.com/office/drawing/2014/main" id="{F483C380-DBD8-49E5-9F1B-DFDC8389F407}"/>
               </a:ext>
             </a:extLst>
           </p:cNvPr>
@@ -34331,7 +33612,7 @@
           <p:cNvPr id="17" name="Picture 16" descr="coSAT LIVE 1000">
             <a:extLst>
               <a:ext uri="{FF2B5EF4-FFF2-40B4-BE49-F238E27FC236}">
-                <a16:creationId xmlns="" xmlns:a16="http://schemas.microsoft.com/office/drawing/2014/main" id="{B28451C8-3102-4E2E-BFA9-3E49B1267A03}"/>
+                <a16:creationId xmlns:a16="http://schemas.microsoft.com/office/drawing/2014/main" id="{B28451C8-3102-4E2E-BFA9-3E49B1267A03}"/>
               </a:ext>
             </a:extLst>
           </p:cNvPr>
@@ -34410,7 +33691,7 @@
           <p:cNvPr id="2" name="Title 1">
             <a:extLst>
               <a:ext uri="{FF2B5EF4-FFF2-40B4-BE49-F238E27FC236}">
-                <a16:creationId xmlns="" xmlns:a16="http://schemas.microsoft.com/office/drawing/2014/main" id="{3F02507A-81F0-4726-994C-DD873DA7C1EF}"/>
+                <a16:creationId xmlns:a16="http://schemas.microsoft.com/office/drawing/2014/main" id="{3F02507A-81F0-4726-994C-DD873DA7C1EF}"/>
               </a:ext>
             </a:extLst>
           </p:cNvPr>
@@ -34438,7 +33719,7 @@
           <p:cNvPr id="3" name="Content Placeholder 2">
             <a:extLst>
               <a:ext uri="{FF2B5EF4-FFF2-40B4-BE49-F238E27FC236}">
-                <a16:creationId xmlns="" xmlns:a16="http://schemas.microsoft.com/office/drawing/2014/main" id="{83A9A14C-6396-4471-AEE2-D334F2CCAFE2}"/>
+                <a16:creationId xmlns:a16="http://schemas.microsoft.com/office/drawing/2014/main" id="{83A9A14C-6396-4471-AEE2-D334F2CCAFE2}"/>
               </a:ext>
             </a:extLst>
           </p:cNvPr>
@@ -34468,15 +33749,7 @@
             <a:pPr lvl="1"/>
             <a:r>
               <a:rPr lang="en-US" dirty="0"/>
-              <a:t>SAM and </a:t>
-            </a:r>
-            <a:r>
-              <a:rPr lang="en-US" dirty="0" smtClean="0"/>
-              <a:t>sensors use </a:t>
-            </a:r>
-            <a:r>
-              <a:rPr lang="en-US" dirty="0"/>
-              <a:t>encrypted memory and secure boot</a:t>
+              <a:t>SAM and sensors use encrypted memory and secure boot</a:t>
             </a:r>
           </a:p>
           <a:p>
@@ -34592,7 +33865,7 @@
           <p:cNvPr id="7" name="Picture 6" descr="coSAT LIVE 1000">
             <a:extLst>
               <a:ext uri="{FF2B5EF4-FFF2-40B4-BE49-F238E27FC236}">
-                <a16:creationId xmlns="" xmlns:a16="http://schemas.microsoft.com/office/drawing/2014/main" id="{6513D701-3B27-4D18-91E4-72BAD04D80CD}"/>
+                <a16:creationId xmlns:a16="http://schemas.microsoft.com/office/drawing/2014/main" id="{6513D701-3B27-4D18-91E4-72BAD04D80CD}"/>
               </a:ext>
             </a:extLst>
           </p:cNvPr>
@@ -34641,7 +33914,7 @@
           <p:cNvPr id="8" name="Picture 7" descr="coSAT LIVE 1000">
             <a:extLst>
               <a:ext uri="{FF2B5EF4-FFF2-40B4-BE49-F238E27FC236}">
-                <a16:creationId xmlns="" xmlns:a16="http://schemas.microsoft.com/office/drawing/2014/main" id="{F3D1A979-CBE6-456A-A7CF-81E7C4C90946}"/>
+                <a16:creationId xmlns:a16="http://schemas.microsoft.com/office/drawing/2014/main" id="{F3D1A979-CBE6-456A-A7CF-81E7C4C90946}"/>
               </a:ext>
             </a:extLst>
           </p:cNvPr>
@@ -34690,7 +33963,7 @@
           <p:cNvPr id="6" name="Picture 5" descr="coSAT LIVE 1000">
             <a:extLst>
               <a:ext uri="{FF2B5EF4-FFF2-40B4-BE49-F238E27FC236}">
-                <a16:creationId xmlns="" xmlns:a16="http://schemas.microsoft.com/office/drawing/2014/main" id="{39AFC55B-F21C-4950-B79A-C376FF45EFB6}"/>
+                <a16:creationId xmlns:a16="http://schemas.microsoft.com/office/drawing/2014/main" id="{39AFC55B-F21C-4950-B79A-C376FF45EFB6}"/>
               </a:ext>
             </a:extLst>
           </p:cNvPr>
@@ -34739,7 +34012,7 @@
           <p:cNvPr id="15" name="Picture 14" descr="simple2-t2.lp - /home/marcy/NIST-toy/V3/">
             <a:extLst>
               <a:ext uri="{FF2B5EF4-FFF2-40B4-BE49-F238E27FC236}">
-                <a16:creationId xmlns="" xmlns:a16="http://schemas.microsoft.com/office/drawing/2014/main" id="{8300FE97-B564-4251-85A4-E0454CC37F3D}"/>
+                <a16:creationId xmlns:a16="http://schemas.microsoft.com/office/drawing/2014/main" id="{8300FE97-B564-4251-85A4-E0454CC37F3D}"/>
               </a:ext>
             </a:extLst>
           </p:cNvPr>
@@ -34788,7 +34061,7 @@
           <p:cNvPr id="5" name="Picture 4" descr="simple2-t2.lp - /home/marcy/NIST-demo-v1/V3/">
             <a:extLst>
               <a:ext uri="{FF2B5EF4-FFF2-40B4-BE49-F238E27FC236}">
-                <a16:creationId xmlns="" xmlns:a16="http://schemas.microsoft.com/office/drawing/2014/main" id="{03C2E6B0-05B2-4013-8556-4EF18FE2626A}"/>
+                <a16:creationId xmlns:a16="http://schemas.microsoft.com/office/drawing/2014/main" id="{03C2E6B0-05B2-4013-8556-4EF18FE2626A}"/>
               </a:ext>
             </a:extLst>
           </p:cNvPr>
@@ -34837,7 +34110,7 @@
           <p:cNvPr id="10" name="TextBox 9">
             <a:extLst>
               <a:ext uri="{FF2B5EF4-FFF2-40B4-BE49-F238E27FC236}">
-                <a16:creationId xmlns="" xmlns:a16="http://schemas.microsoft.com/office/drawing/2014/main" id="{34D9FF63-CBBE-48D1-8776-F39D2AB2F2A2}"/>
+                <a16:creationId xmlns:a16="http://schemas.microsoft.com/office/drawing/2014/main" id="{34D9FF63-CBBE-48D1-8776-F39D2AB2F2A2}"/>
               </a:ext>
             </a:extLst>
           </p:cNvPr>
@@ -34902,7 +34175,7 @@
           <p:cNvPr id="2" name="Title 1">
             <a:extLst>
               <a:ext uri="{FF2B5EF4-FFF2-40B4-BE49-F238E27FC236}">
-                <a16:creationId xmlns="" xmlns:a16="http://schemas.microsoft.com/office/drawing/2014/main" id="{3F02507A-81F0-4726-994C-DD873DA7C1EF}"/>
+                <a16:creationId xmlns:a16="http://schemas.microsoft.com/office/drawing/2014/main" id="{3F02507A-81F0-4726-994C-DD873DA7C1EF}"/>
               </a:ext>
             </a:extLst>
           </p:cNvPr>
@@ -34930,7 +34203,7 @@
           <p:cNvPr id="3" name="Content Placeholder 2">
             <a:extLst>
               <a:ext uri="{FF2B5EF4-FFF2-40B4-BE49-F238E27FC236}">
-                <a16:creationId xmlns="" xmlns:a16="http://schemas.microsoft.com/office/drawing/2014/main" id="{83A9A14C-6396-4471-AEE2-D334F2CCAFE2}"/>
+                <a16:creationId xmlns:a16="http://schemas.microsoft.com/office/drawing/2014/main" id="{83A9A14C-6396-4471-AEE2-D334F2CCAFE2}"/>
               </a:ext>
             </a:extLst>
           </p:cNvPr>
@@ -34960,15 +34233,7 @@
             <a:pPr lvl="1"/>
             <a:r>
               <a:rPr lang="en-US" dirty="0"/>
-              <a:t>SAM and </a:t>
-            </a:r>
-            <a:r>
-              <a:rPr lang="en-US" dirty="0" smtClean="0"/>
-              <a:t>sensors use </a:t>
-            </a:r>
-            <a:r>
-              <a:rPr lang="en-US" dirty="0"/>
-              <a:t>encrypted memory and secure boot</a:t>
+              <a:t>SAM and sensors use encrypted memory and secure boot</a:t>
             </a:r>
           </a:p>
           <a:p>
@@ -35075,7 +34340,7 @@
           <p:cNvPr id="7" name="Picture 6" descr="coSAT LIVE 1000">
             <a:extLst>
               <a:ext uri="{FF2B5EF4-FFF2-40B4-BE49-F238E27FC236}">
-                <a16:creationId xmlns="" xmlns:a16="http://schemas.microsoft.com/office/drawing/2014/main" id="{6513D701-3B27-4D18-91E4-72BAD04D80CD}"/>
+                <a16:creationId xmlns:a16="http://schemas.microsoft.com/office/drawing/2014/main" id="{6513D701-3B27-4D18-91E4-72BAD04D80CD}"/>
               </a:ext>
             </a:extLst>
           </p:cNvPr>
@@ -35124,7 +34389,7 @@
           <p:cNvPr id="8" name="Picture 7" descr="coSAT LIVE 1000">
             <a:extLst>
               <a:ext uri="{FF2B5EF4-FFF2-40B4-BE49-F238E27FC236}">
-                <a16:creationId xmlns="" xmlns:a16="http://schemas.microsoft.com/office/drawing/2014/main" id="{F3D1A979-CBE6-456A-A7CF-81E7C4C90946}"/>
+                <a16:creationId xmlns:a16="http://schemas.microsoft.com/office/drawing/2014/main" id="{F3D1A979-CBE6-456A-A7CF-81E7C4C90946}"/>
               </a:ext>
             </a:extLst>
           </p:cNvPr>
@@ -35173,7 +34438,7 @@
           <p:cNvPr id="6" name="Picture 5" descr="coSAT LIVE 1000">
             <a:extLst>
               <a:ext uri="{FF2B5EF4-FFF2-40B4-BE49-F238E27FC236}">
-                <a16:creationId xmlns="" xmlns:a16="http://schemas.microsoft.com/office/drawing/2014/main" id="{39AFC55B-F21C-4950-B79A-C376FF45EFB6}"/>
+                <a16:creationId xmlns:a16="http://schemas.microsoft.com/office/drawing/2014/main" id="{39AFC55B-F21C-4950-B79A-C376FF45EFB6}"/>
               </a:ext>
             </a:extLst>
           </p:cNvPr>
@@ -35222,7 +34487,7 @@
           <p:cNvPr id="15" name="Picture 14" descr="simple2-t2.lp - /home/marcy/NIST-toy/V3/">
             <a:extLst>
               <a:ext uri="{FF2B5EF4-FFF2-40B4-BE49-F238E27FC236}">
-                <a16:creationId xmlns="" xmlns:a16="http://schemas.microsoft.com/office/drawing/2014/main" id="{8300FE97-B564-4251-85A4-E0454CC37F3D}"/>
+                <a16:creationId xmlns:a16="http://schemas.microsoft.com/office/drawing/2014/main" id="{8300FE97-B564-4251-85A4-E0454CC37F3D}"/>
               </a:ext>
             </a:extLst>
           </p:cNvPr>
@@ -35271,7 +34536,7 @@
           <p:cNvPr id="9" name="Picture 8" descr="simple2-t3-ext.lp - /home/marcy/NIST-toy/V3/">
             <a:extLst>
               <a:ext uri="{FF2B5EF4-FFF2-40B4-BE49-F238E27FC236}">
-                <a16:creationId xmlns="" xmlns:a16="http://schemas.microsoft.com/office/drawing/2014/main" id="{70639F55-D0E1-4DD4-8997-A3BFB3288C48}"/>
+                <a16:creationId xmlns:a16="http://schemas.microsoft.com/office/drawing/2014/main" id="{70639F55-D0E1-4DD4-8997-A3BFB3288C48}"/>
               </a:ext>
             </a:extLst>
           </p:cNvPr>
@@ -35320,7 +34585,7 @@
           <p:cNvPr id="10" name="TextBox 9">
             <a:extLst>
               <a:ext uri="{FF2B5EF4-FFF2-40B4-BE49-F238E27FC236}">
-                <a16:creationId xmlns="" xmlns:a16="http://schemas.microsoft.com/office/drawing/2014/main" id="{A9C11642-E19E-424F-B5F9-175699C3BBBB}"/>
+                <a16:creationId xmlns:a16="http://schemas.microsoft.com/office/drawing/2014/main" id="{A9C11642-E19E-424F-B5F9-175699C3BBBB}"/>
               </a:ext>
             </a:extLst>
           </p:cNvPr>
@@ -35355,7 +34620,7 @@
           <p:cNvPr id="11" name="Picture 10" descr="simple1-t3.lp - /home/marcy/NIST-toy/V3/">
             <a:extLst>
               <a:ext uri="{FF2B5EF4-FFF2-40B4-BE49-F238E27FC236}">
-                <a16:creationId xmlns="" xmlns:a16="http://schemas.microsoft.com/office/drawing/2014/main" id="{51C6D327-AD67-4CDE-90A0-8305D5178FE8}"/>
+                <a16:creationId xmlns:a16="http://schemas.microsoft.com/office/drawing/2014/main" id="{51C6D327-AD67-4CDE-90A0-8305D5178FE8}"/>
               </a:ext>
             </a:extLst>
           </p:cNvPr>
@@ -35404,7 +34669,7 @@
           <p:cNvPr id="16" name="TextBox 15">
             <a:extLst>
               <a:ext uri="{FF2B5EF4-FFF2-40B4-BE49-F238E27FC236}">
-                <a16:creationId xmlns="" xmlns:a16="http://schemas.microsoft.com/office/drawing/2014/main" id="{2A627848-A3AF-4660-8B7E-B2A9CBAE297B}"/>
+                <a16:creationId xmlns:a16="http://schemas.microsoft.com/office/drawing/2014/main" id="{2A627848-A3AF-4660-8B7E-B2A9CBAE297B}"/>
               </a:ext>
             </a:extLst>
           </p:cNvPr>
@@ -35445,7 +34710,7 @@
           <p:cNvPr id="17" name="Connector: Elbow 16">
             <a:extLst>
               <a:ext uri="{FF2B5EF4-FFF2-40B4-BE49-F238E27FC236}">
-                <a16:creationId xmlns="" xmlns:a16="http://schemas.microsoft.com/office/drawing/2014/main" id="{AC8B18A7-E622-44C6-B531-3DD90AFA8ABD}"/>
+                <a16:creationId xmlns:a16="http://schemas.microsoft.com/office/drawing/2014/main" id="{AC8B18A7-E622-44C6-B531-3DD90AFA8ABD}"/>
               </a:ext>
             </a:extLst>
           </p:cNvPr>
@@ -35487,7 +34752,7 @@
           <p:cNvPr id="18" name="Picture 17" descr="coSAT LIVE 1000">
             <a:extLst>
               <a:ext uri="{FF2B5EF4-FFF2-40B4-BE49-F238E27FC236}">
-                <a16:creationId xmlns="" xmlns:a16="http://schemas.microsoft.com/office/drawing/2014/main" id="{9AFF957C-49DF-4C7C-A0DF-2413A08D794F}"/>
+                <a16:creationId xmlns:a16="http://schemas.microsoft.com/office/drawing/2014/main" id="{9AFF957C-49DF-4C7C-A0DF-2413A08D794F}"/>
               </a:ext>
             </a:extLst>
           </p:cNvPr>
@@ -35566,7 +34831,7 @@
           <p:cNvPr id="2" name="Title 1">
             <a:extLst>
               <a:ext uri="{FF2B5EF4-FFF2-40B4-BE49-F238E27FC236}">
-                <a16:creationId xmlns="" xmlns:a16="http://schemas.microsoft.com/office/drawing/2014/main" id="{3F02507A-81F0-4726-994C-DD873DA7C1EF}"/>
+                <a16:creationId xmlns:a16="http://schemas.microsoft.com/office/drawing/2014/main" id="{3F02507A-81F0-4726-994C-DD873DA7C1EF}"/>
               </a:ext>
             </a:extLst>
           </p:cNvPr>
@@ -35594,7 +34859,7 @@
           <p:cNvPr id="3" name="Content Placeholder 2">
             <a:extLst>
               <a:ext uri="{FF2B5EF4-FFF2-40B4-BE49-F238E27FC236}">
-                <a16:creationId xmlns="" xmlns:a16="http://schemas.microsoft.com/office/drawing/2014/main" id="{83A9A14C-6396-4471-AEE2-D334F2CCAFE2}"/>
+                <a16:creationId xmlns:a16="http://schemas.microsoft.com/office/drawing/2014/main" id="{83A9A14C-6396-4471-AEE2-D334F2CCAFE2}"/>
               </a:ext>
             </a:extLst>
           </p:cNvPr>
@@ -35653,15 +34918,7 @@
           <a:p>
             <a:r>
               <a:rPr lang="en-US" dirty="0"/>
-              <a:t>Self-driving Car: Automated </a:t>
-            </a:r>
-            <a:r>
-              <a:rPr lang="en-US" dirty="0" smtClean="0"/>
-              <a:t>Driving (1</a:t>
-            </a:r>
-            <a:r>
-              <a:rPr lang="en-US" dirty="0"/>
-              <a:t>)</a:t>
+              <a:t>Self-driving Car: Automated Driving (1)</a:t>
             </a:r>
           </a:p>
           <a:p>
@@ -35688,15 +34945,7 @@
           <a:p>
             <a:r>
               <a:rPr lang="en-US" dirty="0"/>
-              <a:t>Self-driving Car: Automated </a:t>
-            </a:r>
-            <a:r>
-              <a:rPr lang="en-US" dirty="0" smtClean="0"/>
-              <a:t>Driving (2</a:t>
-            </a:r>
-            <a:r>
-              <a:rPr lang="en-US" dirty="0"/>
-              <a:t>)</a:t>
+              <a:t>Self-driving Car: Automated Driving (2)</a:t>
             </a:r>
           </a:p>
           <a:p>
@@ -35775,17 +35024,16 @@
           <a:p>
             <a:pPr algn="ctr"/>
             <a:r>
-              <a:rPr lang="en-US" sz="4800" dirty="0" smtClean="0"/>
+              <a:rPr lang="en-US" sz="4800" dirty="0"/>
               <a:t>Example 3 (Variant)</a:t>
             </a:r>
             <a:br>
-              <a:rPr lang="en-US" sz="4800" dirty="0" smtClean="0"/>
+              <a:rPr lang="en-US" sz="4800" dirty="0"/>
             </a:br>
             <a:r>
-              <a:rPr lang="en-US" sz="4800" b="1" dirty="0" smtClean="0"/>
+              <a:rPr lang="en-US" sz="4800" b="1" dirty="0"/>
               <a:t>Multiple Possible Mitigations</a:t>
             </a:r>
-            <a:endParaRPr lang="en-US" sz="4800" b="1" dirty="0"/>
           </a:p>
         </p:txBody>
       </p:sp>
@@ -35843,7 +35091,7 @@
           <p:cNvPr id="2" name="Title 1">
             <a:extLst>
               <a:ext uri="{FF2B5EF4-FFF2-40B4-BE49-F238E27FC236}">
-                <a16:creationId xmlns="" xmlns:a16="http://schemas.microsoft.com/office/drawing/2014/main" id="{3F02507A-81F0-4726-994C-DD873DA7C1EF}"/>
+                <a16:creationId xmlns:a16="http://schemas.microsoft.com/office/drawing/2014/main" id="{3F02507A-81F0-4726-994C-DD873DA7C1EF}"/>
               </a:ext>
             </a:extLst>
           </p:cNvPr>
@@ -35871,7 +35119,7 @@
           <p:cNvPr id="3" name="Content Placeholder 2">
             <a:extLst>
               <a:ext uri="{FF2B5EF4-FFF2-40B4-BE49-F238E27FC236}">
-                <a16:creationId xmlns="" xmlns:a16="http://schemas.microsoft.com/office/drawing/2014/main" id="{83A9A14C-6396-4471-AEE2-D334F2CCAFE2}"/>
+                <a16:creationId xmlns:a16="http://schemas.microsoft.com/office/drawing/2014/main" id="{83A9A14C-6396-4471-AEE2-D334F2CCAFE2}"/>
               </a:ext>
             </a:extLst>
           </p:cNvPr>
@@ -35901,15 +35149,7 @@
             <a:pPr lvl="1"/>
             <a:r>
               <a:rPr lang="en-US" dirty="0"/>
-              <a:t>SAM and </a:t>
-            </a:r>
-            <a:r>
-              <a:rPr lang="en-US" dirty="0" smtClean="0"/>
-              <a:t>sensors use </a:t>
-            </a:r>
-            <a:r>
-              <a:rPr lang="en-US" dirty="0"/>
-              <a:t>encrypted memory and secure boot</a:t>
+              <a:t>SAM and sensors use encrypted memory and secure boot</a:t>
             </a:r>
           </a:p>
           <a:p>
@@ -36046,7 +35286,7 @@
           <p:cNvPr id="7" name="Picture 6" descr="coSAT LIVE 1000">
             <a:extLst>
               <a:ext uri="{FF2B5EF4-FFF2-40B4-BE49-F238E27FC236}">
-                <a16:creationId xmlns="" xmlns:a16="http://schemas.microsoft.com/office/drawing/2014/main" id="{6513D701-3B27-4D18-91E4-72BAD04D80CD}"/>
+                <a16:creationId xmlns:a16="http://schemas.microsoft.com/office/drawing/2014/main" id="{6513D701-3B27-4D18-91E4-72BAD04D80CD}"/>
               </a:ext>
             </a:extLst>
           </p:cNvPr>
@@ -36095,7 +35335,7 @@
           <p:cNvPr id="8" name="Picture 7" descr="coSAT LIVE 1000">
             <a:extLst>
               <a:ext uri="{FF2B5EF4-FFF2-40B4-BE49-F238E27FC236}">
-                <a16:creationId xmlns="" xmlns:a16="http://schemas.microsoft.com/office/drawing/2014/main" id="{F3D1A979-CBE6-456A-A7CF-81E7C4C90946}"/>
+                <a16:creationId xmlns:a16="http://schemas.microsoft.com/office/drawing/2014/main" id="{F3D1A979-CBE6-456A-A7CF-81E7C4C90946}"/>
               </a:ext>
             </a:extLst>
           </p:cNvPr>
@@ -36144,7 +35384,7 @@
           <p:cNvPr id="6" name="Picture 5" descr="coSAT LIVE 1000">
             <a:extLst>
               <a:ext uri="{FF2B5EF4-FFF2-40B4-BE49-F238E27FC236}">
-                <a16:creationId xmlns="" xmlns:a16="http://schemas.microsoft.com/office/drawing/2014/main" id="{39AFC55B-F21C-4950-B79A-C376FF45EFB6}"/>
+                <a16:creationId xmlns:a16="http://schemas.microsoft.com/office/drawing/2014/main" id="{39AFC55B-F21C-4950-B79A-C376FF45EFB6}"/>
               </a:ext>
             </a:extLst>
           </p:cNvPr>
@@ -36193,7 +35433,7 @@
           <p:cNvPr id="5" name="Picture 4" descr="simple2-t2-ext.lp - /home/marcy/NIST-toy/V3/">
             <a:extLst>
               <a:ext uri="{FF2B5EF4-FFF2-40B4-BE49-F238E27FC236}">
-                <a16:creationId xmlns="" xmlns:a16="http://schemas.microsoft.com/office/drawing/2014/main" id="{4196F44F-DDE9-4576-BD48-2C58D7DEFC03}"/>
+                <a16:creationId xmlns:a16="http://schemas.microsoft.com/office/drawing/2014/main" id="{4196F44F-DDE9-4576-BD48-2C58D7DEFC03}"/>
               </a:ext>
             </a:extLst>
           </p:cNvPr>
@@ -36242,7 +35482,7 @@
           <p:cNvPr id="11" name="TextBox 10">
             <a:extLst>
               <a:ext uri="{FF2B5EF4-FFF2-40B4-BE49-F238E27FC236}">
-                <a16:creationId xmlns="" xmlns:a16="http://schemas.microsoft.com/office/drawing/2014/main" id="{E7DE381F-5A9D-4708-94C7-A19F2DAD6172}"/>
+                <a16:creationId xmlns:a16="http://schemas.microsoft.com/office/drawing/2014/main" id="{E7DE381F-5A9D-4708-94C7-A19F2DAD6172}"/>
               </a:ext>
             </a:extLst>
           </p:cNvPr>
@@ -36277,7 +35517,7 @@
           <p:cNvPr id="13" name="TextBox 12">
             <a:extLst>
               <a:ext uri="{FF2B5EF4-FFF2-40B4-BE49-F238E27FC236}">
-                <a16:creationId xmlns="" xmlns:a16="http://schemas.microsoft.com/office/drawing/2014/main" id="{F3B4FD14-DC2C-4AB6-A5A4-BD510D6C86D1}"/>
+                <a16:creationId xmlns:a16="http://schemas.microsoft.com/office/drawing/2014/main" id="{F3B4FD14-DC2C-4AB6-A5A4-BD510D6C86D1}"/>
               </a:ext>
             </a:extLst>
           </p:cNvPr>
@@ -36312,7 +35552,7 @@
           <p:cNvPr id="14" name="Picture 13" descr="coSAT LIVE 1000">
             <a:extLst>
               <a:ext uri="{FF2B5EF4-FFF2-40B4-BE49-F238E27FC236}">
-                <a16:creationId xmlns="" xmlns:a16="http://schemas.microsoft.com/office/drawing/2014/main" id="{27D9596A-0AF5-481C-814E-ED6DA11863D7}"/>
+                <a16:creationId xmlns:a16="http://schemas.microsoft.com/office/drawing/2014/main" id="{27D9596A-0AF5-481C-814E-ED6DA11863D7}"/>
               </a:ext>
             </a:extLst>
           </p:cNvPr>
@@ -36361,7 +35601,7 @@
           <p:cNvPr id="16" name="Picture 15" descr="coSAT LIVE 1000">
             <a:extLst>
               <a:ext uri="{FF2B5EF4-FFF2-40B4-BE49-F238E27FC236}">
-                <a16:creationId xmlns="" xmlns:a16="http://schemas.microsoft.com/office/drawing/2014/main" id="{E02BCE5B-1F81-478E-A765-4333A26EE4A1}"/>
+                <a16:creationId xmlns:a16="http://schemas.microsoft.com/office/drawing/2014/main" id="{E02BCE5B-1F81-478E-A765-4333A26EE4A1}"/>
               </a:ext>
             </a:extLst>
           </p:cNvPr>
@@ -36410,7 +35650,7 @@
           <p:cNvPr id="18" name="Picture 17" descr="simple2-t3-ext.lp - /home/marcy/NIST-toy/V3/">
             <a:extLst>
               <a:ext uri="{FF2B5EF4-FFF2-40B4-BE49-F238E27FC236}">
-                <a16:creationId xmlns="" xmlns:a16="http://schemas.microsoft.com/office/drawing/2014/main" id="{55C089F4-5401-469F-8FCA-3AF005B867CE}"/>
+                <a16:creationId xmlns:a16="http://schemas.microsoft.com/office/drawing/2014/main" id="{55C089F4-5401-469F-8FCA-3AF005B867CE}"/>
               </a:ext>
             </a:extLst>
           </p:cNvPr>
@@ -36459,7 +35699,7 @@
           <p:cNvPr id="19" name="TextBox 18">
             <a:extLst>
               <a:ext uri="{FF2B5EF4-FFF2-40B4-BE49-F238E27FC236}">
-                <a16:creationId xmlns="" xmlns:a16="http://schemas.microsoft.com/office/drawing/2014/main" id="{E699C877-D488-4009-8970-831AC11FFDFA}"/>
+                <a16:creationId xmlns:a16="http://schemas.microsoft.com/office/drawing/2014/main" id="{E699C877-D488-4009-8970-831AC11FFDFA}"/>
               </a:ext>
             </a:extLst>
           </p:cNvPr>
@@ -36494,7 +35734,7 @@
           <p:cNvPr id="20" name="TextBox 19">
             <a:extLst>
               <a:ext uri="{FF2B5EF4-FFF2-40B4-BE49-F238E27FC236}">
-                <a16:creationId xmlns="" xmlns:a16="http://schemas.microsoft.com/office/drawing/2014/main" id="{5D3CE086-7C66-418C-8A2B-E991E8926254}"/>
+                <a16:creationId xmlns:a16="http://schemas.microsoft.com/office/drawing/2014/main" id="{5D3CE086-7C66-418C-8A2B-E991E8926254}"/>
               </a:ext>
             </a:extLst>
           </p:cNvPr>
@@ -36529,7 +35769,7 @@
           <p:cNvPr id="22" name="Straight Arrow Connector 21">
             <a:extLst>
               <a:ext uri="{FF2B5EF4-FFF2-40B4-BE49-F238E27FC236}">
-                <a16:creationId xmlns="" xmlns:a16="http://schemas.microsoft.com/office/drawing/2014/main" id="{5B0427F7-B8D4-4019-AD9B-02856344E18C}"/>
+                <a16:creationId xmlns:a16="http://schemas.microsoft.com/office/drawing/2014/main" id="{5B0427F7-B8D4-4019-AD9B-02856344E18C}"/>
               </a:ext>
             </a:extLst>
           </p:cNvPr>
@@ -36604,7 +35844,7 @@
           <p:cNvPr id="2" name="Title 1">
             <a:extLst>
               <a:ext uri="{FF2B5EF4-FFF2-40B4-BE49-F238E27FC236}">
-                <a16:creationId xmlns="" xmlns:a16="http://schemas.microsoft.com/office/drawing/2014/main" id="{3F02507A-81F0-4726-994C-DD873DA7C1EF}"/>
+                <a16:creationId xmlns:a16="http://schemas.microsoft.com/office/drawing/2014/main" id="{3F02507A-81F0-4726-994C-DD873DA7C1EF}"/>
               </a:ext>
             </a:extLst>
           </p:cNvPr>
@@ -36632,7 +35872,7 @@
           <p:cNvPr id="3" name="Content Placeholder 2">
             <a:extLst>
               <a:ext uri="{FF2B5EF4-FFF2-40B4-BE49-F238E27FC236}">
-                <a16:creationId xmlns="" xmlns:a16="http://schemas.microsoft.com/office/drawing/2014/main" id="{83A9A14C-6396-4471-AEE2-D334F2CCAFE2}"/>
+                <a16:creationId xmlns:a16="http://schemas.microsoft.com/office/drawing/2014/main" id="{83A9A14C-6396-4471-AEE2-D334F2CCAFE2}"/>
               </a:ext>
             </a:extLst>
           </p:cNvPr>
@@ -36787,7 +36027,7 @@
           <p:cNvPr id="2" name="Title 1">
             <a:extLst>
               <a:ext uri="{FF2B5EF4-FFF2-40B4-BE49-F238E27FC236}">
-                <a16:creationId xmlns="" xmlns:a16="http://schemas.microsoft.com/office/drawing/2014/main" id="{3F02507A-81F0-4726-994C-DD873DA7C1EF}"/>
+                <a16:creationId xmlns:a16="http://schemas.microsoft.com/office/drawing/2014/main" id="{3F02507A-81F0-4726-994C-DD873DA7C1EF}"/>
               </a:ext>
             </a:extLst>
           </p:cNvPr>
@@ -36830,7 +36070,7 @@
           <p:cNvPr id="3" name="Content Placeholder 2">
             <a:extLst>
               <a:ext uri="{FF2B5EF4-FFF2-40B4-BE49-F238E27FC236}">
-                <a16:creationId xmlns="" xmlns:a16="http://schemas.microsoft.com/office/drawing/2014/main" id="{83A9A14C-6396-4471-AEE2-D334F2CCAFE2}"/>
+                <a16:creationId xmlns:a16="http://schemas.microsoft.com/office/drawing/2014/main" id="{83A9A14C-6396-4471-AEE2-D334F2CCAFE2}"/>
               </a:ext>
             </a:extLst>
           </p:cNvPr>
@@ -36925,7 +36165,7 @@
           <p:cNvPr id="54" name="Group 53">
             <a:extLst>
               <a:ext uri="{FF2B5EF4-FFF2-40B4-BE49-F238E27FC236}">
-                <a16:creationId xmlns="" xmlns:a16="http://schemas.microsoft.com/office/drawing/2014/main" id="{7FACE7FD-7F49-4D52-A614-86B77808D771}"/>
+                <a16:creationId xmlns:a16="http://schemas.microsoft.com/office/drawing/2014/main" id="{7FACE7FD-7F49-4D52-A614-86B77808D771}"/>
               </a:ext>
             </a:extLst>
           </p:cNvPr>
@@ -36945,7 +36185,7 @@
             <p:cNvPr id="52" name="Group 51">
               <a:extLst>
                 <a:ext uri="{FF2B5EF4-FFF2-40B4-BE49-F238E27FC236}">
-                  <a16:creationId xmlns="" xmlns:a16="http://schemas.microsoft.com/office/drawing/2014/main" id="{1C8A38AF-823C-4793-B062-7A3A5DC5A7F0}"/>
+                  <a16:creationId xmlns:a16="http://schemas.microsoft.com/office/drawing/2014/main" id="{1C8A38AF-823C-4793-B062-7A3A5DC5A7F0}"/>
                 </a:ext>
               </a:extLst>
             </p:cNvPr>
@@ -36965,7 +36205,7 @@
               <p:cNvPr id="50" name="Picture 49">
                 <a:extLst>
                   <a:ext uri="{FF2B5EF4-FFF2-40B4-BE49-F238E27FC236}">
-                    <a16:creationId xmlns="" xmlns:a16="http://schemas.microsoft.com/office/drawing/2014/main" id="{E21059FD-21CF-4F91-970B-51BBCF58925A}"/>
+                    <a16:creationId xmlns:a16="http://schemas.microsoft.com/office/drawing/2014/main" id="{E21059FD-21CF-4F91-970B-51BBCF58925A}"/>
                   </a:ext>
                 </a:extLst>
               </p:cNvPr>
@@ -36994,7 +36234,7 @@
               <p:cNvPr id="51" name="Rectangle: Rounded Corners 50">
                 <a:extLst>
                   <a:ext uri="{FF2B5EF4-FFF2-40B4-BE49-F238E27FC236}">
-                    <a16:creationId xmlns="" xmlns:a16="http://schemas.microsoft.com/office/drawing/2014/main" id="{73C03CF4-7EF4-4D6E-A0EE-6BA3FDA8EC3E}"/>
+                    <a16:creationId xmlns:a16="http://schemas.microsoft.com/office/drawing/2014/main" id="{73C03CF4-7EF4-4D6E-A0EE-6BA3FDA8EC3E}"/>
                   </a:ext>
                 </a:extLst>
               </p:cNvPr>
@@ -37047,7 +36287,7 @@
             <p:cNvPr id="53" name="Oval 52">
               <a:extLst>
                 <a:ext uri="{FF2B5EF4-FFF2-40B4-BE49-F238E27FC236}">
-                  <a16:creationId xmlns="" xmlns:a16="http://schemas.microsoft.com/office/drawing/2014/main" id="{CFDCF632-6A9E-43BF-851D-A2ABE361BB9D}"/>
+                  <a16:creationId xmlns:a16="http://schemas.microsoft.com/office/drawing/2014/main" id="{CFDCF632-6A9E-43BF-851D-A2ABE361BB9D}"/>
                 </a:ext>
               </a:extLst>
             </p:cNvPr>
@@ -37132,7 +36372,7 @@
           <p:cNvPr id="9" name="Rectangle 8">
             <a:extLst>
               <a:ext uri="{FF2B5EF4-FFF2-40B4-BE49-F238E27FC236}">
-                <a16:creationId xmlns="" xmlns:a16="http://schemas.microsoft.com/office/drawing/2014/main" id="{5D9B5654-F7DB-4CCE-AFC8-FBEF2B7ADB2D}"/>
+                <a16:creationId xmlns:a16="http://schemas.microsoft.com/office/drawing/2014/main" id="{5D9B5654-F7DB-4CCE-AFC8-FBEF2B7ADB2D}"/>
               </a:ext>
             </a:extLst>
           </p:cNvPr>
@@ -37187,7 +36427,7 @@
           <p:cNvPr id="10" name="Rectangle 9">
             <a:extLst>
               <a:ext uri="{FF2B5EF4-FFF2-40B4-BE49-F238E27FC236}">
-                <a16:creationId xmlns="" xmlns:a16="http://schemas.microsoft.com/office/drawing/2014/main" id="{BC73BABD-DE18-423C-90F0-454F92DDFC53}"/>
+                <a16:creationId xmlns:a16="http://schemas.microsoft.com/office/drawing/2014/main" id="{BC73BABD-DE18-423C-90F0-454F92DDFC53}"/>
               </a:ext>
             </a:extLst>
           </p:cNvPr>
@@ -37242,7 +36482,7 @@
           <p:cNvPr id="4" name="Diagram 3">
             <a:extLst>
               <a:ext uri="{FF2B5EF4-FFF2-40B4-BE49-F238E27FC236}">
-                <a16:creationId xmlns="" xmlns:a16="http://schemas.microsoft.com/office/drawing/2014/main" id="{B9670F8B-3DA9-4C9E-AC12-6745AAC92553}"/>
+                <a16:creationId xmlns:a16="http://schemas.microsoft.com/office/drawing/2014/main" id="{B9670F8B-3DA9-4C9E-AC12-6745AAC92553}"/>
               </a:ext>
             </a:extLst>
           </p:cNvPr>
@@ -37270,7 +36510,7 @@
           <p:cNvPr id="11" name="TextBox 10">
             <a:extLst>
               <a:ext uri="{FF2B5EF4-FFF2-40B4-BE49-F238E27FC236}">
-                <a16:creationId xmlns="" xmlns:a16="http://schemas.microsoft.com/office/drawing/2014/main" id="{2806601D-4698-42ED-8A53-BF7A496EB3D3}"/>
+                <a16:creationId xmlns:a16="http://schemas.microsoft.com/office/drawing/2014/main" id="{2806601D-4698-42ED-8A53-BF7A496EB3D3}"/>
               </a:ext>
             </a:extLst>
           </p:cNvPr>
@@ -37305,7 +36545,7 @@
           <p:cNvPr id="12" name="TextBox 11">
             <a:extLst>
               <a:ext uri="{FF2B5EF4-FFF2-40B4-BE49-F238E27FC236}">
-                <a16:creationId xmlns="" xmlns:a16="http://schemas.microsoft.com/office/drawing/2014/main" id="{E9A44560-B3FF-4C01-A433-FFEECBEAA2E0}"/>
+                <a16:creationId xmlns:a16="http://schemas.microsoft.com/office/drawing/2014/main" id="{E9A44560-B3FF-4C01-A433-FFEECBEAA2E0}"/>
               </a:ext>
             </a:extLst>
           </p:cNvPr>
@@ -37340,7 +36580,7 @@
           <p:cNvPr id="5" name="Title 4">
             <a:extLst>
               <a:ext uri="{FF2B5EF4-FFF2-40B4-BE49-F238E27FC236}">
-                <a16:creationId xmlns="" xmlns:a16="http://schemas.microsoft.com/office/drawing/2014/main" id="{622C8FDF-EE86-4528-A6A0-1524F8A10CCD}"/>
+                <a16:creationId xmlns:a16="http://schemas.microsoft.com/office/drawing/2014/main" id="{622C8FDF-EE86-4528-A6A0-1524F8A10CCD}"/>
               </a:ext>
             </a:extLst>
           </p:cNvPr>
@@ -37368,7 +36608,7 @@
           <p:cNvPr id="7" name="TextBox 6">
             <a:extLst>
               <a:ext uri="{FF2B5EF4-FFF2-40B4-BE49-F238E27FC236}">
-                <a16:creationId xmlns="" xmlns:a16="http://schemas.microsoft.com/office/drawing/2014/main" id="{145BEE55-64E1-4C6F-BB28-AB376E5D0BDA}"/>
+                <a16:creationId xmlns:a16="http://schemas.microsoft.com/office/drawing/2014/main" id="{145BEE55-64E1-4C6F-BB28-AB376E5D0BDA}"/>
               </a:ext>
             </a:extLst>
           </p:cNvPr>
@@ -37407,7 +36647,7 @@
           <p:cNvPr id="13" name="TextBox 12">
             <a:extLst>
               <a:ext uri="{FF2B5EF4-FFF2-40B4-BE49-F238E27FC236}">
-                <a16:creationId xmlns="" xmlns:a16="http://schemas.microsoft.com/office/drawing/2014/main" id="{E8983011-EA14-4842-A6A3-CED110F9A462}"/>
+                <a16:creationId xmlns:a16="http://schemas.microsoft.com/office/drawing/2014/main" id="{E8983011-EA14-4842-A6A3-CED110F9A462}"/>
               </a:ext>
             </a:extLst>
           </p:cNvPr>
@@ -37476,7 +36716,7 @@
           <p:cNvPr id="14" name="Straight Arrow Connector 13">
             <a:extLst>
               <a:ext uri="{FF2B5EF4-FFF2-40B4-BE49-F238E27FC236}">
-                <a16:creationId xmlns="" xmlns:a16="http://schemas.microsoft.com/office/drawing/2014/main" id="{CFB5800A-C373-4A8B-9CFE-678520731DA8}"/>
+                <a16:creationId xmlns:a16="http://schemas.microsoft.com/office/drawing/2014/main" id="{CFB5800A-C373-4A8B-9CFE-678520731DA8}"/>
               </a:ext>
             </a:extLst>
           </p:cNvPr>
@@ -37521,7 +36761,7 @@
           <p:cNvPr id="16" name="Connector: Elbow 15">
             <a:extLst>
               <a:ext uri="{FF2B5EF4-FFF2-40B4-BE49-F238E27FC236}">
-                <a16:creationId xmlns="" xmlns:a16="http://schemas.microsoft.com/office/drawing/2014/main" id="{1133E1CA-5296-4426-952C-C47DD210C31B}"/>
+                <a16:creationId xmlns:a16="http://schemas.microsoft.com/office/drawing/2014/main" id="{1133E1CA-5296-4426-952C-C47DD210C31B}"/>
               </a:ext>
             </a:extLst>
           </p:cNvPr>
@@ -37598,7 +36838,7 @@
           <p:cNvPr id="9" name="Rectangle 8">
             <a:extLst>
               <a:ext uri="{FF2B5EF4-FFF2-40B4-BE49-F238E27FC236}">
-                <a16:creationId xmlns="" xmlns:a16="http://schemas.microsoft.com/office/drawing/2014/main" id="{5D9B5654-F7DB-4CCE-AFC8-FBEF2B7ADB2D}"/>
+                <a16:creationId xmlns:a16="http://schemas.microsoft.com/office/drawing/2014/main" id="{5D9B5654-F7DB-4CCE-AFC8-FBEF2B7ADB2D}"/>
               </a:ext>
             </a:extLst>
           </p:cNvPr>
@@ -37653,7 +36893,7 @@
           <p:cNvPr id="10" name="Rectangle 9">
             <a:extLst>
               <a:ext uri="{FF2B5EF4-FFF2-40B4-BE49-F238E27FC236}">
-                <a16:creationId xmlns="" xmlns:a16="http://schemas.microsoft.com/office/drawing/2014/main" id="{BC73BABD-DE18-423C-90F0-454F92DDFC53}"/>
+                <a16:creationId xmlns:a16="http://schemas.microsoft.com/office/drawing/2014/main" id="{BC73BABD-DE18-423C-90F0-454F92DDFC53}"/>
               </a:ext>
             </a:extLst>
           </p:cNvPr>
@@ -37708,7 +36948,7 @@
           <p:cNvPr id="4" name="Diagram 3">
             <a:extLst>
               <a:ext uri="{FF2B5EF4-FFF2-40B4-BE49-F238E27FC236}">
-                <a16:creationId xmlns="" xmlns:a16="http://schemas.microsoft.com/office/drawing/2014/main" id="{B9670F8B-3DA9-4C9E-AC12-6745AAC92553}"/>
+                <a16:creationId xmlns:a16="http://schemas.microsoft.com/office/drawing/2014/main" id="{B9670F8B-3DA9-4C9E-AC12-6745AAC92553}"/>
               </a:ext>
             </a:extLst>
           </p:cNvPr>
@@ -37732,7 +36972,7 @@
           <p:cNvPr id="11" name="TextBox 10">
             <a:extLst>
               <a:ext uri="{FF2B5EF4-FFF2-40B4-BE49-F238E27FC236}">
-                <a16:creationId xmlns="" xmlns:a16="http://schemas.microsoft.com/office/drawing/2014/main" id="{2806601D-4698-42ED-8A53-BF7A496EB3D3}"/>
+                <a16:creationId xmlns:a16="http://schemas.microsoft.com/office/drawing/2014/main" id="{2806601D-4698-42ED-8A53-BF7A496EB3D3}"/>
               </a:ext>
             </a:extLst>
           </p:cNvPr>
@@ -37767,7 +37007,7 @@
           <p:cNvPr id="12" name="TextBox 11">
             <a:extLst>
               <a:ext uri="{FF2B5EF4-FFF2-40B4-BE49-F238E27FC236}">
-                <a16:creationId xmlns="" xmlns:a16="http://schemas.microsoft.com/office/drawing/2014/main" id="{E9A44560-B3FF-4C01-A433-FFEECBEAA2E0}"/>
+                <a16:creationId xmlns:a16="http://schemas.microsoft.com/office/drawing/2014/main" id="{E9A44560-B3FF-4C01-A433-FFEECBEAA2E0}"/>
               </a:ext>
             </a:extLst>
           </p:cNvPr>
@@ -37802,7 +37042,7 @@
           <p:cNvPr id="5" name="Title 4">
             <a:extLst>
               <a:ext uri="{FF2B5EF4-FFF2-40B4-BE49-F238E27FC236}">
-                <a16:creationId xmlns="" xmlns:a16="http://schemas.microsoft.com/office/drawing/2014/main" id="{622C8FDF-EE86-4528-A6A0-1524F8A10CCD}"/>
+                <a16:creationId xmlns:a16="http://schemas.microsoft.com/office/drawing/2014/main" id="{622C8FDF-EE86-4528-A6A0-1524F8A10CCD}"/>
               </a:ext>
             </a:extLst>
           </p:cNvPr>
@@ -37830,7 +37070,7 @@
           <p:cNvPr id="21" name="Group 20">
             <a:extLst>
               <a:ext uri="{FF2B5EF4-FFF2-40B4-BE49-F238E27FC236}">
-                <a16:creationId xmlns="" xmlns:a16="http://schemas.microsoft.com/office/drawing/2014/main" id="{3BDEC7C0-FE6D-487D-ABDC-2F1B3C3FF657}"/>
+                <a16:creationId xmlns:a16="http://schemas.microsoft.com/office/drawing/2014/main" id="{3BDEC7C0-FE6D-487D-ABDC-2F1B3C3FF657}"/>
               </a:ext>
             </a:extLst>
           </p:cNvPr>
@@ -37850,7 +37090,7 @@
             <p:cNvPr id="20" name="Rectangle 19">
               <a:extLst>
                 <a:ext uri="{FF2B5EF4-FFF2-40B4-BE49-F238E27FC236}">
-                  <a16:creationId xmlns="" xmlns:a16="http://schemas.microsoft.com/office/drawing/2014/main" id="{77F03AAF-D9E6-4086-800B-9776F9D9FD46}"/>
+                  <a16:creationId xmlns:a16="http://schemas.microsoft.com/office/drawing/2014/main" id="{77F03AAF-D9E6-4086-800B-9776F9D9FD46}"/>
                 </a:ext>
               </a:extLst>
             </p:cNvPr>
@@ -37904,7 +37144,7 @@
             <p:cNvPr id="6" name="Group 5">
               <a:extLst>
                 <a:ext uri="{FF2B5EF4-FFF2-40B4-BE49-F238E27FC236}">
-                  <a16:creationId xmlns="" xmlns:a16="http://schemas.microsoft.com/office/drawing/2014/main" id="{0FC80987-3705-4820-A0F8-9A2CC47D47E8}"/>
+                  <a16:creationId xmlns:a16="http://schemas.microsoft.com/office/drawing/2014/main" id="{0FC80987-3705-4820-A0F8-9A2CC47D47E8}"/>
                 </a:ext>
               </a:extLst>
             </p:cNvPr>
@@ -37924,7 +37164,7 @@
               <p:cNvPr id="15" name="Picture 14" descr="theory.lp - /home/marcy/NIST-toy/V3/">
                 <a:extLst>
                   <a:ext uri="{FF2B5EF4-FFF2-40B4-BE49-F238E27FC236}">
-                    <a16:creationId xmlns="" xmlns:a16="http://schemas.microsoft.com/office/drawing/2014/main" id="{751984E3-82DB-4BB0-B896-4C742B754735}"/>
+                    <a16:creationId xmlns:a16="http://schemas.microsoft.com/office/drawing/2014/main" id="{751984E3-82DB-4BB0-B896-4C742B754735}"/>
                   </a:ext>
                 </a:extLst>
               </p:cNvPr>
@@ -37973,7 +37213,7 @@
               <p:cNvPr id="17" name="TextBox 16">
                 <a:extLst>
                   <a:ext uri="{FF2B5EF4-FFF2-40B4-BE49-F238E27FC236}">
-                    <a16:creationId xmlns="" xmlns:a16="http://schemas.microsoft.com/office/drawing/2014/main" id="{B8096E3C-E654-4136-8520-AC58753785F7}"/>
+                    <a16:creationId xmlns:a16="http://schemas.microsoft.com/office/drawing/2014/main" id="{B8096E3C-E654-4136-8520-AC58753785F7}"/>
                   </a:ext>
                 </a:extLst>
               </p:cNvPr>
@@ -38040,7 +37280,7 @@
           <p:cNvPr id="9" name="Rectangle 8">
             <a:extLst>
               <a:ext uri="{FF2B5EF4-FFF2-40B4-BE49-F238E27FC236}">
-                <a16:creationId xmlns="" xmlns:a16="http://schemas.microsoft.com/office/drawing/2014/main" id="{5D9B5654-F7DB-4CCE-AFC8-FBEF2B7ADB2D}"/>
+                <a16:creationId xmlns:a16="http://schemas.microsoft.com/office/drawing/2014/main" id="{5D9B5654-F7DB-4CCE-AFC8-FBEF2B7ADB2D}"/>
               </a:ext>
             </a:extLst>
           </p:cNvPr>
@@ -38095,7 +37335,7 @@
           <p:cNvPr id="10" name="Rectangle 9">
             <a:extLst>
               <a:ext uri="{FF2B5EF4-FFF2-40B4-BE49-F238E27FC236}">
-                <a16:creationId xmlns="" xmlns:a16="http://schemas.microsoft.com/office/drawing/2014/main" id="{BC73BABD-DE18-423C-90F0-454F92DDFC53}"/>
+                <a16:creationId xmlns:a16="http://schemas.microsoft.com/office/drawing/2014/main" id="{BC73BABD-DE18-423C-90F0-454F92DDFC53}"/>
               </a:ext>
             </a:extLst>
           </p:cNvPr>
@@ -38150,7 +37390,7 @@
           <p:cNvPr id="4" name="Diagram 3">
             <a:extLst>
               <a:ext uri="{FF2B5EF4-FFF2-40B4-BE49-F238E27FC236}">
-                <a16:creationId xmlns="" xmlns:a16="http://schemas.microsoft.com/office/drawing/2014/main" id="{B9670F8B-3DA9-4C9E-AC12-6745AAC92553}"/>
+                <a16:creationId xmlns:a16="http://schemas.microsoft.com/office/drawing/2014/main" id="{B9670F8B-3DA9-4C9E-AC12-6745AAC92553}"/>
               </a:ext>
             </a:extLst>
           </p:cNvPr>
@@ -38174,7 +37414,7 @@
           <p:cNvPr id="11" name="TextBox 10">
             <a:extLst>
               <a:ext uri="{FF2B5EF4-FFF2-40B4-BE49-F238E27FC236}">
-                <a16:creationId xmlns="" xmlns:a16="http://schemas.microsoft.com/office/drawing/2014/main" id="{2806601D-4698-42ED-8A53-BF7A496EB3D3}"/>
+                <a16:creationId xmlns:a16="http://schemas.microsoft.com/office/drawing/2014/main" id="{2806601D-4698-42ED-8A53-BF7A496EB3D3}"/>
               </a:ext>
             </a:extLst>
           </p:cNvPr>
@@ -38209,7 +37449,7 @@
           <p:cNvPr id="12" name="TextBox 11">
             <a:extLst>
               <a:ext uri="{FF2B5EF4-FFF2-40B4-BE49-F238E27FC236}">
-                <a16:creationId xmlns="" xmlns:a16="http://schemas.microsoft.com/office/drawing/2014/main" id="{E9A44560-B3FF-4C01-A433-FFEECBEAA2E0}"/>
+                <a16:creationId xmlns:a16="http://schemas.microsoft.com/office/drawing/2014/main" id="{E9A44560-B3FF-4C01-A433-FFEECBEAA2E0}"/>
               </a:ext>
             </a:extLst>
           </p:cNvPr>
@@ -38244,7 +37484,7 @@
           <p:cNvPr id="5" name="Title 4">
             <a:extLst>
               <a:ext uri="{FF2B5EF4-FFF2-40B4-BE49-F238E27FC236}">
-                <a16:creationId xmlns="" xmlns:a16="http://schemas.microsoft.com/office/drawing/2014/main" id="{622C8FDF-EE86-4528-A6A0-1524F8A10CCD}"/>
+                <a16:creationId xmlns:a16="http://schemas.microsoft.com/office/drawing/2014/main" id="{622C8FDF-EE86-4528-A6A0-1524F8A10CCD}"/>
               </a:ext>
             </a:extLst>
           </p:cNvPr>
@@ -38272,7 +37512,7 @@
           <p:cNvPr id="21" name="Group 20">
             <a:extLst>
               <a:ext uri="{FF2B5EF4-FFF2-40B4-BE49-F238E27FC236}">
-                <a16:creationId xmlns="" xmlns:a16="http://schemas.microsoft.com/office/drawing/2014/main" id="{3BDEC7C0-FE6D-487D-ABDC-2F1B3C3FF657}"/>
+                <a16:creationId xmlns:a16="http://schemas.microsoft.com/office/drawing/2014/main" id="{3BDEC7C0-FE6D-487D-ABDC-2F1B3C3FF657}"/>
               </a:ext>
             </a:extLst>
           </p:cNvPr>
@@ -38292,7 +37532,7 @@
             <p:cNvPr id="20" name="Rectangle 19">
               <a:extLst>
                 <a:ext uri="{FF2B5EF4-FFF2-40B4-BE49-F238E27FC236}">
-                  <a16:creationId xmlns="" xmlns:a16="http://schemas.microsoft.com/office/drawing/2014/main" id="{77F03AAF-D9E6-4086-800B-9776F9D9FD46}"/>
+                  <a16:creationId xmlns:a16="http://schemas.microsoft.com/office/drawing/2014/main" id="{77F03AAF-D9E6-4086-800B-9776F9D9FD46}"/>
                 </a:ext>
               </a:extLst>
             </p:cNvPr>
@@ -38346,7 +37586,7 @@
             <p:cNvPr id="6" name="Group 5">
               <a:extLst>
                 <a:ext uri="{FF2B5EF4-FFF2-40B4-BE49-F238E27FC236}">
-                  <a16:creationId xmlns="" xmlns:a16="http://schemas.microsoft.com/office/drawing/2014/main" id="{0FC80987-3705-4820-A0F8-9A2CC47D47E8}"/>
+                  <a16:creationId xmlns:a16="http://schemas.microsoft.com/office/drawing/2014/main" id="{0FC80987-3705-4820-A0F8-9A2CC47D47E8}"/>
                 </a:ext>
               </a:extLst>
             </p:cNvPr>
@@ -38366,7 +37606,7 @@
               <p:cNvPr id="15" name="Picture 14" descr="theory.lp - /home/marcy/NIST-toy/V3/">
                 <a:extLst>
                   <a:ext uri="{FF2B5EF4-FFF2-40B4-BE49-F238E27FC236}">
-                    <a16:creationId xmlns="" xmlns:a16="http://schemas.microsoft.com/office/drawing/2014/main" id="{751984E3-82DB-4BB0-B896-4C742B754735}"/>
+                    <a16:creationId xmlns:a16="http://schemas.microsoft.com/office/drawing/2014/main" id="{751984E3-82DB-4BB0-B896-4C742B754735}"/>
                   </a:ext>
                 </a:extLst>
               </p:cNvPr>
@@ -38415,7 +37655,7 @@
               <p:cNvPr id="17" name="TextBox 16">
                 <a:extLst>
                   <a:ext uri="{FF2B5EF4-FFF2-40B4-BE49-F238E27FC236}">
-                    <a16:creationId xmlns="" xmlns:a16="http://schemas.microsoft.com/office/drawing/2014/main" id="{B8096E3C-E654-4136-8520-AC58753785F7}"/>
+                    <a16:creationId xmlns:a16="http://schemas.microsoft.com/office/drawing/2014/main" id="{B8096E3C-E654-4136-8520-AC58753785F7}"/>
                   </a:ext>
                 </a:extLst>
               </p:cNvPr>
@@ -38452,7 +37692,7 @@
           <p:cNvPr id="24" name="Group 23">
             <a:extLst>
               <a:ext uri="{FF2B5EF4-FFF2-40B4-BE49-F238E27FC236}">
-                <a16:creationId xmlns="" xmlns:a16="http://schemas.microsoft.com/office/drawing/2014/main" id="{3C25B72E-98D9-4A99-98B4-73294EE728CC}"/>
+                <a16:creationId xmlns:a16="http://schemas.microsoft.com/office/drawing/2014/main" id="{3C25B72E-98D9-4A99-98B4-73294EE728CC}"/>
               </a:ext>
             </a:extLst>
           </p:cNvPr>
@@ -38472,7 +37712,7 @@
             <p:cNvPr id="22" name="Rectangle 21">
               <a:extLst>
                 <a:ext uri="{FF2B5EF4-FFF2-40B4-BE49-F238E27FC236}">
-                  <a16:creationId xmlns="" xmlns:a16="http://schemas.microsoft.com/office/drawing/2014/main" id="{9A0CA59B-BE0F-4EF8-8D84-DFE739A95D11}"/>
+                  <a16:creationId xmlns:a16="http://schemas.microsoft.com/office/drawing/2014/main" id="{9A0CA59B-BE0F-4EF8-8D84-DFE739A95D11}"/>
                 </a:ext>
               </a:extLst>
             </p:cNvPr>
@@ -38526,7 +37766,7 @@
             <p:cNvPr id="23" name="TextBox 22">
               <a:extLst>
                 <a:ext uri="{FF2B5EF4-FFF2-40B4-BE49-F238E27FC236}">
-                  <a16:creationId xmlns="" xmlns:a16="http://schemas.microsoft.com/office/drawing/2014/main" id="{D9469185-9893-4119-94C3-0FB21337CD01}"/>
+                  <a16:creationId xmlns:a16="http://schemas.microsoft.com/office/drawing/2014/main" id="{D9469185-9893-4119-94C3-0FB21337CD01}"/>
                 </a:ext>
               </a:extLst>
             </p:cNvPr>
@@ -38561,7 +37801,7 @@
             <p:cNvPr id="7" name="TextBox 6">
               <a:extLst>
                 <a:ext uri="{FF2B5EF4-FFF2-40B4-BE49-F238E27FC236}">
-                  <a16:creationId xmlns="" xmlns:a16="http://schemas.microsoft.com/office/drawing/2014/main" id="{145BEE55-64E1-4C6F-BB28-AB376E5D0BDA}"/>
+                  <a16:creationId xmlns:a16="http://schemas.microsoft.com/office/drawing/2014/main" id="{145BEE55-64E1-4C6F-BB28-AB376E5D0BDA}"/>
                 </a:ext>
               </a:extLst>
             </p:cNvPr>
@@ -38600,7 +37840,7 @@
             <p:cNvPr id="19" name="Picture 18" descr="theory.lp (modified) - /home/marcy/NIST-toy/V3/">
               <a:extLst>
                 <a:ext uri="{FF2B5EF4-FFF2-40B4-BE49-F238E27FC236}">
-                  <a16:creationId xmlns="" xmlns:a16="http://schemas.microsoft.com/office/drawing/2014/main" id="{8397C5EE-AFE9-491D-97B8-3607875F2C26}"/>
+                  <a16:creationId xmlns:a16="http://schemas.microsoft.com/office/drawing/2014/main" id="{8397C5EE-AFE9-491D-97B8-3607875F2C26}"/>
                 </a:ext>
               </a:extLst>
             </p:cNvPr>
@@ -38680,7 +37920,7 @@
           <p:cNvPr id="9" name="Rectangle 8">
             <a:extLst>
               <a:ext uri="{FF2B5EF4-FFF2-40B4-BE49-F238E27FC236}">
-                <a16:creationId xmlns="" xmlns:a16="http://schemas.microsoft.com/office/drawing/2014/main" id="{5D9B5654-F7DB-4CCE-AFC8-FBEF2B7ADB2D}"/>
+                <a16:creationId xmlns:a16="http://schemas.microsoft.com/office/drawing/2014/main" id="{5D9B5654-F7DB-4CCE-AFC8-FBEF2B7ADB2D}"/>
               </a:ext>
             </a:extLst>
           </p:cNvPr>
@@ -38735,7 +37975,7 @@
           <p:cNvPr id="10" name="Rectangle 9">
             <a:extLst>
               <a:ext uri="{FF2B5EF4-FFF2-40B4-BE49-F238E27FC236}">
-                <a16:creationId xmlns="" xmlns:a16="http://schemas.microsoft.com/office/drawing/2014/main" id="{BC73BABD-DE18-423C-90F0-454F92DDFC53}"/>
+                <a16:creationId xmlns:a16="http://schemas.microsoft.com/office/drawing/2014/main" id="{BC73BABD-DE18-423C-90F0-454F92DDFC53}"/>
               </a:ext>
             </a:extLst>
           </p:cNvPr>
@@ -38790,7 +38030,7 @@
           <p:cNvPr id="4" name="Diagram 3">
             <a:extLst>
               <a:ext uri="{FF2B5EF4-FFF2-40B4-BE49-F238E27FC236}">
-                <a16:creationId xmlns="" xmlns:a16="http://schemas.microsoft.com/office/drawing/2014/main" id="{B9670F8B-3DA9-4C9E-AC12-6745AAC92553}"/>
+                <a16:creationId xmlns:a16="http://schemas.microsoft.com/office/drawing/2014/main" id="{B9670F8B-3DA9-4C9E-AC12-6745AAC92553}"/>
               </a:ext>
             </a:extLst>
           </p:cNvPr>
@@ -38814,7 +38054,7 @@
           <p:cNvPr id="11" name="TextBox 10">
             <a:extLst>
               <a:ext uri="{FF2B5EF4-FFF2-40B4-BE49-F238E27FC236}">
-                <a16:creationId xmlns="" xmlns:a16="http://schemas.microsoft.com/office/drawing/2014/main" id="{2806601D-4698-42ED-8A53-BF7A496EB3D3}"/>
+                <a16:creationId xmlns:a16="http://schemas.microsoft.com/office/drawing/2014/main" id="{2806601D-4698-42ED-8A53-BF7A496EB3D3}"/>
               </a:ext>
             </a:extLst>
           </p:cNvPr>
@@ -38849,7 +38089,7 @@
           <p:cNvPr id="12" name="TextBox 11">
             <a:extLst>
               <a:ext uri="{FF2B5EF4-FFF2-40B4-BE49-F238E27FC236}">
-                <a16:creationId xmlns="" xmlns:a16="http://schemas.microsoft.com/office/drawing/2014/main" id="{E9A44560-B3FF-4C01-A433-FFEECBEAA2E0}"/>
+                <a16:creationId xmlns:a16="http://schemas.microsoft.com/office/drawing/2014/main" id="{E9A44560-B3FF-4C01-A433-FFEECBEAA2E0}"/>
               </a:ext>
             </a:extLst>
           </p:cNvPr>
@@ -38884,7 +38124,7 @@
           <p:cNvPr id="5" name="Title 4">
             <a:extLst>
               <a:ext uri="{FF2B5EF4-FFF2-40B4-BE49-F238E27FC236}">
-                <a16:creationId xmlns="" xmlns:a16="http://schemas.microsoft.com/office/drawing/2014/main" id="{622C8FDF-EE86-4528-A6A0-1524F8A10CCD}"/>
+                <a16:creationId xmlns:a16="http://schemas.microsoft.com/office/drawing/2014/main" id="{622C8FDF-EE86-4528-A6A0-1524F8A10CCD}"/>
               </a:ext>
             </a:extLst>
           </p:cNvPr>
@@ -38912,7 +38152,7 @@
           <p:cNvPr id="21" name="Group 20">
             <a:extLst>
               <a:ext uri="{FF2B5EF4-FFF2-40B4-BE49-F238E27FC236}">
-                <a16:creationId xmlns="" xmlns:a16="http://schemas.microsoft.com/office/drawing/2014/main" id="{3BDEC7C0-FE6D-487D-ABDC-2F1B3C3FF657}"/>
+                <a16:creationId xmlns:a16="http://schemas.microsoft.com/office/drawing/2014/main" id="{3BDEC7C0-FE6D-487D-ABDC-2F1B3C3FF657}"/>
               </a:ext>
             </a:extLst>
           </p:cNvPr>
@@ -38932,7 +38172,7 @@
             <p:cNvPr id="20" name="Rectangle 19">
               <a:extLst>
                 <a:ext uri="{FF2B5EF4-FFF2-40B4-BE49-F238E27FC236}">
-                  <a16:creationId xmlns="" xmlns:a16="http://schemas.microsoft.com/office/drawing/2014/main" id="{77F03AAF-D9E6-4086-800B-9776F9D9FD46}"/>
+                  <a16:creationId xmlns:a16="http://schemas.microsoft.com/office/drawing/2014/main" id="{77F03AAF-D9E6-4086-800B-9776F9D9FD46}"/>
                 </a:ext>
               </a:extLst>
             </p:cNvPr>
@@ -38986,7 +38226,7 @@
             <p:cNvPr id="6" name="Group 5">
               <a:extLst>
                 <a:ext uri="{FF2B5EF4-FFF2-40B4-BE49-F238E27FC236}">
-                  <a16:creationId xmlns="" xmlns:a16="http://schemas.microsoft.com/office/drawing/2014/main" id="{0FC80987-3705-4820-A0F8-9A2CC47D47E8}"/>
+                  <a16:creationId xmlns:a16="http://schemas.microsoft.com/office/drawing/2014/main" id="{0FC80987-3705-4820-A0F8-9A2CC47D47E8}"/>
                 </a:ext>
               </a:extLst>
             </p:cNvPr>
@@ -39006,7 +38246,7 @@
               <p:cNvPr id="15" name="Picture 14" descr="theory.lp - /home/marcy/NIST-toy/V3/">
                 <a:extLst>
                   <a:ext uri="{FF2B5EF4-FFF2-40B4-BE49-F238E27FC236}">
-                    <a16:creationId xmlns="" xmlns:a16="http://schemas.microsoft.com/office/drawing/2014/main" id="{751984E3-82DB-4BB0-B896-4C742B754735}"/>
+                    <a16:creationId xmlns:a16="http://schemas.microsoft.com/office/drawing/2014/main" id="{751984E3-82DB-4BB0-B896-4C742B754735}"/>
                   </a:ext>
                 </a:extLst>
               </p:cNvPr>
@@ -39055,7 +38295,7 @@
               <p:cNvPr id="17" name="TextBox 16">
                 <a:extLst>
                   <a:ext uri="{FF2B5EF4-FFF2-40B4-BE49-F238E27FC236}">
-                    <a16:creationId xmlns="" xmlns:a16="http://schemas.microsoft.com/office/drawing/2014/main" id="{B8096E3C-E654-4136-8520-AC58753785F7}"/>
+                    <a16:creationId xmlns:a16="http://schemas.microsoft.com/office/drawing/2014/main" id="{B8096E3C-E654-4136-8520-AC58753785F7}"/>
                   </a:ext>
                 </a:extLst>
               </p:cNvPr>
@@ -39092,7 +38332,7 @@
           <p:cNvPr id="24" name="Group 23">
             <a:extLst>
               <a:ext uri="{FF2B5EF4-FFF2-40B4-BE49-F238E27FC236}">
-                <a16:creationId xmlns="" xmlns:a16="http://schemas.microsoft.com/office/drawing/2014/main" id="{3C25B72E-98D9-4A99-98B4-73294EE728CC}"/>
+                <a16:creationId xmlns:a16="http://schemas.microsoft.com/office/drawing/2014/main" id="{3C25B72E-98D9-4A99-98B4-73294EE728CC}"/>
               </a:ext>
             </a:extLst>
           </p:cNvPr>
@@ -39112,7 +38352,7 @@
             <p:cNvPr id="22" name="Rectangle 21">
               <a:extLst>
                 <a:ext uri="{FF2B5EF4-FFF2-40B4-BE49-F238E27FC236}">
-                  <a16:creationId xmlns="" xmlns:a16="http://schemas.microsoft.com/office/drawing/2014/main" id="{9A0CA59B-BE0F-4EF8-8D84-DFE739A95D11}"/>
+                  <a16:creationId xmlns:a16="http://schemas.microsoft.com/office/drawing/2014/main" id="{9A0CA59B-BE0F-4EF8-8D84-DFE739A95D11}"/>
                 </a:ext>
               </a:extLst>
             </p:cNvPr>
@@ -39166,7 +38406,7 @@
             <p:cNvPr id="23" name="TextBox 22">
               <a:extLst>
                 <a:ext uri="{FF2B5EF4-FFF2-40B4-BE49-F238E27FC236}">
-                  <a16:creationId xmlns="" xmlns:a16="http://schemas.microsoft.com/office/drawing/2014/main" id="{D9469185-9893-4119-94C3-0FB21337CD01}"/>
+                  <a16:creationId xmlns:a16="http://schemas.microsoft.com/office/drawing/2014/main" id="{D9469185-9893-4119-94C3-0FB21337CD01}"/>
                 </a:ext>
               </a:extLst>
             </p:cNvPr>
@@ -39201,7 +38441,7 @@
             <p:cNvPr id="7" name="TextBox 6">
               <a:extLst>
                 <a:ext uri="{FF2B5EF4-FFF2-40B4-BE49-F238E27FC236}">
-                  <a16:creationId xmlns="" xmlns:a16="http://schemas.microsoft.com/office/drawing/2014/main" id="{145BEE55-64E1-4C6F-BB28-AB376E5D0BDA}"/>
+                  <a16:creationId xmlns:a16="http://schemas.microsoft.com/office/drawing/2014/main" id="{145BEE55-64E1-4C6F-BB28-AB376E5D0BDA}"/>
                 </a:ext>
               </a:extLst>
             </p:cNvPr>
@@ -39240,7 +38480,7 @@
             <p:cNvPr id="19" name="Picture 18" descr="theory.lp (modified) - /home/marcy/NIST-toy/V3/">
               <a:extLst>
                 <a:ext uri="{FF2B5EF4-FFF2-40B4-BE49-F238E27FC236}">
-                  <a16:creationId xmlns="" xmlns:a16="http://schemas.microsoft.com/office/drawing/2014/main" id="{8397C5EE-AFE9-491D-97B8-3607875F2C26}"/>
+                  <a16:creationId xmlns:a16="http://schemas.microsoft.com/office/drawing/2014/main" id="{8397C5EE-AFE9-491D-97B8-3607875F2C26}"/>
                 </a:ext>
               </a:extLst>
             </p:cNvPr>
@@ -39290,7 +38530,7 @@
           <p:cNvPr id="28" name="Group 27">
             <a:extLst>
               <a:ext uri="{FF2B5EF4-FFF2-40B4-BE49-F238E27FC236}">
-                <a16:creationId xmlns="" xmlns:a16="http://schemas.microsoft.com/office/drawing/2014/main" id="{8F7FD18A-EFCB-4B25-9168-AF445F11D653}"/>
+                <a16:creationId xmlns:a16="http://schemas.microsoft.com/office/drawing/2014/main" id="{8F7FD18A-EFCB-4B25-9168-AF445F11D653}"/>
               </a:ext>
             </a:extLst>
           </p:cNvPr>
@@ -39310,7 +38550,7 @@
             <p:cNvPr id="26" name="Rectangle 25">
               <a:extLst>
                 <a:ext uri="{FF2B5EF4-FFF2-40B4-BE49-F238E27FC236}">
-                  <a16:creationId xmlns="" xmlns:a16="http://schemas.microsoft.com/office/drawing/2014/main" id="{DF00E743-36AF-4A39-8D3B-A92295B645C0}"/>
+                  <a16:creationId xmlns:a16="http://schemas.microsoft.com/office/drawing/2014/main" id="{DF00E743-36AF-4A39-8D3B-A92295B645C0}"/>
                 </a:ext>
               </a:extLst>
             </p:cNvPr>
@@ -39364,7 +38604,7 @@
             <p:cNvPr id="27" name="TextBox 26">
               <a:extLst>
                 <a:ext uri="{FF2B5EF4-FFF2-40B4-BE49-F238E27FC236}">
-                  <a16:creationId xmlns="" xmlns:a16="http://schemas.microsoft.com/office/drawing/2014/main" id="{87E8221B-69EE-4F9D-A9FA-E1A521ABD6A6}"/>
+                  <a16:creationId xmlns:a16="http://schemas.microsoft.com/office/drawing/2014/main" id="{87E8221B-69EE-4F9D-A9FA-E1A521ABD6A6}"/>
                 </a:ext>
               </a:extLst>
             </p:cNvPr>
@@ -39399,7 +38639,7 @@
             <p:cNvPr id="13" name="TextBox 12">
               <a:extLst>
                 <a:ext uri="{FF2B5EF4-FFF2-40B4-BE49-F238E27FC236}">
-                  <a16:creationId xmlns="" xmlns:a16="http://schemas.microsoft.com/office/drawing/2014/main" id="{E8983011-EA14-4842-A6A3-CED110F9A462}"/>
+                  <a16:creationId xmlns:a16="http://schemas.microsoft.com/office/drawing/2014/main" id="{E8983011-EA14-4842-A6A3-CED110F9A462}"/>
                 </a:ext>
               </a:extLst>
             </p:cNvPr>
@@ -39468,7 +38708,7 @@
             <p:cNvPr id="18" name="Picture 17" descr="theory.lp (modified) - /home/marcy/NIST-toy/V3/">
               <a:extLst>
                 <a:ext uri="{FF2B5EF4-FFF2-40B4-BE49-F238E27FC236}">
-                  <a16:creationId xmlns="" xmlns:a16="http://schemas.microsoft.com/office/drawing/2014/main" id="{00253F5C-4DBF-4F60-ADBE-C01EB969E372}"/>
+                  <a16:creationId xmlns:a16="http://schemas.microsoft.com/office/drawing/2014/main" id="{00253F5C-4DBF-4F60-ADBE-C01EB969E372}"/>
                 </a:ext>
               </a:extLst>
             </p:cNvPr>
@@ -39560,17 +38800,16 @@
           <a:p>
             <a:pPr algn="ctr"/>
             <a:r>
-              <a:rPr lang="en-US" dirty="0" smtClean="0"/>
+              <a:rPr lang="en-US" dirty="0"/>
               <a:t>Example 1</a:t>
             </a:r>
             <a:br>
-              <a:rPr lang="en-US" dirty="0" smtClean="0"/>
+              <a:rPr lang="en-US" dirty="0"/>
             </a:br>
             <a:r>
-              <a:rPr lang="en-US" b="1" dirty="0" smtClean="0"/>
+              <a:rPr lang="en-US" b="1" dirty="0"/>
               <a:t>Body Camera</a:t>
             </a:r>
-            <a:endParaRPr lang="en-US" b="1" dirty="0"/>
           </a:p>
         </p:txBody>
       </p:sp>
